--- a/KANJI_JPD121_ TAMAGO.ppt.pptx
+++ b/KANJI_JPD121_ TAMAGO.ppt.pptx
@@ -298,7 +298,7 @@
           <a:p>
             <a:fld id="{6B68999C-3EF6-48EE-B29C-31433357F191}" type="datetimeFigureOut">
               <a:rPr lang="en-US" smtClean="0"/>
-              <a:t>2/11/2023</a:t>
+              <a:t>3/1/2023</a:t>
             </a:fld>
             <a:endParaRPr lang="en-US"/>
           </a:p>
@@ -18057,7 +18057,7 @@
           <a:p>
             <a:fld id="{E6B2EF96-978E-48BA-90D1-E6D08B60635D}" type="datetimeFigureOut">
               <a:rPr lang="en-US" smtClean="0"/>
-              <a:t>2/11/2023</a:t>
+              <a:t>3/1/2023</a:t>
             </a:fld>
             <a:endParaRPr lang="en-US"/>
           </a:p>
@@ -18225,7 +18225,7 @@
           <a:p>
             <a:fld id="{E6B2EF96-978E-48BA-90D1-E6D08B60635D}" type="datetimeFigureOut">
               <a:rPr lang="en-US" smtClean="0"/>
-              <a:t>2/11/2023</a:t>
+              <a:t>3/1/2023</a:t>
             </a:fld>
             <a:endParaRPr lang="en-US"/>
           </a:p>
@@ -18403,7 +18403,7 @@
           <a:p>
             <a:fld id="{E6B2EF96-978E-48BA-90D1-E6D08B60635D}" type="datetimeFigureOut">
               <a:rPr lang="en-US" smtClean="0"/>
-              <a:t>2/11/2023</a:t>
+              <a:t>3/1/2023</a:t>
             </a:fld>
             <a:endParaRPr lang="en-US"/>
           </a:p>
@@ -18571,7 +18571,7 @@
           <a:p>
             <a:fld id="{E6B2EF96-978E-48BA-90D1-E6D08B60635D}" type="datetimeFigureOut">
               <a:rPr lang="en-US" smtClean="0"/>
-              <a:t>2/11/2023</a:t>
+              <a:t>3/1/2023</a:t>
             </a:fld>
             <a:endParaRPr lang="en-US"/>
           </a:p>
@@ -18816,7 +18816,7 @@
           <a:p>
             <a:fld id="{E6B2EF96-978E-48BA-90D1-E6D08B60635D}" type="datetimeFigureOut">
               <a:rPr lang="en-US" smtClean="0"/>
-              <a:t>2/11/2023</a:t>
+              <a:t>3/1/2023</a:t>
             </a:fld>
             <a:endParaRPr lang="en-US"/>
           </a:p>
@@ -19101,7 +19101,7 @@
           <a:p>
             <a:fld id="{E6B2EF96-978E-48BA-90D1-E6D08B60635D}" type="datetimeFigureOut">
               <a:rPr lang="en-US" smtClean="0"/>
-              <a:t>2/11/2023</a:t>
+              <a:t>3/1/2023</a:t>
             </a:fld>
             <a:endParaRPr lang="en-US"/>
           </a:p>
@@ -19520,7 +19520,7 @@
           <a:p>
             <a:fld id="{E6B2EF96-978E-48BA-90D1-E6D08B60635D}" type="datetimeFigureOut">
               <a:rPr lang="en-US" smtClean="0"/>
-              <a:t>2/11/2023</a:t>
+              <a:t>3/1/2023</a:t>
             </a:fld>
             <a:endParaRPr lang="en-US"/>
           </a:p>
@@ -19637,7 +19637,7 @@
           <a:p>
             <a:fld id="{E6B2EF96-978E-48BA-90D1-E6D08B60635D}" type="datetimeFigureOut">
               <a:rPr lang="en-US" smtClean="0"/>
-              <a:t>2/11/2023</a:t>
+              <a:t>3/1/2023</a:t>
             </a:fld>
             <a:endParaRPr lang="en-US"/>
           </a:p>
@@ -19732,7 +19732,7 @@
           <a:p>
             <a:fld id="{E6B2EF96-978E-48BA-90D1-E6D08B60635D}" type="datetimeFigureOut">
               <a:rPr lang="en-US" smtClean="0"/>
-              <a:t>2/11/2023</a:t>
+              <a:t>3/1/2023</a:t>
             </a:fld>
             <a:endParaRPr lang="en-US"/>
           </a:p>
@@ -20007,7 +20007,7 @@
           <a:p>
             <a:fld id="{E6B2EF96-978E-48BA-90D1-E6D08B60635D}" type="datetimeFigureOut">
               <a:rPr lang="en-US" smtClean="0"/>
-              <a:t>2/11/2023</a:t>
+              <a:t>3/1/2023</a:t>
             </a:fld>
             <a:endParaRPr lang="en-US"/>
           </a:p>
@@ -20259,7 +20259,7 @@
           <a:p>
             <a:fld id="{E6B2EF96-978E-48BA-90D1-E6D08B60635D}" type="datetimeFigureOut">
               <a:rPr lang="en-US" smtClean="0"/>
-              <a:t>2/11/2023</a:t>
+              <a:t>3/1/2023</a:t>
             </a:fld>
             <a:endParaRPr lang="en-US"/>
           </a:p>
@@ -20470,7 +20470,7 @@
           <a:p>
             <a:fld id="{E6B2EF96-978E-48BA-90D1-E6D08B60635D}" type="datetimeFigureOut">
               <a:rPr lang="en-US" smtClean="0"/>
-              <a:t>2/11/2023</a:t>
+              <a:t>3/1/2023</a:t>
             </a:fld>
             <a:endParaRPr lang="en-US"/>
           </a:p>
@@ -26256,54 +26256,6 @@
           </a:p>
         </p:txBody>
       </p:sp>
-      <p:sp>
-        <p:nvSpPr>
-          <p:cNvPr id="1193988" name="Rectangle 4"/>
-          <p:cNvSpPr>
-            <a:spLocks noChangeArrowheads="1"/>
-          </p:cNvSpPr>
-          <p:nvPr/>
-        </p:nvSpPr>
-        <p:spPr bwMode="auto">
-          <a:xfrm>
-            <a:off x="2133600" y="304800"/>
-            <a:ext cx="5715000" cy="1143000"/>
-          </a:xfrm>
-          <a:prstGeom prst="rect">
-            <a:avLst/>
-          </a:prstGeom>
-          <a:solidFill>
-            <a:schemeClr val="accent1"/>
-          </a:solidFill>
-          <a:ln w="9525">
-            <a:solidFill>
-              <a:schemeClr val="tx1"/>
-            </a:solidFill>
-            <a:miter lim="800000"/>
-            <a:headEnd/>
-            <a:tailEnd/>
-          </a:ln>
-          <a:effectLst/>
-          <a:extLst>
-            <a:ext uri="{AF507438-7753-43E0-B8FC-AC1667EBCBE1}">
-              <a14:hiddenEffects xmlns:a14="http://schemas.microsoft.com/office/drawing/2010/main">
-                <a:effectLst>
-                  <a:outerShdw dist="35921" dir="2700000" algn="ctr" rotWithShape="0">
-                    <a:schemeClr val="bg2"/>
-                  </a:outerShdw>
-                </a:effectLst>
-              </a14:hiddenEffects>
-            </a:ext>
-          </a:extLst>
-        </p:spPr>
-        <p:txBody>
-          <a:bodyPr wrap="none" anchor="ctr"/>
-          <a:lstStyle/>
-          <a:p>
-            <a:endParaRPr lang="en-US"/>
-          </a:p>
-        </p:txBody>
-      </p:sp>
     </p:spTree>
     <p:extLst>
       <p:ext uri="{BB962C8B-B14F-4D97-AF65-F5344CB8AC3E}">
@@ -26314,92 +26266,6 @@
   <p:clrMapOvr>
     <a:masterClrMapping/>
   </p:clrMapOvr>
-  <p:timing>
-    <p:tnLst>
-      <p:par>
-        <p:cTn id="1" dur="indefinite" restart="never" nodeType="tmRoot">
-          <p:childTnLst>
-            <p:seq concurrent="1" nextAc="seek">
-              <p:cTn id="2" dur="indefinite" nodeType="mainSeq">
-                <p:childTnLst>
-                  <p:par>
-                    <p:cTn id="3" fill="hold" nodeType="clickPar">
-                      <p:stCondLst>
-                        <p:cond delay="indefinite"/>
-                      </p:stCondLst>
-                      <p:childTnLst>
-                        <p:par>
-                          <p:cTn id="4" fill="hold" nodeType="withGroup">
-                            <p:stCondLst>
-                              <p:cond delay="0"/>
-                            </p:stCondLst>
-                            <p:childTnLst>
-                              <p:par>
-                                <p:cTn id="5" presetID="4" presetClass="exit" presetSubtype="16" fill="hold" grpId="0" nodeType="clickEffect">
-                                  <p:stCondLst>
-                                    <p:cond delay="0"/>
-                                  </p:stCondLst>
-                                  <p:childTnLst>
-                                    <p:animEffect transition="out" filter="box(in)">
-                                      <p:cBhvr>
-                                        <p:cTn id="6" dur="500"/>
-                                        <p:tgtEl>
-                                          <p:spTgt spid="1193988"/>
-                                        </p:tgtEl>
-                                      </p:cBhvr>
-                                    </p:animEffect>
-                                    <p:set>
-                                      <p:cBhvr>
-                                        <p:cTn id="7" dur="1" fill="hold">
-                                          <p:stCondLst>
-                                            <p:cond delay="499"/>
-                                          </p:stCondLst>
-                                        </p:cTn>
-                                        <p:tgtEl>
-                                          <p:spTgt spid="1193988"/>
-                                        </p:tgtEl>
-                                        <p:attrNameLst>
-                                          <p:attrName>style.visibility</p:attrName>
-                                        </p:attrNameLst>
-                                      </p:cBhvr>
-                                      <p:to>
-                                        <p:strVal val="hidden"/>
-                                      </p:to>
-                                    </p:set>
-                                  </p:childTnLst>
-                                </p:cTn>
-                              </p:par>
-                            </p:childTnLst>
-                          </p:cTn>
-                        </p:par>
-                      </p:childTnLst>
-                    </p:cTn>
-                  </p:par>
-                </p:childTnLst>
-              </p:cTn>
-              <p:prevCondLst>
-                <p:cond evt="onPrev" delay="0">
-                  <p:tgtEl>
-                    <p:sldTgt/>
-                  </p:tgtEl>
-                </p:cond>
-              </p:prevCondLst>
-              <p:nextCondLst>
-                <p:cond evt="onNext" delay="0">
-                  <p:tgtEl>
-                    <p:sldTgt/>
-                  </p:tgtEl>
-                </p:cond>
-              </p:nextCondLst>
-            </p:seq>
-          </p:childTnLst>
-        </p:cTn>
-      </p:par>
-    </p:tnLst>
-    <p:bldLst>
-      <p:bldP spid="1193988" grpId="0" animBg="1"/>
-    </p:bldLst>
-  </p:timing>
 </p:sld>
 </file>
 
@@ -26494,54 +26360,6 @@
           </a:p>
         </p:txBody>
       </p:sp>
-      <p:sp>
-        <p:nvSpPr>
-          <p:cNvPr id="1193988" name="Rectangle 4"/>
-          <p:cNvSpPr>
-            <a:spLocks noChangeArrowheads="1"/>
-          </p:cNvSpPr>
-          <p:nvPr/>
-        </p:nvSpPr>
-        <p:spPr bwMode="auto">
-          <a:xfrm>
-            <a:off x="1752600" y="383005"/>
-            <a:ext cx="5715000" cy="1143000"/>
-          </a:xfrm>
-          <a:prstGeom prst="rect">
-            <a:avLst/>
-          </a:prstGeom>
-          <a:solidFill>
-            <a:schemeClr val="accent1"/>
-          </a:solidFill>
-          <a:ln w="9525">
-            <a:solidFill>
-              <a:schemeClr val="tx1"/>
-            </a:solidFill>
-            <a:miter lim="800000"/>
-            <a:headEnd/>
-            <a:tailEnd/>
-          </a:ln>
-          <a:effectLst/>
-          <a:extLst>
-            <a:ext uri="{AF507438-7753-43E0-B8FC-AC1667EBCBE1}">
-              <a14:hiddenEffects xmlns:a14="http://schemas.microsoft.com/office/drawing/2010/main">
-                <a:effectLst>
-                  <a:outerShdw dist="35921" dir="2700000" algn="ctr" rotWithShape="0">
-                    <a:schemeClr val="bg2"/>
-                  </a:outerShdw>
-                </a:effectLst>
-              </a14:hiddenEffects>
-            </a:ext>
-          </a:extLst>
-        </p:spPr>
-        <p:txBody>
-          <a:bodyPr wrap="none" anchor="ctr"/>
-          <a:lstStyle/>
-          <a:p>
-            <a:endParaRPr lang="en-US"/>
-          </a:p>
-        </p:txBody>
-      </p:sp>
     </p:spTree>
     <p:extLst>
       <p:ext uri="{BB962C8B-B14F-4D97-AF65-F5344CB8AC3E}">
@@ -26552,92 +26370,6 @@
   <p:clrMapOvr>
     <a:masterClrMapping/>
   </p:clrMapOvr>
-  <p:timing>
-    <p:tnLst>
-      <p:par>
-        <p:cTn id="1" dur="indefinite" restart="never" nodeType="tmRoot">
-          <p:childTnLst>
-            <p:seq concurrent="1" nextAc="seek">
-              <p:cTn id="2" dur="indefinite" nodeType="mainSeq">
-                <p:childTnLst>
-                  <p:par>
-                    <p:cTn id="3" fill="hold" nodeType="clickPar">
-                      <p:stCondLst>
-                        <p:cond delay="indefinite"/>
-                      </p:stCondLst>
-                      <p:childTnLst>
-                        <p:par>
-                          <p:cTn id="4" fill="hold" nodeType="withGroup">
-                            <p:stCondLst>
-                              <p:cond delay="0"/>
-                            </p:stCondLst>
-                            <p:childTnLst>
-                              <p:par>
-                                <p:cTn id="5" presetID="4" presetClass="exit" presetSubtype="16" fill="hold" grpId="0" nodeType="clickEffect">
-                                  <p:stCondLst>
-                                    <p:cond delay="0"/>
-                                  </p:stCondLst>
-                                  <p:childTnLst>
-                                    <p:animEffect transition="out" filter="box(in)">
-                                      <p:cBhvr>
-                                        <p:cTn id="6" dur="500"/>
-                                        <p:tgtEl>
-                                          <p:spTgt spid="1193988"/>
-                                        </p:tgtEl>
-                                      </p:cBhvr>
-                                    </p:animEffect>
-                                    <p:set>
-                                      <p:cBhvr>
-                                        <p:cTn id="7" dur="1" fill="hold">
-                                          <p:stCondLst>
-                                            <p:cond delay="499"/>
-                                          </p:stCondLst>
-                                        </p:cTn>
-                                        <p:tgtEl>
-                                          <p:spTgt spid="1193988"/>
-                                        </p:tgtEl>
-                                        <p:attrNameLst>
-                                          <p:attrName>style.visibility</p:attrName>
-                                        </p:attrNameLst>
-                                      </p:cBhvr>
-                                      <p:to>
-                                        <p:strVal val="hidden"/>
-                                      </p:to>
-                                    </p:set>
-                                  </p:childTnLst>
-                                </p:cTn>
-                              </p:par>
-                            </p:childTnLst>
-                          </p:cTn>
-                        </p:par>
-                      </p:childTnLst>
-                    </p:cTn>
-                  </p:par>
-                </p:childTnLst>
-              </p:cTn>
-              <p:prevCondLst>
-                <p:cond evt="onPrev" delay="0">
-                  <p:tgtEl>
-                    <p:sldTgt/>
-                  </p:tgtEl>
-                </p:cond>
-              </p:prevCondLst>
-              <p:nextCondLst>
-                <p:cond evt="onNext" delay="0">
-                  <p:tgtEl>
-                    <p:sldTgt/>
-                  </p:tgtEl>
-                </p:cond>
-              </p:nextCondLst>
-            </p:seq>
-          </p:childTnLst>
-        </p:cTn>
-      </p:par>
-    </p:tnLst>
-    <p:bldLst>
-      <p:bldP spid="1193988" grpId="0" animBg="1"/>
-    </p:bldLst>
-  </p:timing>
 </p:sld>
 </file>
 
@@ -26970,54 +26702,6 @@
           </a:p>
         </p:txBody>
       </p:sp>
-      <p:sp>
-        <p:nvSpPr>
-          <p:cNvPr id="1193988" name="Rectangle 4"/>
-          <p:cNvSpPr>
-            <a:spLocks noChangeArrowheads="1"/>
-          </p:cNvSpPr>
-          <p:nvPr/>
-        </p:nvSpPr>
-        <p:spPr bwMode="auto">
-          <a:xfrm>
-            <a:off x="1981200" y="304800"/>
-            <a:ext cx="5715000" cy="1143000"/>
-          </a:xfrm>
-          <a:prstGeom prst="rect">
-            <a:avLst/>
-          </a:prstGeom>
-          <a:solidFill>
-            <a:schemeClr val="accent1"/>
-          </a:solidFill>
-          <a:ln w="9525">
-            <a:solidFill>
-              <a:schemeClr val="tx1"/>
-            </a:solidFill>
-            <a:miter lim="800000"/>
-            <a:headEnd/>
-            <a:tailEnd/>
-          </a:ln>
-          <a:effectLst/>
-          <a:extLst>
-            <a:ext uri="{AF507438-7753-43E0-B8FC-AC1667EBCBE1}">
-              <a14:hiddenEffects xmlns:a14="http://schemas.microsoft.com/office/drawing/2010/main">
-                <a:effectLst>
-                  <a:outerShdw dist="35921" dir="2700000" algn="ctr" rotWithShape="0">
-                    <a:schemeClr val="bg2"/>
-                  </a:outerShdw>
-                </a:effectLst>
-              </a14:hiddenEffects>
-            </a:ext>
-          </a:extLst>
-        </p:spPr>
-        <p:txBody>
-          <a:bodyPr wrap="none" anchor="ctr"/>
-          <a:lstStyle/>
-          <a:p>
-            <a:endParaRPr lang="en-US"/>
-          </a:p>
-        </p:txBody>
-      </p:sp>
     </p:spTree>
     <p:extLst>
       <p:ext uri="{BB962C8B-B14F-4D97-AF65-F5344CB8AC3E}">
@@ -27028,92 +26712,6 @@
   <p:clrMapOvr>
     <a:masterClrMapping/>
   </p:clrMapOvr>
-  <p:timing>
-    <p:tnLst>
-      <p:par>
-        <p:cTn id="1" dur="indefinite" restart="never" nodeType="tmRoot">
-          <p:childTnLst>
-            <p:seq concurrent="1" nextAc="seek">
-              <p:cTn id="2" dur="indefinite" nodeType="mainSeq">
-                <p:childTnLst>
-                  <p:par>
-                    <p:cTn id="3" fill="hold" nodeType="clickPar">
-                      <p:stCondLst>
-                        <p:cond delay="indefinite"/>
-                      </p:stCondLst>
-                      <p:childTnLst>
-                        <p:par>
-                          <p:cTn id="4" fill="hold" nodeType="withGroup">
-                            <p:stCondLst>
-                              <p:cond delay="0"/>
-                            </p:stCondLst>
-                            <p:childTnLst>
-                              <p:par>
-                                <p:cTn id="5" presetID="4" presetClass="exit" presetSubtype="16" fill="hold" grpId="0" nodeType="clickEffect">
-                                  <p:stCondLst>
-                                    <p:cond delay="0"/>
-                                  </p:stCondLst>
-                                  <p:childTnLst>
-                                    <p:animEffect transition="out" filter="box(in)">
-                                      <p:cBhvr>
-                                        <p:cTn id="6" dur="500"/>
-                                        <p:tgtEl>
-                                          <p:spTgt spid="1193988"/>
-                                        </p:tgtEl>
-                                      </p:cBhvr>
-                                    </p:animEffect>
-                                    <p:set>
-                                      <p:cBhvr>
-                                        <p:cTn id="7" dur="1" fill="hold">
-                                          <p:stCondLst>
-                                            <p:cond delay="499"/>
-                                          </p:stCondLst>
-                                        </p:cTn>
-                                        <p:tgtEl>
-                                          <p:spTgt spid="1193988"/>
-                                        </p:tgtEl>
-                                        <p:attrNameLst>
-                                          <p:attrName>style.visibility</p:attrName>
-                                        </p:attrNameLst>
-                                      </p:cBhvr>
-                                      <p:to>
-                                        <p:strVal val="hidden"/>
-                                      </p:to>
-                                    </p:set>
-                                  </p:childTnLst>
-                                </p:cTn>
-                              </p:par>
-                            </p:childTnLst>
-                          </p:cTn>
-                        </p:par>
-                      </p:childTnLst>
-                    </p:cTn>
-                  </p:par>
-                </p:childTnLst>
-              </p:cTn>
-              <p:prevCondLst>
-                <p:cond evt="onPrev" delay="0">
-                  <p:tgtEl>
-                    <p:sldTgt/>
-                  </p:tgtEl>
-                </p:cond>
-              </p:prevCondLst>
-              <p:nextCondLst>
-                <p:cond evt="onNext" delay="0">
-                  <p:tgtEl>
-                    <p:sldTgt/>
-                  </p:tgtEl>
-                </p:cond>
-              </p:nextCondLst>
-            </p:seq>
-          </p:childTnLst>
-        </p:cTn>
-      </p:par>
-    </p:tnLst>
-    <p:bldLst>
-      <p:bldP spid="1193988" grpId="0" animBg="1"/>
-    </p:bldLst>
-  </p:timing>
 </p:sld>
 </file>
 
@@ -27208,54 +26806,6 @@
           </a:p>
         </p:txBody>
       </p:sp>
-      <p:sp>
-        <p:nvSpPr>
-          <p:cNvPr id="1193988" name="Rectangle 4"/>
-          <p:cNvSpPr>
-            <a:spLocks noChangeArrowheads="1"/>
-          </p:cNvSpPr>
-          <p:nvPr/>
-        </p:nvSpPr>
-        <p:spPr bwMode="auto">
-          <a:xfrm>
-            <a:off x="1431758" y="381000"/>
-            <a:ext cx="5715000" cy="1143000"/>
-          </a:xfrm>
-          <a:prstGeom prst="rect">
-            <a:avLst/>
-          </a:prstGeom>
-          <a:solidFill>
-            <a:schemeClr val="accent1"/>
-          </a:solidFill>
-          <a:ln w="9525">
-            <a:solidFill>
-              <a:schemeClr val="tx1"/>
-            </a:solidFill>
-            <a:miter lim="800000"/>
-            <a:headEnd/>
-            <a:tailEnd/>
-          </a:ln>
-          <a:effectLst/>
-          <a:extLst>
-            <a:ext uri="{AF507438-7753-43E0-B8FC-AC1667EBCBE1}">
-              <a14:hiddenEffects xmlns:a14="http://schemas.microsoft.com/office/drawing/2010/main">
-                <a:effectLst>
-                  <a:outerShdw dist="35921" dir="2700000" algn="ctr" rotWithShape="0">
-                    <a:schemeClr val="bg2"/>
-                  </a:outerShdw>
-                </a:effectLst>
-              </a14:hiddenEffects>
-            </a:ext>
-          </a:extLst>
-        </p:spPr>
-        <p:txBody>
-          <a:bodyPr wrap="none" anchor="ctr"/>
-          <a:lstStyle/>
-          <a:p>
-            <a:endParaRPr lang="en-US"/>
-          </a:p>
-        </p:txBody>
-      </p:sp>
     </p:spTree>
     <p:extLst>
       <p:ext uri="{BB962C8B-B14F-4D97-AF65-F5344CB8AC3E}">
@@ -27266,92 +26816,6 @@
   <p:clrMapOvr>
     <a:masterClrMapping/>
   </p:clrMapOvr>
-  <p:timing>
-    <p:tnLst>
-      <p:par>
-        <p:cTn id="1" dur="indefinite" restart="never" nodeType="tmRoot">
-          <p:childTnLst>
-            <p:seq concurrent="1" nextAc="seek">
-              <p:cTn id="2" dur="indefinite" nodeType="mainSeq">
-                <p:childTnLst>
-                  <p:par>
-                    <p:cTn id="3" fill="hold" nodeType="clickPar">
-                      <p:stCondLst>
-                        <p:cond delay="indefinite"/>
-                      </p:stCondLst>
-                      <p:childTnLst>
-                        <p:par>
-                          <p:cTn id="4" fill="hold" nodeType="withGroup">
-                            <p:stCondLst>
-                              <p:cond delay="0"/>
-                            </p:stCondLst>
-                            <p:childTnLst>
-                              <p:par>
-                                <p:cTn id="5" presetID="4" presetClass="exit" presetSubtype="16" fill="hold" grpId="0" nodeType="clickEffect">
-                                  <p:stCondLst>
-                                    <p:cond delay="0"/>
-                                  </p:stCondLst>
-                                  <p:childTnLst>
-                                    <p:animEffect transition="out" filter="box(in)">
-                                      <p:cBhvr>
-                                        <p:cTn id="6" dur="500"/>
-                                        <p:tgtEl>
-                                          <p:spTgt spid="1193988"/>
-                                        </p:tgtEl>
-                                      </p:cBhvr>
-                                    </p:animEffect>
-                                    <p:set>
-                                      <p:cBhvr>
-                                        <p:cTn id="7" dur="1" fill="hold">
-                                          <p:stCondLst>
-                                            <p:cond delay="499"/>
-                                          </p:stCondLst>
-                                        </p:cTn>
-                                        <p:tgtEl>
-                                          <p:spTgt spid="1193988"/>
-                                        </p:tgtEl>
-                                        <p:attrNameLst>
-                                          <p:attrName>style.visibility</p:attrName>
-                                        </p:attrNameLst>
-                                      </p:cBhvr>
-                                      <p:to>
-                                        <p:strVal val="hidden"/>
-                                      </p:to>
-                                    </p:set>
-                                  </p:childTnLst>
-                                </p:cTn>
-                              </p:par>
-                            </p:childTnLst>
-                          </p:cTn>
-                        </p:par>
-                      </p:childTnLst>
-                    </p:cTn>
-                  </p:par>
-                </p:childTnLst>
-              </p:cTn>
-              <p:prevCondLst>
-                <p:cond evt="onPrev" delay="0">
-                  <p:tgtEl>
-                    <p:sldTgt/>
-                  </p:tgtEl>
-                </p:cond>
-              </p:prevCondLst>
-              <p:nextCondLst>
-                <p:cond evt="onNext" delay="0">
-                  <p:tgtEl>
-                    <p:sldTgt/>
-                  </p:tgtEl>
-                </p:cond>
-              </p:nextCondLst>
-            </p:seq>
-          </p:childTnLst>
-        </p:cTn>
-      </p:par>
-    </p:tnLst>
-    <p:bldLst>
-      <p:bldP spid="1193988" grpId="0" animBg="1"/>
-    </p:bldLst>
-  </p:timing>
 </p:sld>
 </file>
 
@@ -27446,54 +26910,6 @@
           </a:p>
         </p:txBody>
       </p:sp>
-      <p:sp>
-        <p:nvSpPr>
-          <p:cNvPr id="1193988" name="Rectangle 4"/>
-          <p:cNvSpPr>
-            <a:spLocks noChangeArrowheads="1"/>
-          </p:cNvSpPr>
-          <p:nvPr/>
-        </p:nvSpPr>
-        <p:spPr bwMode="auto">
-          <a:xfrm>
-            <a:off x="1828800" y="228600"/>
-            <a:ext cx="5715000" cy="1143000"/>
-          </a:xfrm>
-          <a:prstGeom prst="rect">
-            <a:avLst/>
-          </a:prstGeom>
-          <a:solidFill>
-            <a:schemeClr val="accent1"/>
-          </a:solidFill>
-          <a:ln w="9525">
-            <a:solidFill>
-              <a:schemeClr val="tx1"/>
-            </a:solidFill>
-            <a:miter lim="800000"/>
-            <a:headEnd/>
-            <a:tailEnd/>
-          </a:ln>
-          <a:effectLst/>
-          <a:extLst>
-            <a:ext uri="{AF507438-7753-43E0-B8FC-AC1667EBCBE1}">
-              <a14:hiddenEffects xmlns:a14="http://schemas.microsoft.com/office/drawing/2010/main">
-                <a:effectLst>
-                  <a:outerShdw dist="35921" dir="2700000" algn="ctr" rotWithShape="0">
-                    <a:schemeClr val="bg2"/>
-                  </a:outerShdw>
-                </a:effectLst>
-              </a14:hiddenEffects>
-            </a:ext>
-          </a:extLst>
-        </p:spPr>
-        <p:txBody>
-          <a:bodyPr wrap="none" anchor="ctr"/>
-          <a:lstStyle/>
-          <a:p>
-            <a:endParaRPr lang="en-US"/>
-          </a:p>
-        </p:txBody>
-      </p:sp>
     </p:spTree>
     <p:extLst>
       <p:ext uri="{BB962C8B-B14F-4D97-AF65-F5344CB8AC3E}">
@@ -27504,92 +26920,6 @@
   <p:clrMapOvr>
     <a:masterClrMapping/>
   </p:clrMapOvr>
-  <p:timing>
-    <p:tnLst>
-      <p:par>
-        <p:cTn id="1" dur="indefinite" restart="never" nodeType="tmRoot">
-          <p:childTnLst>
-            <p:seq concurrent="1" nextAc="seek">
-              <p:cTn id="2" dur="indefinite" nodeType="mainSeq">
-                <p:childTnLst>
-                  <p:par>
-                    <p:cTn id="3" fill="hold" nodeType="clickPar">
-                      <p:stCondLst>
-                        <p:cond delay="indefinite"/>
-                      </p:stCondLst>
-                      <p:childTnLst>
-                        <p:par>
-                          <p:cTn id="4" fill="hold" nodeType="withGroup">
-                            <p:stCondLst>
-                              <p:cond delay="0"/>
-                            </p:stCondLst>
-                            <p:childTnLst>
-                              <p:par>
-                                <p:cTn id="5" presetID="4" presetClass="exit" presetSubtype="16" fill="hold" grpId="0" nodeType="clickEffect">
-                                  <p:stCondLst>
-                                    <p:cond delay="0"/>
-                                  </p:stCondLst>
-                                  <p:childTnLst>
-                                    <p:animEffect transition="out" filter="box(in)">
-                                      <p:cBhvr>
-                                        <p:cTn id="6" dur="500"/>
-                                        <p:tgtEl>
-                                          <p:spTgt spid="1193988"/>
-                                        </p:tgtEl>
-                                      </p:cBhvr>
-                                    </p:animEffect>
-                                    <p:set>
-                                      <p:cBhvr>
-                                        <p:cTn id="7" dur="1" fill="hold">
-                                          <p:stCondLst>
-                                            <p:cond delay="499"/>
-                                          </p:stCondLst>
-                                        </p:cTn>
-                                        <p:tgtEl>
-                                          <p:spTgt spid="1193988"/>
-                                        </p:tgtEl>
-                                        <p:attrNameLst>
-                                          <p:attrName>style.visibility</p:attrName>
-                                        </p:attrNameLst>
-                                      </p:cBhvr>
-                                      <p:to>
-                                        <p:strVal val="hidden"/>
-                                      </p:to>
-                                    </p:set>
-                                  </p:childTnLst>
-                                </p:cTn>
-                              </p:par>
-                            </p:childTnLst>
-                          </p:cTn>
-                        </p:par>
-                      </p:childTnLst>
-                    </p:cTn>
-                  </p:par>
-                </p:childTnLst>
-              </p:cTn>
-              <p:prevCondLst>
-                <p:cond evt="onPrev" delay="0">
-                  <p:tgtEl>
-                    <p:sldTgt/>
-                  </p:tgtEl>
-                </p:cond>
-              </p:prevCondLst>
-              <p:nextCondLst>
-                <p:cond evt="onNext" delay="0">
-                  <p:tgtEl>
-                    <p:sldTgt/>
-                  </p:tgtEl>
-                </p:cond>
-              </p:nextCondLst>
-            </p:seq>
-          </p:childTnLst>
-        </p:cTn>
-      </p:par>
-    </p:tnLst>
-    <p:bldLst>
-      <p:bldP spid="1193988" grpId="0" animBg="1"/>
-    </p:bldLst>
-  </p:timing>
 </p:sld>
 </file>
 
@@ -27690,54 +27020,6 @@
           </a:p>
         </p:txBody>
       </p:sp>
-      <p:sp>
-        <p:nvSpPr>
-          <p:cNvPr id="1193988" name="Rectangle 4"/>
-          <p:cNvSpPr>
-            <a:spLocks noChangeArrowheads="1"/>
-          </p:cNvSpPr>
-          <p:nvPr/>
-        </p:nvSpPr>
-        <p:spPr bwMode="auto">
-          <a:xfrm>
-            <a:off x="1676400" y="304800"/>
-            <a:ext cx="5715000" cy="1143000"/>
-          </a:xfrm>
-          <a:prstGeom prst="rect">
-            <a:avLst/>
-          </a:prstGeom>
-          <a:solidFill>
-            <a:schemeClr val="accent1"/>
-          </a:solidFill>
-          <a:ln w="9525">
-            <a:solidFill>
-              <a:schemeClr val="tx1"/>
-            </a:solidFill>
-            <a:miter lim="800000"/>
-            <a:headEnd/>
-            <a:tailEnd/>
-          </a:ln>
-          <a:effectLst/>
-          <a:extLst>
-            <a:ext uri="{AF507438-7753-43E0-B8FC-AC1667EBCBE1}">
-              <a14:hiddenEffects xmlns:a14="http://schemas.microsoft.com/office/drawing/2010/main">
-                <a:effectLst>
-                  <a:outerShdw dist="35921" dir="2700000" algn="ctr" rotWithShape="0">
-                    <a:schemeClr val="bg2"/>
-                  </a:outerShdw>
-                </a:effectLst>
-              </a14:hiddenEffects>
-            </a:ext>
-          </a:extLst>
-        </p:spPr>
-        <p:txBody>
-          <a:bodyPr wrap="none" anchor="ctr"/>
-          <a:lstStyle/>
-          <a:p>
-            <a:endParaRPr lang="en-US"/>
-          </a:p>
-        </p:txBody>
-      </p:sp>
     </p:spTree>
     <p:extLst>
       <p:ext uri="{BB962C8B-B14F-4D97-AF65-F5344CB8AC3E}">
@@ -27748,92 +27030,6 @@
   <p:clrMapOvr>
     <a:masterClrMapping/>
   </p:clrMapOvr>
-  <p:timing>
-    <p:tnLst>
-      <p:par>
-        <p:cTn id="1" dur="indefinite" restart="never" nodeType="tmRoot">
-          <p:childTnLst>
-            <p:seq concurrent="1" nextAc="seek">
-              <p:cTn id="2" dur="indefinite" nodeType="mainSeq">
-                <p:childTnLst>
-                  <p:par>
-                    <p:cTn id="3" fill="hold" nodeType="clickPar">
-                      <p:stCondLst>
-                        <p:cond delay="indefinite"/>
-                      </p:stCondLst>
-                      <p:childTnLst>
-                        <p:par>
-                          <p:cTn id="4" fill="hold" nodeType="withGroup">
-                            <p:stCondLst>
-                              <p:cond delay="0"/>
-                            </p:stCondLst>
-                            <p:childTnLst>
-                              <p:par>
-                                <p:cTn id="5" presetID="4" presetClass="exit" presetSubtype="16" fill="hold" grpId="0" nodeType="clickEffect">
-                                  <p:stCondLst>
-                                    <p:cond delay="0"/>
-                                  </p:stCondLst>
-                                  <p:childTnLst>
-                                    <p:animEffect transition="out" filter="box(in)">
-                                      <p:cBhvr>
-                                        <p:cTn id="6" dur="500"/>
-                                        <p:tgtEl>
-                                          <p:spTgt spid="1193988"/>
-                                        </p:tgtEl>
-                                      </p:cBhvr>
-                                    </p:animEffect>
-                                    <p:set>
-                                      <p:cBhvr>
-                                        <p:cTn id="7" dur="1" fill="hold">
-                                          <p:stCondLst>
-                                            <p:cond delay="499"/>
-                                          </p:stCondLst>
-                                        </p:cTn>
-                                        <p:tgtEl>
-                                          <p:spTgt spid="1193988"/>
-                                        </p:tgtEl>
-                                        <p:attrNameLst>
-                                          <p:attrName>style.visibility</p:attrName>
-                                        </p:attrNameLst>
-                                      </p:cBhvr>
-                                      <p:to>
-                                        <p:strVal val="hidden"/>
-                                      </p:to>
-                                    </p:set>
-                                  </p:childTnLst>
-                                </p:cTn>
-                              </p:par>
-                            </p:childTnLst>
-                          </p:cTn>
-                        </p:par>
-                      </p:childTnLst>
-                    </p:cTn>
-                  </p:par>
-                </p:childTnLst>
-              </p:cTn>
-              <p:prevCondLst>
-                <p:cond evt="onPrev" delay="0">
-                  <p:tgtEl>
-                    <p:sldTgt/>
-                  </p:tgtEl>
-                </p:cond>
-              </p:prevCondLst>
-              <p:nextCondLst>
-                <p:cond evt="onNext" delay="0">
-                  <p:tgtEl>
-                    <p:sldTgt/>
-                  </p:tgtEl>
-                </p:cond>
-              </p:nextCondLst>
-            </p:seq>
-          </p:childTnLst>
-        </p:cTn>
-      </p:par>
-    </p:tnLst>
-    <p:bldLst>
-      <p:bldP spid="1193988" grpId="0" animBg="1"/>
-    </p:bldLst>
-  </p:timing>
 </p:sld>
 </file>
 
@@ -27928,54 +27124,6 @@
           </a:p>
         </p:txBody>
       </p:sp>
-      <p:sp>
-        <p:nvSpPr>
-          <p:cNvPr id="1193988" name="Rectangle 4"/>
-          <p:cNvSpPr>
-            <a:spLocks noChangeArrowheads="1"/>
-          </p:cNvSpPr>
-          <p:nvPr/>
-        </p:nvSpPr>
-        <p:spPr bwMode="auto">
-          <a:xfrm>
-            <a:off x="1752600" y="381000"/>
-            <a:ext cx="5715000" cy="1143000"/>
-          </a:xfrm>
-          <a:prstGeom prst="rect">
-            <a:avLst/>
-          </a:prstGeom>
-          <a:solidFill>
-            <a:schemeClr val="accent1"/>
-          </a:solidFill>
-          <a:ln w="9525">
-            <a:solidFill>
-              <a:schemeClr val="tx1"/>
-            </a:solidFill>
-            <a:miter lim="800000"/>
-            <a:headEnd/>
-            <a:tailEnd/>
-          </a:ln>
-          <a:effectLst/>
-          <a:extLst>
-            <a:ext uri="{AF507438-7753-43E0-B8FC-AC1667EBCBE1}">
-              <a14:hiddenEffects xmlns:a14="http://schemas.microsoft.com/office/drawing/2010/main">
-                <a:effectLst>
-                  <a:outerShdw dist="35921" dir="2700000" algn="ctr" rotWithShape="0">
-                    <a:schemeClr val="bg2"/>
-                  </a:outerShdw>
-                </a:effectLst>
-              </a14:hiddenEffects>
-            </a:ext>
-          </a:extLst>
-        </p:spPr>
-        <p:txBody>
-          <a:bodyPr wrap="none" anchor="ctr"/>
-          <a:lstStyle/>
-          <a:p>
-            <a:endParaRPr lang="en-US"/>
-          </a:p>
-        </p:txBody>
-      </p:sp>
     </p:spTree>
     <p:extLst>
       <p:ext uri="{BB962C8B-B14F-4D97-AF65-F5344CB8AC3E}">
@@ -27986,92 +27134,6 @@
   <p:clrMapOvr>
     <a:masterClrMapping/>
   </p:clrMapOvr>
-  <p:timing>
-    <p:tnLst>
-      <p:par>
-        <p:cTn id="1" dur="indefinite" restart="never" nodeType="tmRoot">
-          <p:childTnLst>
-            <p:seq concurrent="1" nextAc="seek">
-              <p:cTn id="2" dur="indefinite" nodeType="mainSeq">
-                <p:childTnLst>
-                  <p:par>
-                    <p:cTn id="3" fill="hold" nodeType="clickPar">
-                      <p:stCondLst>
-                        <p:cond delay="indefinite"/>
-                      </p:stCondLst>
-                      <p:childTnLst>
-                        <p:par>
-                          <p:cTn id="4" fill="hold" nodeType="withGroup">
-                            <p:stCondLst>
-                              <p:cond delay="0"/>
-                            </p:stCondLst>
-                            <p:childTnLst>
-                              <p:par>
-                                <p:cTn id="5" presetID="4" presetClass="exit" presetSubtype="16" fill="hold" grpId="0" nodeType="clickEffect">
-                                  <p:stCondLst>
-                                    <p:cond delay="0"/>
-                                  </p:stCondLst>
-                                  <p:childTnLst>
-                                    <p:animEffect transition="out" filter="box(in)">
-                                      <p:cBhvr>
-                                        <p:cTn id="6" dur="500"/>
-                                        <p:tgtEl>
-                                          <p:spTgt spid="1193988"/>
-                                        </p:tgtEl>
-                                      </p:cBhvr>
-                                    </p:animEffect>
-                                    <p:set>
-                                      <p:cBhvr>
-                                        <p:cTn id="7" dur="1" fill="hold">
-                                          <p:stCondLst>
-                                            <p:cond delay="499"/>
-                                          </p:stCondLst>
-                                        </p:cTn>
-                                        <p:tgtEl>
-                                          <p:spTgt spid="1193988"/>
-                                        </p:tgtEl>
-                                        <p:attrNameLst>
-                                          <p:attrName>style.visibility</p:attrName>
-                                        </p:attrNameLst>
-                                      </p:cBhvr>
-                                      <p:to>
-                                        <p:strVal val="hidden"/>
-                                      </p:to>
-                                    </p:set>
-                                  </p:childTnLst>
-                                </p:cTn>
-                              </p:par>
-                            </p:childTnLst>
-                          </p:cTn>
-                        </p:par>
-                      </p:childTnLst>
-                    </p:cTn>
-                  </p:par>
-                </p:childTnLst>
-              </p:cTn>
-              <p:prevCondLst>
-                <p:cond evt="onPrev" delay="0">
-                  <p:tgtEl>
-                    <p:sldTgt/>
-                  </p:tgtEl>
-                </p:cond>
-              </p:prevCondLst>
-              <p:nextCondLst>
-                <p:cond evt="onNext" delay="0">
-                  <p:tgtEl>
-                    <p:sldTgt/>
-                  </p:tgtEl>
-                </p:cond>
-              </p:nextCondLst>
-            </p:seq>
-          </p:childTnLst>
-        </p:cTn>
-      </p:par>
-    </p:tnLst>
-    <p:bldLst>
-      <p:bldP spid="1193988" grpId="0" animBg="1"/>
-    </p:bldLst>
-  </p:timing>
 </p:sld>
 </file>
 
@@ -28165,54 +27227,6 @@
           </a:p>
         </p:txBody>
       </p:sp>
-      <p:sp>
-        <p:nvSpPr>
-          <p:cNvPr id="1193988" name="Rectangle 4"/>
-          <p:cNvSpPr>
-            <a:spLocks noChangeArrowheads="1"/>
-          </p:cNvSpPr>
-          <p:nvPr/>
-        </p:nvSpPr>
-        <p:spPr bwMode="auto">
-          <a:xfrm>
-            <a:off x="2057400" y="304800"/>
-            <a:ext cx="5715000" cy="1143000"/>
-          </a:xfrm>
-          <a:prstGeom prst="rect">
-            <a:avLst/>
-          </a:prstGeom>
-          <a:solidFill>
-            <a:schemeClr val="accent1"/>
-          </a:solidFill>
-          <a:ln w="9525">
-            <a:solidFill>
-              <a:schemeClr val="tx1"/>
-            </a:solidFill>
-            <a:miter lim="800000"/>
-            <a:headEnd/>
-            <a:tailEnd/>
-          </a:ln>
-          <a:effectLst/>
-          <a:extLst>
-            <a:ext uri="{AF507438-7753-43E0-B8FC-AC1667EBCBE1}">
-              <a14:hiddenEffects xmlns:a14="http://schemas.microsoft.com/office/drawing/2010/main">
-                <a:effectLst>
-                  <a:outerShdw dist="35921" dir="2700000" algn="ctr" rotWithShape="0">
-                    <a:schemeClr val="bg2"/>
-                  </a:outerShdw>
-                </a:effectLst>
-              </a14:hiddenEffects>
-            </a:ext>
-          </a:extLst>
-        </p:spPr>
-        <p:txBody>
-          <a:bodyPr wrap="none" anchor="ctr"/>
-          <a:lstStyle/>
-          <a:p>
-            <a:endParaRPr lang="en-US"/>
-          </a:p>
-        </p:txBody>
-      </p:sp>
     </p:spTree>
     <p:extLst>
       <p:ext uri="{BB962C8B-B14F-4D97-AF65-F5344CB8AC3E}">
@@ -28223,92 +27237,6 @@
   <p:clrMapOvr>
     <a:masterClrMapping/>
   </p:clrMapOvr>
-  <p:timing>
-    <p:tnLst>
-      <p:par>
-        <p:cTn id="1" dur="indefinite" restart="never" nodeType="tmRoot">
-          <p:childTnLst>
-            <p:seq concurrent="1" nextAc="seek">
-              <p:cTn id="2" dur="indefinite" nodeType="mainSeq">
-                <p:childTnLst>
-                  <p:par>
-                    <p:cTn id="3" fill="hold" nodeType="clickPar">
-                      <p:stCondLst>
-                        <p:cond delay="indefinite"/>
-                      </p:stCondLst>
-                      <p:childTnLst>
-                        <p:par>
-                          <p:cTn id="4" fill="hold" nodeType="withGroup">
-                            <p:stCondLst>
-                              <p:cond delay="0"/>
-                            </p:stCondLst>
-                            <p:childTnLst>
-                              <p:par>
-                                <p:cTn id="5" presetID="4" presetClass="exit" presetSubtype="16" fill="hold" grpId="0" nodeType="clickEffect">
-                                  <p:stCondLst>
-                                    <p:cond delay="0"/>
-                                  </p:stCondLst>
-                                  <p:childTnLst>
-                                    <p:animEffect transition="out" filter="box(in)">
-                                      <p:cBhvr>
-                                        <p:cTn id="6" dur="500"/>
-                                        <p:tgtEl>
-                                          <p:spTgt spid="1193988"/>
-                                        </p:tgtEl>
-                                      </p:cBhvr>
-                                    </p:animEffect>
-                                    <p:set>
-                                      <p:cBhvr>
-                                        <p:cTn id="7" dur="1" fill="hold">
-                                          <p:stCondLst>
-                                            <p:cond delay="499"/>
-                                          </p:stCondLst>
-                                        </p:cTn>
-                                        <p:tgtEl>
-                                          <p:spTgt spid="1193988"/>
-                                        </p:tgtEl>
-                                        <p:attrNameLst>
-                                          <p:attrName>style.visibility</p:attrName>
-                                        </p:attrNameLst>
-                                      </p:cBhvr>
-                                      <p:to>
-                                        <p:strVal val="hidden"/>
-                                      </p:to>
-                                    </p:set>
-                                  </p:childTnLst>
-                                </p:cTn>
-                              </p:par>
-                            </p:childTnLst>
-                          </p:cTn>
-                        </p:par>
-                      </p:childTnLst>
-                    </p:cTn>
-                  </p:par>
-                </p:childTnLst>
-              </p:cTn>
-              <p:prevCondLst>
-                <p:cond evt="onPrev" delay="0">
-                  <p:tgtEl>
-                    <p:sldTgt/>
-                  </p:tgtEl>
-                </p:cond>
-              </p:prevCondLst>
-              <p:nextCondLst>
-                <p:cond evt="onNext" delay="0">
-                  <p:tgtEl>
-                    <p:sldTgt/>
-                  </p:tgtEl>
-                </p:cond>
-              </p:nextCondLst>
-            </p:seq>
-          </p:childTnLst>
-        </p:cTn>
-      </p:par>
-    </p:tnLst>
-    <p:bldLst>
-      <p:bldP spid="1193988" grpId="0" animBg="1"/>
-    </p:bldLst>
-  </p:timing>
 </p:sld>
 </file>
 
@@ -28403,54 +27331,6 @@
           </a:p>
         </p:txBody>
       </p:sp>
-      <p:sp>
-        <p:nvSpPr>
-          <p:cNvPr id="1193988" name="Rectangle 4"/>
-          <p:cNvSpPr>
-            <a:spLocks noChangeArrowheads="1"/>
-          </p:cNvSpPr>
-          <p:nvPr/>
-        </p:nvSpPr>
-        <p:spPr bwMode="auto">
-          <a:xfrm>
-            <a:off x="1752600" y="381000"/>
-            <a:ext cx="5715000" cy="1143000"/>
-          </a:xfrm>
-          <a:prstGeom prst="rect">
-            <a:avLst/>
-          </a:prstGeom>
-          <a:solidFill>
-            <a:schemeClr val="accent1"/>
-          </a:solidFill>
-          <a:ln w="9525">
-            <a:solidFill>
-              <a:schemeClr val="tx1"/>
-            </a:solidFill>
-            <a:miter lim="800000"/>
-            <a:headEnd/>
-            <a:tailEnd/>
-          </a:ln>
-          <a:effectLst/>
-          <a:extLst>
-            <a:ext uri="{AF507438-7753-43E0-B8FC-AC1667EBCBE1}">
-              <a14:hiddenEffects xmlns:a14="http://schemas.microsoft.com/office/drawing/2010/main">
-                <a:effectLst>
-                  <a:outerShdw dist="35921" dir="2700000" algn="ctr" rotWithShape="0">
-                    <a:schemeClr val="bg2"/>
-                  </a:outerShdw>
-                </a:effectLst>
-              </a14:hiddenEffects>
-            </a:ext>
-          </a:extLst>
-        </p:spPr>
-        <p:txBody>
-          <a:bodyPr wrap="none" anchor="ctr"/>
-          <a:lstStyle/>
-          <a:p>
-            <a:endParaRPr lang="en-US"/>
-          </a:p>
-        </p:txBody>
-      </p:sp>
     </p:spTree>
     <p:extLst>
       <p:ext uri="{BB962C8B-B14F-4D97-AF65-F5344CB8AC3E}">
@@ -28461,92 +27341,6 @@
   <p:clrMapOvr>
     <a:masterClrMapping/>
   </p:clrMapOvr>
-  <p:timing>
-    <p:tnLst>
-      <p:par>
-        <p:cTn id="1" dur="indefinite" restart="never" nodeType="tmRoot">
-          <p:childTnLst>
-            <p:seq concurrent="1" nextAc="seek">
-              <p:cTn id="2" dur="indefinite" nodeType="mainSeq">
-                <p:childTnLst>
-                  <p:par>
-                    <p:cTn id="3" fill="hold" nodeType="clickPar">
-                      <p:stCondLst>
-                        <p:cond delay="indefinite"/>
-                      </p:stCondLst>
-                      <p:childTnLst>
-                        <p:par>
-                          <p:cTn id="4" fill="hold" nodeType="withGroup">
-                            <p:stCondLst>
-                              <p:cond delay="0"/>
-                            </p:stCondLst>
-                            <p:childTnLst>
-                              <p:par>
-                                <p:cTn id="5" presetID="4" presetClass="exit" presetSubtype="16" fill="hold" grpId="0" nodeType="clickEffect">
-                                  <p:stCondLst>
-                                    <p:cond delay="0"/>
-                                  </p:stCondLst>
-                                  <p:childTnLst>
-                                    <p:animEffect transition="out" filter="box(in)">
-                                      <p:cBhvr>
-                                        <p:cTn id="6" dur="500"/>
-                                        <p:tgtEl>
-                                          <p:spTgt spid="1193988"/>
-                                        </p:tgtEl>
-                                      </p:cBhvr>
-                                    </p:animEffect>
-                                    <p:set>
-                                      <p:cBhvr>
-                                        <p:cTn id="7" dur="1" fill="hold">
-                                          <p:stCondLst>
-                                            <p:cond delay="499"/>
-                                          </p:stCondLst>
-                                        </p:cTn>
-                                        <p:tgtEl>
-                                          <p:spTgt spid="1193988"/>
-                                        </p:tgtEl>
-                                        <p:attrNameLst>
-                                          <p:attrName>style.visibility</p:attrName>
-                                        </p:attrNameLst>
-                                      </p:cBhvr>
-                                      <p:to>
-                                        <p:strVal val="hidden"/>
-                                      </p:to>
-                                    </p:set>
-                                  </p:childTnLst>
-                                </p:cTn>
-                              </p:par>
-                            </p:childTnLst>
-                          </p:cTn>
-                        </p:par>
-                      </p:childTnLst>
-                    </p:cTn>
-                  </p:par>
-                </p:childTnLst>
-              </p:cTn>
-              <p:prevCondLst>
-                <p:cond evt="onPrev" delay="0">
-                  <p:tgtEl>
-                    <p:sldTgt/>
-                  </p:tgtEl>
-                </p:cond>
-              </p:prevCondLst>
-              <p:nextCondLst>
-                <p:cond evt="onNext" delay="0">
-                  <p:tgtEl>
-                    <p:sldTgt/>
-                  </p:tgtEl>
-                </p:cond>
-              </p:nextCondLst>
-            </p:seq>
-          </p:childTnLst>
-        </p:cTn>
-      </p:par>
-    </p:tnLst>
-    <p:bldLst>
-      <p:bldP spid="1193988" grpId="0" animBg="1"/>
-    </p:bldLst>
-  </p:timing>
 </p:sld>
 </file>
 
@@ -28641,54 +27435,6 @@
           </a:p>
         </p:txBody>
       </p:sp>
-      <p:sp>
-        <p:nvSpPr>
-          <p:cNvPr id="1193988" name="Rectangle 4"/>
-          <p:cNvSpPr>
-            <a:spLocks noChangeArrowheads="1"/>
-          </p:cNvSpPr>
-          <p:nvPr/>
-        </p:nvSpPr>
-        <p:spPr bwMode="auto">
-          <a:xfrm>
-            <a:off x="1981200" y="228600"/>
-            <a:ext cx="5715000" cy="1143000"/>
-          </a:xfrm>
-          <a:prstGeom prst="rect">
-            <a:avLst/>
-          </a:prstGeom>
-          <a:solidFill>
-            <a:schemeClr val="accent1"/>
-          </a:solidFill>
-          <a:ln w="9525">
-            <a:solidFill>
-              <a:schemeClr val="tx1"/>
-            </a:solidFill>
-            <a:miter lim="800000"/>
-            <a:headEnd/>
-            <a:tailEnd/>
-          </a:ln>
-          <a:effectLst/>
-          <a:extLst>
-            <a:ext uri="{AF507438-7753-43E0-B8FC-AC1667EBCBE1}">
-              <a14:hiddenEffects xmlns:a14="http://schemas.microsoft.com/office/drawing/2010/main">
-                <a:effectLst>
-                  <a:outerShdw dist="35921" dir="2700000" algn="ctr" rotWithShape="0">
-                    <a:schemeClr val="bg2"/>
-                  </a:outerShdw>
-                </a:effectLst>
-              </a14:hiddenEffects>
-            </a:ext>
-          </a:extLst>
-        </p:spPr>
-        <p:txBody>
-          <a:bodyPr wrap="none" anchor="ctr"/>
-          <a:lstStyle/>
-          <a:p>
-            <a:endParaRPr lang="en-US"/>
-          </a:p>
-        </p:txBody>
-      </p:sp>
     </p:spTree>
     <p:extLst>
       <p:ext uri="{BB962C8B-B14F-4D97-AF65-F5344CB8AC3E}">
@@ -28699,92 +27445,6 @@
   <p:clrMapOvr>
     <a:masterClrMapping/>
   </p:clrMapOvr>
-  <p:timing>
-    <p:tnLst>
-      <p:par>
-        <p:cTn id="1" dur="indefinite" restart="never" nodeType="tmRoot">
-          <p:childTnLst>
-            <p:seq concurrent="1" nextAc="seek">
-              <p:cTn id="2" dur="indefinite" nodeType="mainSeq">
-                <p:childTnLst>
-                  <p:par>
-                    <p:cTn id="3" fill="hold" nodeType="clickPar">
-                      <p:stCondLst>
-                        <p:cond delay="indefinite"/>
-                      </p:stCondLst>
-                      <p:childTnLst>
-                        <p:par>
-                          <p:cTn id="4" fill="hold" nodeType="withGroup">
-                            <p:stCondLst>
-                              <p:cond delay="0"/>
-                            </p:stCondLst>
-                            <p:childTnLst>
-                              <p:par>
-                                <p:cTn id="5" presetID="4" presetClass="exit" presetSubtype="16" fill="hold" grpId="0" nodeType="clickEffect">
-                                  <p:stCondLst>
-                                    <p:cond delay="0"/>
-                                  </p:stCondLst>
-                                  <p:childTnLst>
-                                    <p:animEffect transition="out" filter="box(in)">
-                                      <p:cBhvr>
-                                        <p:cTn id="6" dur="500"/>
-                                        <p:tgtEl>
-                                          <p:spTgt spid="1193988"/>
-                                        </p:tgtEl>
-                                      </p:cBhvr>
-                                    </p:animEffect>
-                                    <p:set>
-                                      <p:cBhvr>
-                                        <p:cTn id="7" dur="1" fill="hold">
-                                          <p:stCondLst>
-                                            <p:cond delay="499"/>
-                                          </p:stCondLst>
-                                        </p:cTn>
-                                        <p:tgtEl>
-                                          <p:spTgt spid="1193988"/>
-                                        </p:tgtEl>
-                                        <p:attrNameLst>
-                                          <p:attrName>style.visibility</p:attrName>
-                                        </p:attrNameLst>
-                                      </p:cBhvr>
-                                      <p:to>
-                                        <p:strVal val="hidden"/>
-                                      </p:to>
-                                    </p:set>
-                                  </p:childTnLst>
-                                </p:cTn>
-                              </p:par>
-                            </p:childTnLst>
-                          </p:cTn>
-                        </p:par>
-                      </p:childTnLst>
-                    </p:cTn>
-                  </p:par>
-                </p:childTnLst>
-              </p:cTn>
-              <p:prevCondLst>
-                <p:cond evt="onPrev" delay="0">
-                  <p:tgtEl>
-                    <p:sldTgt/>
-                  </p:tgtEl>
-                </p:cond>
-              </p:prevCondLst>
-              <p:nextCondLst>
-                <p:cond evt="onNext" delay="0">
-                  <p:tgtEl>
-                    <p:sldTgt/>
-                  </p:tgtEl>
-                </p:cond>
-              </p:nextCondLst>
-            </p:seq>
-          </p:childTnLst>
-        </p:cTn>
-      </p:par>
-    </p:tnLst>
-    <p:bldLst>
-      <p:bldP spid="1193988" grpId="0" animBg="1"/>
-    </p:bldLst>
-  </p:timing>
 </p:sld>
 </file>
 
@@ -28879,54 +27539,6 @@
           </a:p>
         </p:txBody>
       </p:sp>
-      <p:sp>
-        <p:nvSpPr>
-          <p:cNvPr id="1193988" name="Rectangle 4"/>
-          <p:cNvSpPr>
-            <a:spLocks noChangeArrowheads="1"/>
-          </p:cNvSpPr>
-          <p:nvPr/>
-        </p:nvSpPr>
-        <p:spPr bwMode="auto">
-          <a:xfrm>
-            <a:off x="1856874" y="378995"/>
-            <a:ext cx="5715000" cy="1143000"/>
-          </a:xfrm>
-          <a:prstGeom prst="rect">
-            <a:avLst/>
-          </a:prstGeom>
-          <a:solidFill>
-            <a:schemeClr val="accent1"/>
-          </a:solidFill>
-          <a:ln w="9525">
-            <a:solidFill>
-              <a:schemeClr val="tx1"/>
-            </a:solidFill>
-            <a:miter lim="800000"/>
-            <a:headEnd/>
-            <a:tailEnd/>
-          </a:ln>
-          <a:effectLst/>
-          <a:extLst>
-            <a:ext uri="{AF507438-7753-43E0-B8FC-AC1667EBCBE1}">
-              <a14:hiddenEffects xmlns:a14="http://schemas.microsoft.com/office/drawing/2010/main">
-                <a:effectLst>
-                  <a:outerShdw dist="35921" dir="2700000" algn="ctr" rotWithShape="0">
-                    <a:schemeClr val="bg2"/>
-                  </a:outerShdw>
-                </a:effectLst>
-              </a14:hiddenEffects>
-            </a:ext>
-          </a:extLst>
-        </p:spPr>
-        <p:txBody>
-          <a:bodyPr wrap="none" anchor="ctr"/>
-          <a:lstStyle/>
-          <a:p>
-            <a:endParaRPr lang="en-US"/>
-          </a:p>
-        </p:txBody>
-      </p:sp>
     </p:spTree>
     <p:extLst>
       <p:ext uri="{BB962C8B-B14F-4D97-AF65-F5344CB8AC3E}">
@@ -28937,92 +27549,6 @@
   <p:clrMapOvr>
     <a:masterClrMapping/>
   </p:clrMapOvr>
-  <p:timing>
-    <p:tnLst>
-      <p:par>
-        <p:cTn id="1" dur="indefinite" restart="never" nodeType="tmRoot">
-          <p:childTnLst>
-            <p:seq concurrent="1" nextAc="seek">
-              <p:cTn id="2" dur="indefinite" nodeType="mainSeq">
-                <p:childTnLst>
-                  <p:par>
-                    <p:cTn id="3" fill="hold" nodeType="clickPar">
-                      <p:stCondLst>
-                        <p:cond delay="indefinite"/>
-                      </p:stCondLst>
-                      <p:childTnLst>
-                        <p:par>
-                          <p:cTn id="4" fill="hold" nodeType="withGroup">
-                            <p:stCondLst>
-                              <p:cond delay="0"/>
-                            </p:stCondLst>
-                            <p:childTnLst>
-                              <p:par>
-                                <p:cTn id="5" presetID="4" presetClass="exit" presetSubtype="16" fill="hold" grpId="0" nodeType="clickEffect">
-                                  <p:stCondLst>
-                                    <p:cond delay="0"/>
-                                  </p:stCondLst>
-                                  <p:childTnLst>
-                                    <p:animEffect transition="out" filter="box(in)">
-                                      <p:cBhvr>
-                                        <p:cTn id="6" dur="500"/>
-                                        <p:tgtEl>
-                                          <p:spTgt spid="1193988"/>
-                                        </p:tgtEl>
-                                      </p:cBhvr>
-                                    </p:animEffect>
-                                    <p:set>
-                                      <p:cBhvr>
-                                        <p:cTn id="7" dur="1" fill="hold">
-                                          <p:stCondLst>
-                                            <p:cond delay="499"/>
-                                          </p:stCondLst>
-                                        </p:cTn>
-                                        <p:tgtEl>
-                                          <p:spTgt spid="1193988"/>
-                                        </p:tgtEl>
-                                        <p:attrNameLst>
-                                          <p:attrName>style.visibility</p:attrName>
-                                        </p:attrNameLst>
-                                      </p:cBhvr>
-                                      <p:to>
-                                        <p:strVal val="hidden"/>
-                                      </p:to>
-                                    </p:set>
-                                  </p:childTnLst>
-                                </p:cTn>
-                              </p:par>
-                            </p:childTnLst>
-                          </p:cTn>
-                        </p:par>
-                      </p:childTnLst>
-                    </p:cTn>
-                  </p:par>
-                </p:childTnLst>
-              </p:cTn>
-              <p:prevCondLst>
-                <p:cond evt="onPrev" delay="0">
-                  <p:tgtEl>
-                    <p:sldTgt/>
-                  </p:tgtEl>
-                </p:cond>
-              </p:prevCondLst>
-              <p:nextCondLst>
-                <p:cond evt="onNext" delay="0">
-                  <p:tgtEl>
-                    <p:sldTgt/>
-                  </p:tgtEl>
-                </p:cond>
-              </p:nextCondLst>
-            </p:seq>
-          </p:childTnLst>
-        </p:cTn>
-      </p:par>
-    </p:tnLst>
-    <p:bldLst>
-      <p:bldP spid="1193988" grpId="0" animBg="1"/>
-    </p:bldLst>
-  </p:timing>
 </p:sld>
 </file>
 
@@ -29117,54 +27643,6 @@
           </a:p>
         </p:txBody>
       </p:sp>
-      <p:sp>
-        <p:nvSpPr>
-          <p:cNvPr id="1193988" name="Rectangle 4"/>
-          <p:cNvSpPr>
-            <a:spLocks noChangeArrowheads="1"/>
-          </p:cNvSpPr>
-          <p:nvPr/>
-        </p:nvSpPr>
-        <p:spPr bwMode="auto">
-          <a:xfrm>
-            <a:off x="1828800" y="228600"/>
-            <a:ext cx="5715000" cy="1143000"/>
-          </a:xfrm>
-          <a:prstGeom prst="rect">
-            <a:avLst/>
-          </a:prstGeom>
-          <a:solidFill>
-            <a:schemeClr val="accent1"/>
-          </a:solidFill>
-          <a:ln w="9525">
-            <a:solidFill>
-              <a:schemeClr val="tx1"/>
-            </a:solidFill>
-            <a:miter lim="800000"/>
-            <a:headEnd/>
-            <a:tailEnd/>
-          </a:ln>
-          <a:effectLst/>
-          <a:extLst>
-            <a:ext uri="{AF507438-7753-43E0-B8FC-AC1667EBCBE1}">
-              <a14:hiddenEffects xmlns:a14="http://schemas.microsoft.com/office/drawing/2010/main">
-                <a:effectLst>
-                  <a:outerShdw dist="35921" dir="2700000" algn="ctr" rotWithShape="0">
-                    <a:schemeClr val="bg2"/>
-                  </a:outerShdw>
-                </a:effectLst>
-              </a14:hiddenEffects>
-            </a:ext>
-          </a:extLst>
-        </p:spPr>
-        <p:txBody>
-          <a:bodyPr wrap="none" anchor="ctr"/>
-          <a:lstStyle/>
-          <a:p>
-            <a:endParaRPr lang="en-US"/>
-          </a:p>
-        </p:txBody>
-      </p:sp>
     </p:spTree>
     <p:extLst>
       <p:ext uri="{BB962C8B-B14F-4D97-AF65-F5344CB8AC3E}">
@@ -29175,92 +27653,6 @@
   <p:clrMapOvr>
     <a:masterClrMapping/>
   </p:clrMapOvr>
-  <p:timing>
-    <p:tnLst>
-      <p:par>
-        <p:cTn id="1" dur="indefinite" restart="never" nodeType="tmRoot">
-          <p:childTnLst>
-            <p:seq concurrent="1" nextAc="seek">
-              <p:cTn id="2" dur="indefinite" nodeType="mainSeq">
-                <p:childTnLst>
-                  <p:par>
-                    <p:cTn id="3" fill="hold" nodeType="clickPar">
-                      <p:stCondLst>
-                        <p:cond delay="indefinite"/>
-                      </p:stCondLst>
-                      <p:childTnLst>
-                        <p:par>
-                          <p:cTn id="4" fill="hold" nodeType="withGroup">
-                            <p:stCondLst>
-                              <p:cond delay="0"/>
-                            </p:stCondLst>
-                            <p:childTnLst>
-                              <p:par>
-                                <p:cTn id="5" presetID="4" presetClass="exit" presetSubtype="16" fill="hold" grpId="0" nodeType="clickEffect">
-                                  <p:stCondLst>
-                                    <p:cond delay="0"/>
-                                  </p:stCondLst>
-                                  <p:childTnLst>
-                                    <p:animEffect transition="out" filter="box(in)">
-                                      <p:cBhvr>
-                                        <p:cTn id="6" dur="500"/>
-                                        <p:tgtEl>
-                                          <p:spTgt spid="1193988"/>
-                                        </p:tgtEl>
-                                      </p:cBhvr>
-                                    </p:animEffect>
-                                    <p:set>
-                                      <p:cBhvr>
-                                        <p:cTn id="7" dur="1" fill="hold">
-                                          <p:stCondLst>
-                                            <p:cond delay="499"/>
-                                          </p:stCondLst>
-                                        </p:cTn>
-                                        <p:tgtEl>
-                                          <p:spTgt spid="1193988"/>
-                                        </p:tgtEl>
-                                        <p:attrNameLst>
-                                          <p:attrName>style.visibility</p:attrName>
-                                        </p:attrNameLst>
-                                      </p:cBhvr>
-                                      <p:to>
-                                        <p:strVal val="hidden"/>
-                                      </p:to>
-                                    </p:set>
-                                  </p:childTnLst>
-                                </p:cTn>
-                              </p:par>
-                            </p:childTnLst>
-                          </p:cTn>
-                        </p:par>
-                      </p:childTnLst>
-                    </p:cTn>
-                  </p:par>
-                </p:childTnLst>
-              </p:cTn>
-              <p:prevCondLst>
-                <p:cond evt="onPrev" delay="0">
-                  <p:tgtEl>
-                    <p:sldTgt/>
-                  </p:tgtEl>
-                </p:cond>
-              </p:prevCondLst>
-              <p:nextCondLst>
-                <p:cond evt="onNext" delay="0">
-                  <p:tgtEl>
-                    <p:sldTgt/>
-                  </p:tgtEl>
-                </p:cond>
-              </p:nextCondLst>
-            </p:seq>
-          </p:childTnLst>
-        </p:cTn>
-      </p:par>
-    </p:tnLst>
-    <p:bldLst>
-      <p:bldP spid="1193988" grpId="0" animBg="1"/>
-    </p:bldLst>
-  </p:timing>
 </p:sld>
 </file>
 
@@ -29593,54 +27985,6 @@
           </a:p>
         </p:txBody>
       </p:sp>
-      <p:sp>
-        <p:nvSpPr>
-          <p:cNvPr id="1193988" name="Rectangle 4"/>
-          <p:cNvSpPr>
-            <a:spLocks noChangeArrowheads="1"/>
-          </p:cNvSpPr>
-          <p:nvPr/>
-        </p:nvSpPr>
-        <p:spPr bwMode="auto">
-          <a:xfrm>
-            <a:off x="1295400" y="304800"/>
-            <a:ext cx="5715000" cy="1143000"/>
-          </a:xfrm>
-          <a:prstGeom prst="rect">
-            <a:avLst/>
-          </a:prstGeom>
-          <a:solidFill>
-            <a:schemeClr val="accent1"/>
-          </a:solidFill>
-          <a:ln w="9525">
-            <a:solidFill>
-              <a:schemeClr val="tx1"/>
-            </a:solidFill>
-            <a:miter lim="800000"/>
-            <a:headEnd/>
-            <a:tailEnd/>
-          </a:ln>
-          <a:effectLst/>
-          <a:extLst>
-            <a:ext uri="{AF507438-7753-43E0-B8FC-AC1667EBCBE1}">
-              <a14:hiddenEffects xmlns:a14="http://schemas.microsoft.com/office/drawing/2010/main">
-                <a:effectLst>
-                  <a:outerShdw dist="35921" dir="2700000" algn="ctr" rotWithShape="0">
-                    <a:schemeClr val="bg2"/>
-                  </a:outerShdw>
-                </a:effectLst>
-              </a14:hiddenEffects>
-            </a:ext>
-          </a:extLst>
-        </p:spPr>
-        <p:txBody>
-          <a:bodyPr wrap="none" anchor="ctr"/>
-          <a:lstStyle/>
-          <a:p>
-            <a:endParaRPr lang="en-US"/>
-          </a:p>
-        </p:txBody>
-      </p:sp>
     </p:spTree>
     <p:extLst>
       <p:ext uri="{BB962C8B-B14F-4D97-AF65-F5344CB8AC3E}">
@@ -29651,92 +27995,6 @@
   <p:clrMapOvr>
     <a:masterClrMapping/>
   </p:clrMapOvr>
-  <p:timing>
-    <p:tnLst>
-      <p:par>
-        <p:cTn id="1" dur="indefinite" restart="never" nodeType="tmRoot">
-          <p:childTnLst>
-            <p:seq concurrent="1" nextAc="seek">
-              <p:cTn id="2" dur="indefinite" nodeType="mainSeq">
-                <p:childTnLst>
-                  <p:par>
-                    <p:cTn id="3" fill="hold" nodeType="clickPar">
-                      <p:stCondLst>
-                        <p:cond delay="indefinite"/>
-                      </p:stCondLst>
-                      <p:childTnLst>
-                        <p:par>
-                          <p:cTn id="4" fill="hold" nodeType="withGroup">
-                            <p:stCondLst>
-                              <p:cond delay="0"/>
-                            </p:stCondLst>
-                            <p:childTnLst>
-                              <p:par>
-                                <p:cTn id="5" presetID="4" presetClass="exit" presetSubtype="16" fill="hold" grpId="0" nodeType="clickEffect">
-                                  <p:stCondLst>
-                                    <p:cond delay="0"/>
-                                  </p:stCondLst>
-                                  <p:childTnLst>
-                                    <p:animEffect transition="out" filter="box(in)">
-                                      <p:cBhvr>
-                                        <p:cTn id="6" dur="500"/>
-                                        <p:tgtEl>
-                                          <p:spTgt spid="1193988"/>
-                                        </p:tgtEl>
-                                      </p:cBhvr>
-                                    </p:animEffect>
-                                    <p:set>
-                                      <p:cBhvr>
-                                        <p:cTn id="7" dur="1" fill="hold">
-                                          <p:stCondLst>
-                                            <p:cond delay="499"/>
-                                          </p:stCondLst>
-                                        </p:cTn>
-                                        <p:tgtEl>
-                                          <p:spTgt spid="1193988"/>
-                                        </p:tgtEl>
-                                        <p:attrNameLst>
-                                          <p:attrName>style.visibility</p:attrName>
-                                        </p:attrNameLst>
-                                      </p:cBhvr>
-                                      <p:to>
-                                        <p:strVal val="hidden"/>
-                                      </p:to>
-                                    </p:set>
-                                  </p:childTnLst>
-                                </p:cTn>
-                              </p:par>
-                            </p:childTnLst>
-                          </p:cTn>
-                        </p:par>
-                      </p:childTnLst>
-                    </p:cTn>
-                  </p:par>
-                </p:childTnLst>
-              </p:cTn>
-              <p:prevCondLst>
-                <p:cond evt="onPrev" delay="0">
-                  <p:tgtEl>
-                    <p:sldTgt/>
-                  </p:tgtEl>
-                </p:cond>
-              </p:prevCondLst>
-              <p:nextCondLst>
-                <p:cond evt="onNext" delay="0">
-                  <p:tgtEl>
-                    <p:sldTgt/>
-                  </p:tgtEl>
-                </p:cond>
-              </p:nextCondLst>
-            </p:seq>
-          </p:childTnLst>
-        </p:cTn>
-      </p:par>
-    </p:tnLst>
-    <p:bldLst>
-      <p:bldP spid="1193988" grpId="0" animBg="1"/>
-    </p:bldLst>
-  </p:timing>
 </p:sld>
 </file>
 
@@ -29831,54 +28089,6 @@
           </a:p>
         </p:txBody>
       </p:sp>
-      <p:sp>
-        <p:nvSpPr>
-          <p:cNvPr id="1193988" name="Rectangle 4"/>
-          <p:cNvSpPr>
-            <a:spLocks noChangeArrowheads="1"/>
-          </p:cNvSpPr>
-          <p:nvPr/>
-        </p:nvSpPr>
-        <p:spPr bwMode="auto">
-          <a:xfrm>
-            <a:off x="1828800" y="381000"/>
-            <a:ext cx="5715000" cy="1143000"/>
-          </a:xfrm>
-          <a:prstGeom prst="rect">
-            <a:avLst/>
-          </a:prstGeom>
-          <a:solidFill>
-            <a:schemeClr val="accent1"/>
-          </a:solidFill>
-          <a:ln w="9525">
-            <a:solidFill>
-              <a:schemeClr val="tx1"/>
-            </a:solidFill>
-            <a:miter lim="800000"/>
-            <a:headEnd/>
-            <a:tailEnd/>
-          </a:ln>
-          <a:effectLst/>
-          <a:extLst>
-            <a:ext uri="{AF507438-7753-43E0-B8FC-AC1667EBCBE1}">
-              <a14:hiddenEffects xmlns:a14="http://schemas.microsoft.com/office/drawing/2010/main">
-                <a:effectLst>
-                  <a:outerShdw dist="35921" dir="2700000" algn="ctr" rotWithShape="0">
-                    <a:schemeClr val="bg2"/>
-                  </a:outerShdw>
-                </a:effectLst>
-              </a14:hiddenEffects>
-            </a:ext>
-          </a:extLst>
-        </p:spPr>
-        <p:txBody>
-          <a:bodyPr wrap="none" anchor="ctr"/>
-          <a:lstStyle/>
-          <a:p>
-            <a:endParaRPr lang="en-US"/>
-          </a:p>
-        </p:txBody>
-      </p:sp>
     </p:spTree>
     <p:extLst>
       <p:ext uri="{BB962C8B-B14F-4D97-AF65-F5344CB8AC3E}">
@@ -29889,92 +28099,6 @@
   <p:clrMapOvr>
     <a:masterClrMapping/>
   </p:clrMapOvr>
-  <p:timing>
-    <p:tnLst>
-      <p:par>
-        <p:cTn id="1" dur="indefinite" restart="never" nodeType="tmRoot">
-          <p:childTnLst>
-            <p:seq concurrent="1" nextAc="seek">
-              <p:cTn id="2" dur="indefinite" nodeType="mainSeq">
-                <p:childTnLst>
-                  <p:par>
-                    <p:cTn id="3" fill="hold" nodeType="clickPar">
-                      <p:stCondLst>
-                        <p:cond delay="indefinite"/>
-                      </p:stCondLst>
-                      <p:childTnLst>
-                        <p:par>
-                          <p:cTn id="4" fill="hold" nodeType="withGroup">
-                            <p:stCondLst>
-                              <p:cond delay="0"/>
-                            </p:stCondLst>
-                            <p:childTnLst>
-                              <p:par>
-                                <p:cTn id="5" presetID="4" presetClass="exit" presetSubtype="16" fill="hold" grpId="0" nodeType="clickEffect">
-                                  <p:stCondLst>
-                                    <p:cond delay="0"/>
-                                  </p:stCondLst>
-                                  <p:childTnLst>
-                                    <p:animEffect transition="out" filter="box(in)">
-                                      <p:cBhvr>
-                                        <p:cTn id="6" dur="500"/>
-                                        <p:tgtEl>
-                                          <p:spTgt spid="1193988"/>
-                                        </p:tgtEl>
-                                      </p:cBhvr>
-                                    </p:animEffect>
-                                    <p:set>
-                                      <p:cBhvr>
-                                        <p:cTn id="7" dur="1" fill="hold">
-                                          <p:stCondLst>
-                                            <p:cond delay="499"/>
-                                          </p:stCondLst>
-                                        </p:cTn>
-                                        <p:tgtEl>
-                                          <p:spTgt spid="1193988"/>
-                                        </p:tgtEl>
-                                        <p:attrNameLst>
-                                          <p:attrName>style.visibility</p:attrName>
-                                        </p:attrNameLst>
-                                      </p:cBhvr>
-                                      <p:to>
-                                        <p:strVal val="hidden"/>
-                                      </p:to>
-                                    </p:set>
-                                  </p:childTnLst>
-                                </p:cTn>
-                              </p:par>
-                            </p:childTnLst>
-                          </p:cTn>
-                        </p:par>
-                      </p:childTnLst>
-                    </p:cTn>
-                  </p:par>
-                </p:childTnLst>
-              </p:cTn>
-              <p:prevCondLst>
-                <p:cond evt="onPrev" delay="0">
-                  <p:tgtEl>
-                    <p:sldTgt/>
-                  </p:tgtEl>
-                </p:cond>
-              </p:prevCondLst>
-              <p:nextCondLst>
-                <p:cond evt="onNext" delay="0">
-                  <p:tgtEl>
-                    <p:sldTgt/>
-                  </p:tgtEl>
-                </p:cond>
-              </p:nextCondLst>
-            </p:seq>
-          </p:childTnLst>
-        </p:cTn>
-      </p:par>
-    </p:tnLst>
-    <p:bldLst>
-      <p:bldP spid="1193988" grpId="0" animBg="1"/>
-    </p:bldLst>
-  </p:timing>
 </p:sld>
 </file>
 
@@ -30069,54 +28193,6 @@
           </a:p>
         </p:txBody>
       </p:sp>
-      <p:sp>
-        <p:nvSpPr>
-          <p:cNvPr id="1193988" name="Rectangle 4"/>
-          <p:cNvSpPr>
-            <a:spLocks noChangeArrowheads="1"/>
-          </p:cNvSpPr>
-          <p:nvPr/>
-        </p:nvSpPr>
-        <p:spPr bwMode="auto">
-          <a:xfrm>
-            <a:off x="1905000" y="304800"/>
-            <a:ext cx="5715000" cy="1143000"/>
-          </a:xfrm>
-          <a:prstGeom prst="rect">
-            <a:avLst/>
-          </a:prstGeom>
-          <a:solidFill>
-            <a:schemeClr val="accent1"/>
-          </a:solidFill>
-          <a:ln w="9525">
-            <a:solidFill>
-              <a:schemeClr val="tx1"/>
-            </a:solidFill>
-            <a:miter lim="800000"/>
-            <a:headEnd/>
-            <a:tailEnd/>
-          </a:ln>
-          <a:effectLst/>
-          <a:extLst>
-            <a:ext uri="{AF507438-7753-43E0-B8FC-AC1667EBCBE1}">
-              <a14:hiddenEffects xmlns:a14="http://schemas.microsoft.com/office/drawing/2010/main">
-                <a:effectLst>
-                  <a:outerShdw dist="35921" dir="2700000" algn="ctr" rotWithShape="0">
-                    <a:schemeClr val="bg2"/>
-                  </a:outerShdw>
-                </a:effectLst>
-              </a14:hiddenEffects>
-            </a:ext>
-          </a:extLst>
-        </p:spPr>
-        <p:txBody>
-          <a:bodyPr wrap="none" anchor="ctr"/>
-          <a:lstStyle/>
-          <a:p>
-            <a:endParaRPr lang="en-US"/>
-          </a:p>
-        </p:txBody>
-      </p:sp>
     </p:spTree>
     <p:extLst>
       <p:ext uri="{BB962C8B-B14F-4D97-AF65-F5344CB8AC3E}">
@@ -30127,92 +28203,6 @@
   <p:clrMapOvr>
     <a:masterClrMapping/>
   </p:clrMapOvr>
-  <p:timing>
-    <p:tnLst>
-      <p:par>
-        <p:cTn id="1" dur="indefinite" restart="never" nodeType="tmRoot">
-          <p:childTnLst>
-            <p:seq concurrent="1" nextAc="seek">
-              <p:cTn id="2" dur="indefinite" nodeType="mainSeq">
-                <p:childTnLst>
-                  <p:par>
-                    <p:cTn id="3" fill="hold" nodeType="clickPar">
-                      <p:stCondLst>
-                        <p:cond delay="indefinite"/>
-                      </p:stCondLst>
-                      <p:childTnLst>
-                        <p:par>
-                          <p:cTn id="4" fill="hold" nodeType="withGroup">
-                            <p:stCondLst>
-                              <p:cond delay="0"/>
-                            </p:stCondLst>
-                            <p:childTnLst>
-                              <p:par>
-                                <p:cTn id="5" presetID="4" presetClass="exit" presetSubtype="16" fill="hold" grpId="0" nodeType="clickEffect">
-                                  <p:stCondLst>
-                                    <p:cond delay="0"/>
-                                  </p:stCondLst>
-                                  <p:childTnLst>
-                                    <p:animEffect transition="out" filter="box(in)">
-                                      <p:cBhvr>
-                                        <p:cTn id="6" dur="500"/>
-                                        <p:tgtEl>
-                                          <p:spTgt spid="1193988"/>
-                                        </p:tgtEl>
-                                      </p:cBhvr>
-                                    </p:animEffect>
-                                    <p:set>
-                                      <p:cBhvr>
-                                        <p:cTn id="7" dur="1" fill="hold">
-                                          <p:stCondLst>
-                                            <p:cond delay="499"/>
-                                          </p:stCondLst>
-                                        </p:cTn>
-                                        <p:tgtEl>
-                                          <p:spTgt spid="1193988"/>
-                                        </p:tgtEl>
-                                        <p:attrNameLst>
-                                          <p:attrName>style.visibility</p:attrName>
-                                        </p:attrNameLst>
-                                      </p:cBhvr>
-                                      <p:to>
-                                        <p:strVal val="hidden"/>
-                                      </p:to>
-                                    </p:set>
-                                  </p:childTnLst>
-                                </p:cTn>
-                              </p:par>
-                            </p:childTnLst>
-                          </p:cTn>
-                        </p:par>
-                      </p:childTnLst>
-                    </p:cTn>
-                  </p:par>
-                </p:childTnLst>
-              </p:cTn>
-              <p:prevCondLst>
-                <p:cond evt="onPrev" delay="0">
-                  <p:tgtEl>
-                    <p:sldTgt/>
-                  </p:tgtEl>
-                </p:cond>
-              </p:prevCondLst>
-              <p:nextCondLst>
-                <p:cond evt="onNext" delay="0">
-                  <p:tgtEl>
-                    <p:sldTgt/>
-                  </p:tgtEl>
-                </p:cond>
-              </p:nextCondLst>
-            </p:seq>
-          </p:childTnLst>
-        </p:cTn>
-      </p:par>
-    </p:tnLst>
-    <p:bldLst>
-      <p:bldP spid="1193988" grpId="0" animBg="1"/>
-    </p:bldLst>
-  </p:timing>
 </p:sld>
 </file>
 
@@ -30307,54 +28297,6 @@
           </a:p>
         </p:txBody>
       </p:sp>
-      <p:sp>
-        <p:nvSpPr>
-          <p:cNvPr id="1193988" name="Rectangle 4"/>
-          <p:cNvSpPr>
-            <a:spLocks noChangeArrowheads="1"/>
-          </p:cNvSpPr>
-          <p:nvPr/>
-        </p:nvSpPr>
-        <p:spPr bwMode="auto">
-          <a:xfrm>
-            <a:off x="1600200" y="304800"/>
-            <a:ext cx="5715000" cy="1143000"/>
-          </a:xfrm>
-          <a:prstGeom prst="rect">
-            <a:avLst/>
-          </a:prstGeom>
-          <a:solidFill>
-            <a:schemeClr val="accent1"/>
-          </a:solidFill>
-          <a:ln w="9525">
-            <a:solidFill>
-              <a:schemeClr val="tx1"/>
-            </a:solidFill>
-            <a:miter lim="800000"/>
-            <a:headEnd/>
-            <a:tailEnd/>
-          </a:ln>
-          <a:effectLst/>
-          <a:extLst>
-            <a:ext uri="{AF507438-7753-43E0-B8FC-AC1667EBCBE1}">
-              <a14:hiddenEffects xmlns:a14="http://schemas.microsoft.com/office/drawing/2010/main">
-                <a:effectLst>
-                  <a:outerShdw dist="35921" dir="2700000" algn="ctr" rotWithShape="0">
-                    <a:schemeClr val="bg2"/>
-                  </a:outerShdw>
-                </a:effectLst>
-              </a14:hiddenEffects>
-            </a:ext>
-          </a:extLst>
-        </p:spPr>
-        <p:txBody>
-          <a:bodyPr wrap="none" anchor="ctr"/>
-          <a:lstStyle/>
-          <a:p>
-            <a:endParaRPr lang="en-US"/>
-          </a:p>
-        </p:txBody>
-      </p:sp>
     </p:spTree>
     <p:extLst>
       <p:ext uri="{BB962C8B-B14F-4D97-AF65-F5344CB8AC3E}">
@@ -30365,92 +28307,6 @@
   <p:clrMapOvr>
     <a:masterClrMapping/>
   </p:clrMapOvr>
-  <p:timing>
-    <p:tnLst>
-      <p:par>
-        <p:cTn id="1" dur="indefinite" restart="never" nodeType="tmRoot">
-          <p:childTnLst>
-            <p:seq concurrent="1" nextAc="seek">
-              <p:cTn id="2" dur="indefinite" nodeType="mainSeq">
-                <p:childTnLst>
-                  <p:par>
-                    <p:cTn id="3" fill="hold" nodeType="clickPar">
-                      <p:stCondLst>
-                        <p:cond delay="indefinite"/>
-                      </p:stCondLst>
-                      <p:childTnLst>
-                        <p:par>
-                          <p:cTn id="4" fill="hold" nodeType="withGroup">
-                            <p:stCondLst>
-                              <p:cond delay="0"/>
-                            </p:stCondLst>
-                            <p:childTnLst>
-                              <p:par>
-                                <p:cTn id="5" presetID="4" presetClass="exit" presetSubtype="16" fill="hold" grpId="0" nodeType="clickEffect">
-                                  <p:stCondLst>
-                                    <p:cond delay="0"/>
-                                  </p:stCondLst>
-                                  <p:childTnLst>
-                                    <p:animEffect transition="out" filter="box(in)">
-                                      <p:cBhvr>
-                                        <p:cTn id="6" dur="500"/>
-                                        <p:tgtEl>
-                                          <p:spTgt spid="1193988"/>
-                                        </p:tgtEl>
-                                      </p:cBhvr>
-                                    </p:animEffect>
-                                    <p:set>
-                                      <p:cBhvr>
-                                        <p:cTn id="7" dur="1" fill="hold">
-                                          <p:stCondLst>
-                                            <p:cond delay="499"/>
-                                          </p:stCondLst>
-                                        </p:cTn>
-                                        <p:tgtEl>
-                                          <p:spTgt spid="1193988"/>
-                                        </p:tgtEl>
-                                        <p:attrNameLst>
-                                          <p:attrName>style.visibility</p:attrName>
-                                        </p:attrNameLst>
-                                      </p:cBhvr>
-                                      <p:to>
-                                        <p:strVal val="hidden"/>
-                                      </p:to>
-                                    </p:set>
-                                  </p:childTnLst>
-                                </p:cTn>
-                              </p:par>
-                            </p:childTnLst>
-                          </p:cTn>
-                        </p:par>
-                      </p:childTnLst>
-                    </p:cTn>
-                  </p:par>
-                </p:childTnLst>
-              </p:cTn>
-              <p:prevCondLst>
-                <p:cond evt="onPrev" delay="0">
-                  <p:tgtEl>
-                    <p:sldTgt/>
-                  </p:tgtEl>
-                </p:cond>
-              </p:prevCondLst>
-              <p:nextCondLst>
-                <p:cond evt="onNext" delay="0">
-                  <p:tgtEl>
-                    <p:sldTgt/>
-                  </p:tgtEl>
-                </p:cond>
-              </p:nextCondLst>
-            </p:seq>
-          </p:childTnLst>
-        </p:cTn>
-      </p:par>
-    </p:tnLst>
-    <p:bldLst>
-      <p:bldP spid="1193988" grpId="0" animBg="1"/>
-    </p:bldLst>
-  </p:timing>
 </p:sld>
 </file>
 
@@ -30545,54 +28401,6 @@
           </a:p>
         </p:txBody>
       </p:sp>
-      <p:sp>
-        <p:nvSpPr>
-          <p:cNvPr id="1193988" name="Rectangle 4"/>
-          <p:cNvSpPr>
-            <a:spLocks noChangeArrowheads="1"/>
-          </p:cNvSpPr>
-          <p:nvPr/>
-        </p:nvSpPr>
-        <p:spPr bwMode="auto">
-          <a:xfrm>
-            <a:off x="2362200" y="381000"/>
-            <a:ext cx="5715000" cy="1143000"/>
-          </a:xfrm>
-          <a:prstGeom prst="rect">
-            <a:avLst/>
-          </a:prstGeom>
-          <a:solidFill>
-            <a:schemeClr val="accent1"/>
-          </a:solidFill>
-          <a:ln w="9525">
-            <a:solidFill>
-              <a:schemeClr val="tx1"/>
-            </a:solidFill>
-            <a:miter lim="800000"/>
-            <a:headEnd/>
-            <a:tailEnd/>
-          </a:ln>
-          <a:effectLst/>
-          <a:extLst>
-            <a:ext uri="{AF507438-7753-43E0-B8FC-AC1667EBCBE1}">
-              <a14:hiddenEffects xmlns:a14="http://schemas.microsoft.com/office/drawing/2010/main">
-                <a:effectLst>
-                  <a:outerShdw dist="35921" dir="2700000" algn="ctr" rotWithShape="0">
-                    <a:schemeClr val="bg2"/>
-                  </a:outerShdw>
-                </a:effectLst>
-              </a14:hiddenEffects>
-            </a:ext>
-          </a:extLst>
-        </p:spPr>
-        <p:txBody>
-          <a:bodyPr wrap="none" anchor="ctr"/>
-          <a:lstStyle/>
-          <a:p>
-            <a:endParaRPr lang="en-US"/>
-          </a:p>
-        </p:txBody>
-      </p:sp>
     </p:spTree>
     <p:extLst>
       <p:ext uri="{BB962C8B-B14F-4D97-AF65-F5344CB8AC3E}">
@@ -30603,92 +28411,6 @@
   <p:clrMapOvr>
     <a:masterClrMapping/>
   </p:clrMapOvr>
-  <p:timing>
-    <p:tnLst>
-      <p:par>
-        <p:cTn id="1" dur="indefinite" restart="never" nodeType="tmRoot">
-          <p:childTnLst>
-            <p:seq concurrent="1" nextAc="seek">
-              <p:cTn id="2" dur="indefinite" nodeType="mainSeq">
-                <p:childTnLst>
-                  <p:par>
-                    <p:cTn id="3" fill="hold" nodeType="clickPar">
-                      <p:stCondLst>
-                        <p:cond delay="indefinite"/>
-                      </p:stCondLst>
-                      <p:childTnLst>
-                        <p:par>
-                          <p:cTn id="4" fill="hold" nodeType="withGroup">
-                            <p:stCondLst>
-                              <p:cond delay="0"/>
-                            </p:stCondLst>
-                            <p:childTnLst>
-                              <p:par>
-                                <p:cTn id="5" presetID="4" presetClass="exit" presetSubtype="16" fill="hold" grpId="0" nodeType="clickEffect">
-                                  <p:stCondLst>
-                                    <p:cond delay="0"/>
-                                  </p:stCondLst>
-                                  <p:childTnLst>
-                                    <p:animEffect transition="out" filter="box(in)">
-                                      <p:cBhvr>
-                                        <p:cTn id="6" dur="500"/>
-                                        <p:tgtEl>
-                                          <p:spTgt spid="1193988"/>
-                                        </p:tgtEl>
-                                      </p:cBhvr>
-                                    </p:animEffect>
-                                    <p:set>
-                                      <p:cBhvr>
-                                        <p:cTn id="7" dur="1" fill="hold">
-                                          <p:stCondLst>
-                                            <p:cond delay="499"/>
-                                          </p:stCondLst>
-                                        </p:cTn>
-                                        <p:tgtEl>
-                                          <p:spTgt spid="1193988"/>
-                                        </p:tgtEl>
-                                        <p:attrNameLst>
-                                          <p:attrName>style.visibility</p:attrName>
-                                        </p:attrNameLst>
-                                      </p:cBhvr>
-                                      <p:to>
-                                        <p:strVal val="hidden"/>
-                                      </p:to>
-                                    </p:set>
-                                  </p:childTnLst>
-                                </p:cTn>
-                              </p:par>
-                            </p:childTnLst>
-                          </p:cTn>
-                        </p:par>
-                      </p:childTnLst>
-                    </p:cTn>
-                  </p:par>
-                </p:childTnLst>
-              </p:cTn>
-              <p:prevCondLst>
-                <p:cond evt="onPrev" delay="0">
-                  <p:tgtEl>
-                    <p:sldTgt/>
-                  </p:tgtEl>
-                </p:cond>
-              </p:prevCondLst>
-              <p:nextCondLst>
-                <p:cond evt="onNext" delay="0">
-                  <p:tgtEl>
-                    <p:sldTgt/>
-                  </p:tgtEl>
-                </p:cond>
-              </p:nextCondLst>
-            </p:seq>
-          </p:childTnLst>
-        </p:cTn>
-      </p:par>
-    </p:tnLst>
-    <p:bldLst>
-      <p:bldP spid="1193988" grpId="0" animBg="1"/>
-    </p:bldLst>
-  </p:timing>
 </p:sld>
 </file>
 
@@ -30789,54 +28511,6 @@
           </a:p>
         </p:txBody>
       </p:sp>
-      <p:sp>
-        <p:nvSpPr>
-          <p:cNvPr id="1193988" name="Rectangle 4"/>
-          <p:cNvSpPr>
-            <a:spLocks noChangeArrowheads="1"/>
-          </p:cNvSpPr>
-          <p:nvPr/>
-        </p:nvSpPr>
-        <p:spPr bwMode="auto">
-          <a:xfrm>
-            <a:off x="1752600" y="381000"/>
-            <a:ext cx="5715000" cy="1143000"/>
-          </a:xfrm>
-          <a:prstGeom prst="rect">
-            <a:avLst/>
-          </a:prstGeom>
-          <a:solidFill>
-            <a:schemeClr val="accent1"/>
-          </a:solidFill>
-          <a:ln w="9525">
-            <a:solidFill>
-              <a:schemeClr val="tx1"/>
-            </a:solidFill>
-            <a:miter lim="800000"/>
-            <a:headEnd/>
-            <a:tailEnd/>
-          </a:ln>
-          <a:effectLst/>
-          <a:extLst>
-            <a:ext uri="{AF507438-7753-43E0-B8FC-AC1667EBCBE1}">
-              <a14:hiddenEffects xmlns:a14="http://schemas.microsoft.com/office/drawing/2010/main">
-                <a:effectLst>
-                  <a:outerShdw dist="35921" dir="2700000" algn="ctr" rotWithShape="0">
-                    <a:schemeClr val="bg2"/>
-                  </a:outerShdw>
-                </a:effectLst>
-              </a14:hiddenEffects>
-            </a:ext>
-          </a:extLst>
-        </p:spPr>
-        <p:txBody>
-          <a:bodyPr wrap="none" anchor="ctr"/>
-          <a:lstStyle/>
-          <a:p>
-            <a:endParaRPr lang="en-US"/>
-          </a:p>
-        </p:txBody>
-      </p:sp>
     </p:spTree>
     <p:extLst>
       <p:ext uri="{BB962C8B-B14F-4D97-AF65-F5344CB8AC3E}">
@@ -30847,92 +28521,6 @@
   <p:clrMapOvr>
     <a:masterClrMapping/>
   </p:clrMapOvr>
-  <p:timing>
-    <p:tnLst>
-      <p:par>
-        <p:cTn id="1" dur="indefinite" restart="never" nodeType="tmRoot">
-          <p:childTnLst>
-            <p:seq concurrent="1" nextAc="seek">
-              <p:cTn id="2" dur="indefinite" nodeType="mainSeq">
-                <p:childTnLst>
-                  <p:par>
-                    <p:cTn id="3" fill="hold" nodeType="clickPar">
-                      <p:stCondLst>
-                        <p:cond delay="indefinite"/>
-                      </p:stCondLst>
-                      <p:childTnLst>
-                        <p:par>
-                          <p:cTn id="4" fill="hold" nodeType="withGroup">
-                            <p:stCondLst>
-                              <p:cond delay="0"/>
-                            </p:stCondLst>
-                            <p:childTnLst>
-                              <p:par>
-                                <p:cTn id="5" presetID="4" presetClass="exit" presetSubtype="16" fill="hold" grpId="0" nodeType="clickEffect">
-                                  <p:stCondLst>
-                                    <p:cond delay="0"/>
-                                  </p:stCondLst>
-                                  <p:childTnLst>
-                                    <p:animEffect transition="out" filter="box(in)">
-                                      <p:cBhvr>
-                                        <p:cTn id="6" dur="500"/>
-                                        <p:tgtEl>
-                                          <p:spTgt spid="1193988"/>
-                                        </p:tgtEl>
-                                      </p:cBhvr>
-                                    </p:animEffect>
-                                    <p:set>
-                                      <p:cBhvr>
-                                        <p:cTn id="7" dur="1" fill="hold">
-                                          <p:stCondLst>
-                                            <p:cond delay="499"/>
-                                          </p:stCondLst>
-                                        </p:cTn>
-                                        <p:tgtEl>
-                                          <p:spTgt spid="1193988"/>
-                                        </p:tgtEl>
-                                        <p:attrNameLst>
-                                          <p:attrName>style.visibility</p:attrName>
-                                        </p:attrNameLst>
-                                      </p:cBhvr>
-                                      <p:to>
-                                        <p:strVal val="hidden"/>
-                                      </p:to>
-                                    </p:set>
-                                  </p:childTnLst>
-                                </p:cTn>
-                              </p:par>
-                            </p:childTnLst>
-                          </p:cTn>
-                        </p:par>
-                      </p:childTnLst>
-                    </p:cTn>
-                  </p:par>
-                </p:childTnLst>
-              </p:cTn>
-              <p:prevCondLst>
-                <p:cond evt="onPrev" delay="0">
-                  <p:tgtEl>
-                    <p:sldTgt/>
-                  </p:tgtEl>
-                </p:cond>
-              </p:prevCondLst>
-              <p:nextCondLst>
-                <p:cond evt="onNext" delay="0">
-                  <p:tgtEl>
-                    <p:sldTgt/>
-                  </p:tgtEl>
-                </p:cond>
-              </p:nextCondLst>
-            </p:seq>
-          </p:childTnLst>
-        </p:cTn>
-      </p:par>
-    </p:tnLst>
-    <p:bldLst>
-      <p:bldP spid="1193988" grpId="0" animBg="1"/>
-    </p:bldLst>
-  </p:timing>
 </p:sld>
 </file>
 
@@ -31027,54 +28615,6 @@
           </a:p>
         </p:txBody>
       </p:sp>
-      <p:sp>
-        <p:nvSpPr>
-          <p:cNvPr id="1193988" name="Rectangle 4"/>
-          <p:cNvSpPr>
-            <a:spLocks noChangeArrowheads="1"/>
-          </p:cNvSpPr>
-          <p:nvPr/>
-        </p:nvSpPr>
-        <p:spPr bwMode="auto">
-          <a:xfrm>
-            <a:off x="1600200" y="415089"/>
-            <a:ext cx="5715000" cy="1143000"/>
-          </a:xfrm>
-          <a:prstGeom prst="rect">
-            <a:avLst/>
-          </a:prstGeom>
-          <a:solidFill>
-            <a:schemeClr val="accent1"/>
-          </a:solidFill>
-          <a:ln w="9525">
-            <a:solidFill>
-              <a:schemeClr val="tx1"/>
-            </a:solidFill>
-            <a:miter lim="800000"/>
-            <a:headEnd/>
-            <a:tailEnd/>
-          </a:ln>
-          <a:effectLst/>
-          <a:extLst>
-            <a:ext uri="{AF507438-7753-43E0-B8FC-AC1667EBCBE1}">
-              <a14:hiddenEffects xmlns:a14="http://schemas.microsoft.com/office/drawing/2010/main">
-                <a:effectLst>
-                  <a:outerShdw dist="35921" dir="2700000" algn="ctr" rotWithShape="0">
-                    <a:schemeClr val="bg2"/>
-                  </a:outerShdw>
-                </a:effectLst>
-              </a14:hiddenEffects>
-            </a:ext>
-          </a:extLst>
-        </p:spPr>
-        <p:txBody>
-          <a:bodyPr wrap="none" anchor="ctr"/>
-          <a:lstStyle/>
-          <a:p>
-            <a:endParaRPr lang="en-US"/>
-          </a:p>
-        </p:txBody>
-      </p:sp>
     </p:spTree>
     <p:extLst>
       <p:ext uri="{BB962C8B-B14F-4D97-AF65-F5344CB8AC3E}">
@@ -31085,92 +28625,6 @@
   <p:clrMapOvr>
     <a:masterClrMapping/>
   </p:clrMapOvr>
-  <p:timing>
-    <p:tnLst>
-      <p:par>
-        <p:cTn id="1" dur="indefinite" restart="never" nodeType="tmRoot">
-          <p:childTnLst>
-            <p:seq concurrent="1" nextAc="seek">
-              <p:cTn id="2" dur="indefinite" nodeType="mainSeq">
-                <p:childTnLst>
-                  <p:par>
-                    <p:cTn id="3" fill="hold" nodeType="clickPar">
-                      <p:stCondLst>
-                        <p:cond delay="indefinite"/>
-                      </p:stCondLst>
-                      <p:childTnLst>
-                        <p:par>
-                          <p:cTn id="4" fill="hold" nodeType="withGroup">
-                            <p:stCondLst>
-                              <p:cond delay="0"/>
-                            </p:stCondLst>
-                            <p:childTnLst>
-                              <p:par>
-                                <p:cTn id="5" presetID="4" presetClass="exit" presetSubtype="16" fill="hold" grpId="0" nodeType="clickEffect">
-                                  <p:stCondLst>
-                                    <p:cond delay="0"/>
-                                  </p:stCondLst>
-                                  <p:childTnLst>
-                                    <p:animEffect transition="out" filter="box(in)">
-                                      <p:cBhvr>
-                                        <p:cTn id="6" dur="500"/>
-                                        <p:tgtEl>
-                                          <p:spTgt spid="1193988"/>
-                                        </p:tgtEl>
-                                      </p:cBhvr>
-                                    </p:animEffect>
-                                    <p:set>
-                                      <p:cBhvr>
-                                        <p:cTn id="7" dur="1" fill="hold">
-                                          <p:stCondLst>
-                                            <p:cond delay="499"/>
-                                          </p:stCondLst>
-                                        </p:cTn>
-                                        <p:tgtEl>
-                                          <p:spTgt spid="1193988"/>
-                                        </p:tgtEl>
-                                        <p:attrNameLst>
-                                          <p:attrName>style.visibility</p:attrName>
-                                        </p:attrNameLst>
-                                      </p:cBhvr>
-                                      <p:to>
-                                        <p:strVal val="hidden"/>
-                                      </p:to>
-                                    </p:set>
-                                  </p:childTnLst>
-                                </p:cTn>
-                              </p:par>
-                            </p:childTnLst>
-                          </p:cTn>
-                        </p:par>
-                      </p:childTnLst>
-                    </p:cTn>
-                  </p:par>
-                </p:childTnLst>
-              </p:cTn>
-              <p:prevCondLst>
-                <p:cond evt="onPrev" delay="0">
-                  <p:tgtEl>
-                    <p:sldTgt/>
-                  </p:tgtEl>
-                </p:cond>
-              </p:prevCondLst>
-              <p:nextCondLst>
-                <p:cond evt="onNext" delay="0">
-                  <p:tgtEl>
-                    <p:sldTgt/>
-                  </p:tgtEl>
-                </p:cond>
-              </p:nextCondLst>
-            </p:seq>
-          </p:childTnLst>
-        </p:cTn>
-      </p:par>
-    </p:tnLst>
-    <p:bldLst>
-      <p:bldP spid="1193988" grpId="0" animBg="1"/>
-    </p:bldLst>
-  </p:timing>
 </p:sld>
 </file>
 
@@ -31265,54 +28719,6 @@
           </a:p>
         </p:txBody>
       </p:sp>
-      <p:sp>
-        <p:nvSpPr>
-          <p:cNvPr id="1193988" name="Rectangle 4"/>
-          <p:cNvSpPr>
-            <a:spLocks noChangeArrowheads="1"/>
-          </p:cNvSpPr>
-          <p:nvPr/>
-        </p:nvSpPr>
-        <p:spPr bwMode="auto">
-          <a:xfrm>
-            <a:off x="1828800" y="304800"/>
-            <a:ext cx="5715000" cy="1143000"/>
-          </a:xfrm>
-          <a:prstGeom prst="rect">
-            <a:avLst/>
-          </a:prstGeom>
-          <a:solidFill>
-            <a:schemeClr val="accent1"/>
-          </a:solidFill>
-          <a:ln w="9525">
-            <a:solidFill>
-              <a:schemeClr val="tx1"/>
-            </a:solidFill>
-            <a:miter lim="800000"/>
-            <a:headEnd/>
-            <a:tailEnd/>
-          </a:ln>
-          <a:effectLst/>
-          <a:extLst>
-            <a:ext uri="{AF507438-7753-43E0-B8FC-AC1667EBCBE1}">
-              <a14:hiddenEffects xmlns:a14="http://schemas.microsoft.com/office/drawing/2010/main">
-                <a:effectLst>
-                  <a:outerShdw dist="35921" dir="2700000" algn="ctr" rotWithShape="0">
-                    <a:schemeClr val="bg2"/>
-                  </a:outerShdw>
-                </a:effectLst>
-              </a14:hiddenEffects>
-            </a:ext>
-          </a:extLst>
-        </p:spPr>
-        <p:txBody>
-          <a:bodyPr wrap="none" anchor="ctr"/>
-          <a:lstStyle/>
-          <a:p>
-            <a:endParaRPr lang="en-US"/>
-          </a:p>
-        </p:txBody>
-      </p:sp>
     </p:spTree>
     <p:extLst>
       <p:ext uri="{BB962C8B-B14F-4D97-AF65-F5344CB8AC3E}">
@@ -31323,92 +28729,6 @@
   <p:clrMapOvr>
     <a:masterClrMapping/>
   </p:clrMapOvr>
-  <p:timing>
-    <p:tnLst>
-      <p:par>
-        <p:cTn id="1" dur="indefinite" restart="never" nodeType="tmRoot">
-          <p:childTnLst>
-            <p:seq concurrent="1" nextAc="seek">
-              <p:cTn id="2" dur="indefinite" nodeType="mainSeq">
-                <p:childTnLst>
-                  <p:par>
-                    <p:cTn id="3" fill="hold" nodeType="clickPar">
-                      <p:stCondLst>
-                        <p:cond delay="indefinite"/>
-                      </p:stCondLst>
-                      <p:childTnLst>
-                        <p:par>
-                          <p:cTn id="4" fill="hold" nodeType="withGroup">
-                            <p:stCondLst>
-                              <p:cond delay="0"/>
-                            </p:stCondLst>
-                            <p:childTnLst>
-                              <p:par>
-                                <p:cTn id="5" presetID="4" presetClass="exit" presetSubtype="16" fill="hold" grpId="0" nodeType="clickEffect">
-                                  <p:stCondLst>
-                                    <p:cond delay="0"/>
-                                  </p:stCondLst>
-                                  <p:childTnLst>
-                                    <p:animEffect transition="out" filter="box(in)">
-                                      <p:cBhvr>
-                                        <p:cTn id="6" dur="500"/>
-                                        <p:tgtEl>
-                                          <p:spTgt spid="1193988"/>
-                                        </p:tgtEl>
-                                      </p:cBhvr>
-                                    </p:animEffect>
-                                    <p:set>
-                                      <p:cBhvr>
-                                        <p:cTn id="7" dur="1" fill="hold">
-                                          <p:stCondLst>
-                                            <p:cond delay="499"/>
-                                          </p:stCondLst>
-                                        </p:cTn>
-                                        <p:tgtEl>
-                                          <p:spTgt spid="1193988"/>
-                                        </p:tgtEl>
-                                        <p:attrNameLst>
-                                          <p:attrName>style.visibility</p:attrName>
-                                        </p:attrNameLst>
-                                      </p:cBhvr>
-                                      <p:to>
-                                        <p:strVal val="hidden"/>
-                                      </p:to>
-                                    </p:set>
-                                  </p:childTnLst>
-                                </p:cTn>
-                              </p:par>
-                            </p:childTnLst>
-                          </p:cTn>
-                        </p:par>
-                      </p:childTnLst>
-                    </p:cTn>
-                  </p:par>
-                </p:childTnLst>
-              </p:cTn>
-              <p:prevCondLst>
-                <p:cond evt="onPrev" delay="0">
-                  <p:tgtEl>
-                    <p:sldTgt/>
-                  </p:tgtEl>
-                </p:cond>
-              </p:prevCondLst>
-              <p:nextCondLst>
-                <p:cond evt="onNext" delay="0">
-                  <p:tgtEl>
-                    <p:sldTgt/>
-                  </p:tgtEl>
-                </p:cond>
-              </p:nextCondLst>
-            </p:seq>
-          </p:childTnLst>
-        </p:cTn>
-      </p:par>
-    </p:tnLst>
-    <p:bldLst>
-      <p:bldP spid="1193988" grpId="0" animBg="1"/>
-    </p:bldLst>
-  </p:timing>
 </p:sld>
 </file>
 
@@ -31503,54 +28823,6 @@
           </a:p>
         </p:txBody>
       </p:sp>
-      <p:sp>
-        <p:nvSpPr>
-          <p:cNvPr id="1193988" name="Rectangle 4"/>
-          <p:cNvSpPr>
-            <a:spLocks noChangeArrowheads="1"/>
-          </p:cNvSpPr>
-          <p:nvPr/>
-        </p:nvSpPr>
-        <p:spPr bwMode="auto">
-          <a:xfrm>
-            <a:off x="1696453" y="381000"/>
-            <a:ext cx="5715000" cy="1143000"/>
-          </a:xfrm>
-          <a:prstGeom prst="rect">
-            <a:avLst/>
-          </a:prstGeom>
-          <a:solidFill>
-            <a:schemeClr val="accent1"/>
-          </a:solidFill>
-          <a:ln w="9525">
-            <a:solidFill>
-              <a:schemeClr val="tx1"/>
-            </a:solidFill>
-            <a:miter lim="800000"/>
-            <a:headEnd/>
-            <a:tailEnd/>
-          </a:ln>
-          <a:effectLst/>
-          <a:extLst>
-            <a:ext uri="{AF507438-7753-43E0-B8FC-AC1667EBCBE1}">
-              <a14:hiddenEffects xmlns:a14="http://schemas.microsoft.com/office/drawing/2010/main">
-                <a:effectLst>
-                  <a:outerShdw dist="35921" dir="2700000" algn="ctr" rotWithShape="0">
-                    <a:schemeClr val="bg2"/>
-                  </a:outerShdw>
-                </a:effectLst>
-              </a14:hiddenEffects>
-            </a:ext>
-          </a:extLst>
-        </p:spPr>
-        <p:txBody>
-          <a:bodyPr wrap="none" anchor="ctr"/>
-          <a:lstStyle/>
-          <a:p>
-            <a:endParaRPr lang="en-US"/>
-          </a:p>
-        </p:txBody>
-      </p:sp>
     </p:spTree>
     <p:extLst>
       <p:ext uri="{BB962C8B-B14F-4D97-AF65-F5344CB8AC3E}">
@@ -31561,92 +28833,6 @@
   <p:clrMapOvr>
     <a:masterClrMapping/>
   </p:clrMapOvr>
-  <p:timing>
-    <p:tnLst>
-      <p:par>
-        <p:cTn id="1" dur="indefinite" restart="never" nodeType="tmRoot">
-          <p:childTnLst>
-            <p:seq concurrent="1" nextAc="seek">
-              <p:cTn id="2" dur="indefinite" nodeType="mainSeq">
-                <p:childTnLst>
-                  <p:par>
-                    <p:cTn id="3" fill="hold" nodeType="clickPar">
-                      <p:stCondLst>
-                        <p:cond delay="indefinite"/>
-                      </p:stCondLst>
-                      <p:childTnLst>
-                        <p:par>
-                          <p:cTn id="4" fill="hold" nodeType="withGroup">
-                            <p:stCondLst>
-                              <p:cond delay="0"/>
-                            </p:stCondLst>
-                            <p:childTnLst>
-                              <p:par>
-                                <p:cTn id="5" presetID="4" presetClass="exit" presetSubtype="16" fill="hold" grpId="0" nodeType="clickEffect">
-                                  <p:stCondLst>
-                                    <p:cond delay="0"/>
-                                  </p:stCondLst>
-                                  <p:childTnLst>
-                                    <p:animEffect transition="out" filter="box(in)">
-                                      <p:cBhvr>
-                                        <p:cTn id="6" dur="500"/>
-                                        <p:tgtEl>
-                                          <p:spTgt spid="1193988"/>
-                                        </p:tgtEl>
-                                      </p:cBhvr>
-                                    </p:animEffect>
-                                    <p:set>
-                                      <p:cBhvr>
-                                        <p:cTn id="7" dur="1" fill="hold">
-                                          <p:stCondLst>
-                                            <p:cond delay="499"/>
-                                          </p:stCondLst>
-                                        </p:cTn>
-                                        <p:tgtEl>
-                                          <p:spTgt spid="1193988"/>
-                                        </p:tgtEl>
-                                        <p:attrNameLst>
-                                          <p:attrName>style.visibility</p:attrName>
-                                        </p:attrNameLst>
-                                      </p:cBhvr>
-                                      <p:to>
-                                        <p:strVal val="hidden"/>
-                                      </p:to>
-                                    </p:set>
-                                  </p:childTnLst>
-                                </p:cTn>
-                              </p:par>
-                            </p:childTnLst>
-                          </p:cTn>
-                        </p:par>
-                      </p:childTnLst>
-                    </p:cTn>
-                  </p:par>
-                </p:childTnLst>
-              </p:cTn>
-              <p:prevCondLst>
-                <p:cond evt="onPrev" delay="0">
-                  <p:tgtEl>
-                    <p:sldTgt/>
-                  </p:tgtEl>
-                </p:cond>
-              </p:prevCondLst>
-              <p:nextCondLst>
-                <p:cond evt="onNext" delay="0">
-                  <p:tgtEl>
-                    <p:sldTgt/>
-                  </p:tgtEl>
-                </p:cond>
-              </p:nextCondLst>
-            </p:seq>
-          </p:childTnLst>
-        </p:cTn>
-      </p:par>
-    </p:tnLst>
-    <p:bldLst>
-      <p:bldP spid="1193988" grpId="0" animBg="1"/>
-    </p:bldLst>
-  </p:timing>
 </p:sld>
 </file>
 
@@ -31741,54 +28927,6 @@
           </a:p>
         </p:txBody>
       </p:sp>
-      <p:sp>
-        <p:nvSpPr>
-          <p:cNvPr id="1193988" name="Rectangle 4"/>
-          <p:cNvSpPr>
-            <a:spLocks noChangeArrowheads="1"/>
-          </p:cNvSpPr>
-          <p:nvPr/>
-        </p:nvSpPr>
-        <p:spPr bwMode="auto">
-          <a:xfrm>
-            <a:off x="1447800" y="381000"/>
-            <a:ext cx="5715000" cy="1143000"/>
-          </a:xfrm>
-          <a:prstGeom prst="rect">
-            <a:avLst/>
-          </a:prstGeom>
-          <a:solidFill>
-            <a:schemeClr val="accent1"/>
-          </a:solidFill>
-          <a:ln w="9525">
-            <a:solidFill>
-              <a:schemeClr val="tx1"/>
-            </a:solidFill>
-            <a:miter lim="800000"/>
-            <a:headEnd/>
-            <a:tailEnd/>
-          </a:ln>
-          <a:effectLst/>
-          <a:extLst>
-            <a:ext uri="{AF507438-7753-43E0-B8FC-AC1667EBCBE1}">
-              <a14:hiddenEffects xmlns:a14="http://schemas.microsoft.com/office/drawing/2010/main">
-                <a:effectLst>
-                  <a:outerShdw dist="35921" dir="2700000" algn="ctr" rotWithShape="0">
-                    <a:schemeClr val="bg2"/>
-                  </a:outerShdw>
-                </a:effectLst>
-              </a14:hiddenEffects>
-            </a:ext>
-          </a:extLst>
-        </p:spPr>
-        <p:txBody>
-          <a:bodyPr wrap="none" anchor="ctr"/>
-          <a:lstStyle/>
-          <a:p>
-            <a:endParaRPr lang="en-US"/>
-          </a:p>
-        </p:txBody>
-      </p:sp>
     </p:spTree>
     <p:extLst>
       <p:ext uri="{BB962C8B-B14F-4D97-AF65-F5344CB8AC3E}">
@@ -31799,92 +28937,6 @@
   <p:clrMapOvr>
     <a:masterClrMapping/>
   </p:clrMapOvr>
-  <p:timing>
-    <p:tnLst>
-      <p:par>
-        <p:cTn id="1" dur="indefinite" restart="never" nodeType="tmRoot">
-          <p:childTnLst>
-            <p:seq concurrent="1" nextAc="seek">
-              <p:cTn id="2" dur="indefinite" nodeType="mainSeq">
-                <p:childTnLst>
-                  <p:par>
-                    <p:cTn id="3" fill="hold" nodeType="clickPar">
-                      <p:stCondLst>
-                        <p:cond delay="indefinite"/>
-                      </p:stCondLst>
-                      <p:childTnLst>
-                        <p:par>
-                          <p:cTn id="4" fill="hold" nodeType="withGroup">
-                            <p:stCondLst>
-                              <p:cond delay="0"/>
-                            </p:stCondLst>
-                            <p:childTnLst>
-                              <p:par>
-                                <p:cTn id="5" presetID="4" presetClass="exit" presetSubtype="16" fill="hold" grpId="0" nodeType="clickEffect">
-                                  <p:stCondLst>
-                                    <p:cond delay="0"/>
-                                  </p:stCondLst>
-                                  <p:childTnLst>
-                                    <p:animEffect transition="out" filter="box(in)">
-                                      <p:cBhvr>
-                                        <p:cTn id="6" dur="500"/>
-                                        <p:tgtEl>
-                                          <p:spTgt spid="1193988"/>
-                                        </p:tgtEl>
-                                      </p:cBhvr>
-                                    </p:animEffect>
-                                    <p:set>
-                                      <p:cBhvr>
-                                        <p:cTn id="7" dur="1" fill="hold">
-                                          <p:stCondLst>
-                                            <p:cond delay="499"/>
-                                          </p:stCondLst>
-                                        </p:cTn>
-                                        <p:tgtEl>
-                                          <p:spTgt spid="1193988"/>
-                                        </p:tgtEl>
-                                        <p:attrNameLst>
-                                          <p:attrName>style.visibility</p:attrName>
-                                        </p:attrNameLst>
-                                      </p:cBhvr>
-                                      <p:to>
-                                        <p:strVal val="hidden"/>
-                                      </p:to>
-                                    </p:set>
-                                  </p:childTnLst>
-                                </p:cTn>
-                              </p:par>
-                            </p:childTnLst>
-                          </p:cTn>
-                        </p:par>
-                      </p:childTnLst>
-                    </p:cTn>
-                  </p:par>
-                </p:childTnLst>
-              </p:cTn>
-              <p:prevCondLst>
-                <p:cond evt="onPrev" delay="0">
-                  <p:tgtEl>
-                    <p:sldTgt/>
-                  </p:tgtEl>
-                </p:cond>
-              </p:prevCondLst>
-              <p:nextCondLst>
-                <p:cond evt="onNext" delay="0">
-                  <p:tgtEl>
-                    <p:sldTgt/>
-                  </p:tgtEl>
-                </p:cond>
-              </p:nextCondLst>
-            </p:seq>
-          </p:childTnLst>
-        </p:cTn>
-      </p:par>
-    </p:tnLst>
-    <p:bldLst>
-      <p:bldP spid="1193988" grpId="0" animBg="1"/>
-    </p:bldLst>
-  </p:timing>
 </p:sld>
 </file>
 
@@ -32223,54 +29275,6 @@
           </a:p>
         </p:txBody>
       </p:sp>
-      <p:sp>
-        <p:nvSpPr>
-          <p:cNvPr id="1193988" name="Rectangle 4"/>
-          <p:cNvSpPr>
-            <a:spLocks noChangeArrowheads="1"/>
-          </p:cNvSpPr>
-          <p:nvPr/>
-        </p:nvSpPr>
-        <p:spPr bwMode="auto">
-          <a:xfrm>
-            <a:off x="1905000" y="228600"/>
-            <a:ext cx="5715000" cy="1143000"/>
-          </a:xfrm>
-          <a:prstGeom prst="rect">
-            <a:avLst/>
-          </a:prstGeom>
-          <a:solidFill>
-            <a:schemeClr val="accent1"/>
-          </a:solidFill>
-          <a:ln w="9525">
-            <a:solidFill>
-              <a:schemeClr val="tx1"/>
-            </a:solidFill>
-            <a:miter lim="800000"/>
-            <a:headEnd/>
-            <a:tailEnd/>
-          </a:ln>
-          <a:effectLst/>
-          <a:extLst>
-            <a:ext uri="{AF507438-7753-43E0-B8FC-AC1667EBCBE1}">
-              <a14:hiddenEffects xmlns:a14="http://schemas.microsoft.com/office/drawing/2010/main">
-                <a:effectLst>
-                  <a:outerShdw dist="35921" dir="2700000" algn="ctr" rotWithShape="0">
-                    <a:schemeClr val="bg2"/>
-                  </a:outerShdw>
-                </a:effectLst>
-              </a14:hiddenEffects>
-            </a:ext>
-          </a:extLst>
-        </p:spPr>
-        <p:txBody>
-          <a:bodyPr wrap="none" anchor="ctr"/>
-          <a:lstStyle/>
-          <a:p>
-            <a:endParaRPr lang="en-US"/>
-          </a:p>
-        </p:txBody>
-      </p:sp>
     </p:spTree>
     <p:extLst>
       <p:ext uri="{BB962C8B-B14F-4D97-AF65-F5344CB8AC3E}">
@@ -32281,92 +29285,6 @@
   <p:clrMapOvr>
     <a:masterClrMapping/>
   </p:clrMapOvr>
-  <p:timing>
-    <p:tnLst>
-      <p:par>
-        <p:cTn id="1" dur="indefinite" restart="never" nodeType="tmRoot">
-          <p:childTnLst>
-            <p:seq concurrent="1" nextAc="seek">
-              <p:cTn id="2" dur="indefinite" nodeType="mainSeq">
-                <p:childTnLst>
-                  <p:par>
-                    <p:cTn id="3" fill="hold" nodeType="clickPar">
-                      <p:stCondLst>
-                        <p:cond delay="indefinite"/>
-                      </p:stCondLst>
-                      <p:childTnLst>
-                        <p:par>
-                          <p:cTn id="4" fill="hold" nodeType="withGroup">
-                            <p:stCondLst>
-                              <p:cond delay="0"/>
-                            </p:stCondLst>
-                            <p:childTnLst>
-                              <p:par>
-                                <p:cTn id="5" presetID="4" presetClass="exit" presetSubtype="16" fill="hold" grpId="0" nodeType="clickEffect">
-                                  <p:stCondLst>
-                                    <p:cond delay="0"/>
-                                  </p:stCondLst>
-                                  <p:childTnLst>
-                                    <p:animEffect transition="out" filter="box(in)">
-                                      <p:cBhvr>
-                                        <p:cTn id="6" dur="500"/>
-                                        <p:tgtEl>
-                                          <p:spTgt spid="1193988"/>
-                                        </p:tgtEl>
-                                      </p:cBhvr>
-                                    </p:animEffect>
-                                    <p:set>
-                                      <p:cBhvr>
-                                        <p:cTn id="7" dur="1" fill="hold">
-                                          <p:stCondLst>
-                                            <p:cond delay="499"/>
-                                          </p:stCondLst>
-                                        </p:cTn>
-                                        <p:tgtEl>
-                                          <p:spTgt spid="1193988"/>
-                                        </p:tgtEl>
-                                        <p:attrNameLst>
-                                          <p:attrName>style.visibility</p:attrName>
-                                        </p:attrNameLst>
-                                      </p:cBhvr>
-                                      <p:to>
-                                        <p:strVal val="hidden"/>
-                                      </p:to>
-                                    </p:set>
-                                  </p:childTnLst>
-                                </p:cTn>
-                              </p:par>
-                            </p:childTnLst>
-                          </p:cTn>
-                        </p:par>
-                      </p:childTnLst>
-                    </p:cTn>
-                  </p:par>
-                </p:childTnLst>
-              </p:cTn>
-              <p:prevCondLst>
-                <p:cond evt="onPrev" delay="0">
-                  <p:tgtEl>
-                    <p:sldTgt/>
-                  </p:tgtEl>
-                </p:cond>
-              </p:prevCondLst>
-              <p:nextCondLst>
-                <p:cond evt="onNext" delay="0">
-                  <p:tgtEl>
-                    <p:sldTgt/>
-                  </p:tgtEl>
-                </p:cond>
-              </p:nextCondLst>
-            </p:seq>
-          </p:childTnLst>
-        </p:cTn>
-      </p:par>
-    </p:tnLst>
-    <p:bldLst>
-      <p:bldP spid="1193988" grpId="0" animBg="1"/>
-    </p:bldLst>
-  </p:timing>
 </p:sld>
 </file>
 
@@ -32461,54 +29379,6 @@
           </a:p>
         </p:txBody>
       </p:sp>
-      <p:sp>
-        <p:nvSpPr>
-          <p:cNvPr id="1193988" name="Rectangle 4"/>
-          <p:cNvSpPr>
-            <a:spLocks noChangeArrowheads="1"/>
-          </p:cNvSpPr>
-          <p:nvPr/>
-        </p:nvSpPr>
-        <p:spPr bwMode="auto">
-          <a:xfrm>
-            <a:off x="1524000" y="228600"/>
-            <a:ext cx="5715000" cy="1143000"/>
-          </a:xfrm>
-          <a:prstGeom prst="rect">
-            <a:avLst/>
-          </a:prstGeom>
-          <a:solidFill>
-            <a:schemeClr val="accent1"/>
-          </a:solidFill>
-          <a:ln w="9525">
-            <a:solidFill>
-              <a:schemeClr val="tx1"/>
-            </a:solidFill>
-            <a:miter lim="800000"/>
-            <a:headEnd/>
-            <a:tailEnd/>
-          </a:ln>
-          <a:effectLst/>
-          <a:extLst>
-            <a:ext uri="{AF507438-7753-43E0-B8FC-AC1667EBCBE1}">
-              <a14:hiddenEffects xmlns:a14="http://schemas.microsoft.com/office/drawing/2010/main">
-                <a:effectLst>
-                  <a:outerShdw dist="35921" dir="2700000" algn="ctr" rotWithShape="0">
-                    <a:schemeClr val="bg2"/>
-                  </a:outerShdw>
-                </a:effectLst>
-              </a14:hiddenEffects>
-            </a:ext>
-          </a:extLst>
-        </p:spPr>
-        <p:txBody>
-          <a:bodyPr wrap="none" anchor="ctr"/>
-          <a:lstStyle/>
-          <a:p>
-            <a:endParaRPr lang="en-US"/>
-          </a:p>
-        </p:txBody>
-      </p:sp>
     </p:spTree>
     <p:extLst>
       <p:ext uri="{BB962C8B-B14F-4D97-AF65-F5344CB8AC3E}">
@@ -32519,92 +29389,6 @@
   <p:clrMapOvr>
     <a:masterClrMapping/>
   </p:clrMapOvr>
-  <p:timing>
-    <p:tnLst>
-      <p:par>
-        <p:cTn id="1" dur="indefinite" restart="never" nodeType="tmRoot">
-          <p:childTnLst>
-            <p:seq concurrent="1" nextAc="seek">
-              <p:cTn id="2" dur="indefinite" nodeType="mainSeq">
-                <p:childTnLst>
-                  <p:par>
-                    <p:cTn id="3" fill="hold" nodeType="clickPar">
-                      <p:stCondLst>
-                        <p:cond delay="indefinite"/>
-                      </p:stCondLst>
-                      <p:childTnLst>
-                        <p:par>
-                          <p:cTn id="4" fill="hold" nodeType="withGroup">
-                            <p:stCondLst>
-                              <p:cond delay="0"/>
-                            </p:stCondLst>
-                            <p:childTnLst>
-                              <p:par>
-                                <p:cTn id="5" presetID="4" presetClass="exit" presetSubtype="16" fill="hold" grpId="0" nodeType="clickEffect">
-                                  <p:stCondLst>
-                                    <p:cond delay="0"/>
-                                  </p:stCondLst>
-                                  <p:childTnLst>
-                                    <p:animEffect transition="out" filter="box(in)">
-                                      <p:cBhvr>
-                                        <p:cTn id="6" dur="500"/>
-                                        <p:tgtEl>
-                                          <p:spTgt spid="1193988"/>
-                                        </p:tgtEl>
-                                      </p:cBhvr>
-                                    </p:animEffect>
-                                    <p:set>
-                                      <p:cBhvr>
-                                        <p:cTn id="7" dur="1" fill="hold">
-                                          <p:stCondLst>
-                                            <p:cond delay="499"/>
-                                          </p:stCondLst>
-                                        </p:cTn>
-                                        <p:tgtEl>
-                                          <p:spTgt spid="1193988"/>
-                                        </p:tgtEl>
-                                        <p:attrNameLst>
-                                          <p:attrName>style.visibility</p:attrName>
-                                        </p:attrNameLst>
-                                      </p:cBhvr>
-                                      <p:to>
-                                        <p:strVal val="hidden"/>
-                                      </p:to>
-                                    </p:set>
-                                  </p:childTnLst>
-                                </p:cTn>
-                              </p:par>
-                            </p:childTnLst>
-                          </p:cTn>
-                        </p:par>
-                      </p:childTnLst>
-                    </p:cTn>
-                  </p:par>
-                </p:childTnLst>
-              </p:cTn>
-              <p:prevCondLst>
-                <p:cond evt="onPrev" delay="0">
-                  <p:tgtEl>
-                    <p:sldTgt/>
-                  </p:tgtEl>
-                </p:cond>
-              </p:prevCondLst>
-              <p:nextCondLst>
-                <p:cond evt="onNext" delay="0">
-                  <p:tgtEl>
-                    <p:sldTgt/>
-                  </p:tgtEl>
-                </p:cond>
-              </p:nextCondLst>
-            </p:seq>
-          </p:childTnLst>
-        </p:cTn>
-      </p:par>
-    </p:tnLst>
-    <p:bldLst>
-      <p:bldP spid="1193988" grpId="0" animBg="1"/>
-    </p:bldLst>
-  </p:timing>
 </p:sld>
 </file>
 
@@ -32699,54 +29483,6 @@
           </a:p>
         </p:txBody>
       </p:sp>
-      <p:sp>
-        <p:nvSpPr>
-          <p:cNvPr id="1193988" name="Rectangle 4"/>
-          <p:cNvSpPr>
-            <a:spLocks noChangeArrowheads="1"/>
-          </p:cNvSpPr>
-          <p:nvPr/>
-        </p:nvSpPr>
-        <p:spPr bwMode="auto">
-          <a:xfrm>
-            <a:off x="1676400" y="381000"/>
-            <a:ext cx="5715000" cy="1143000"/>
-          </a:xfrm>
-          <a:prstGeom prst="rect">
-            <a:avLst/>
-          </a:prstGeom>
-          <a:solidFill>
-            <a:schemeClr val="accent1"/>
-          </a:solidFill>
-          <a:ln w="9525">
-            <a:solidFill>
-              <a:schemeClr val="tx1"/>
-            </a:solidFill>
-            <a:miter lim="800000"/>
-            <a:headEnd/>
-            <a:tailEnd/>
-          </a:ln>
-          <a:effectLst/>
-          <a:extLst>
-            <a:ext uri="{AF507438-7753-43E0-B8FC-AC1667EBCBE1}">
-              <a14:hiddenEffects xmlns:a14="http://schemas.microsoft.com/office/drawing/2010/main">
-                <a:effectLst>
-                  <a:outerShdw dist="35921" dir="2700000" algn="ctr" rotWithShape="0">
-                    <a:schemeClr val="bg2"/>
-                  </a:outerShdw>
-                </a:effectLst>
-              </a14:hiddenEffects>
-            </a:ext>
-          </a:extLst>
-        </p:spPr>
-        <p:txBody>
-          <a:bodyPr wrap="none" anchor="ctr"/>
-          <a:lstStyle/>
-          <a:p>
-            <a:endParaRPr lang="en-US"/>
-          </a:p>
-        </p:txBody>
-      </p:sp>
     </p:spTree>
     <p:extLst>
       <p:ext uri="{BB962C8B-B14F-4D97-AF65-F5344CB8AC3E}">
@@ -32757,92 +29493,6 @@
   <p:clrMapOvr>
     <a:masterClrMapping/>
   </p:clrMapOvr>
-  <p:timing>
-    <p:tnLst>
-      <p:par>
-        <p:cTn id="1" dur="indefinite" restart="never" nodeType="tmRoot">
-          <p:childTnLst>
-            <p:seq concurrent="1" nextAc="seek">
-              <p:cTn id="2" dur="indefinite" nodeType="mainSeq">
-                <p:childTnLst>
-                  <p:par>
-                    <p:cTn id="3" fill="hold" nodeType="clickPar">
-                      <p:stCondLst>
-                        <p:cond delay="indefinite"/>
-                      </p:stCondLst>
-                      <p:childTnLst>
-                        <p:par>
-                          <p:cTn id="4" fill="hold" nodeType="withGroup">
-                            <p:stCondLst>
-                              <p:cond delay="0"/>
-                            </p:stCondLst>
-                            <p:childTnLst>
-                              <p:par>
-                                <p:cTn id="5" presetID="4" presetClass="exit" presetSubtype="16" fill="hold" grpId="0" nodeType="clickEffect">
-                                  <p:stCondLst>
-                                    <p:cond delay="0"/>
-                                  </p:stCondLst>
-                                  <p:childTnLst>
-                                    <p:animEffect transition="out" filter="box(in)">
-                                      <p:cBhvr>
-                                        <p:cTn id="6" dur="500"/>
-                                        <p:tgtEl>
-                                          <p:spTgt spid="1193988"/>
-                                        </p:tgtEl>
-                                      </p:cBhvr>
-                                    </p:animEffect>
-                                    <p:set>
-                                      <p:cBhvr>
-                                        <p:cTn id="7" dur="1" fill="hold">
-                                          <p:stCondLst>
-                                            <p:cond delay="499"/>
-                                          </p:stCondLst>
-                                        </p:cTn>
-                                        <p:tgtEl>
-                                          <p:spTgt spid="1193988"/>
-                                        </p:tgtEl>
-                                        <p:attrNameLst>
-                                          <p:attrName>style.visibility</p:attrName>
-                                        </p:attrNameLst>
-                                      </p:cBhvr>
-                                      <p:to>
-                                        <p:strVal val="hidden"/>
-                                      </p:to>
-                                    </p:set>
-                                  </p:childTnLst>
-                                </p:cTn>
-                              </p:par>
-                            </p:childTnLst>
-                          </p:cTn>
-                        </p:par>
-                      </p:childTnLst>
-                    </p:cTn>
-                  </p:par>
-                </p:childTnLst>
-              </p:cTn>
-              <p:prevCondLst>
-                <p:cond evt="onPrev" delay="0">
-                  <p:tgtEl>
-                    <p:sldTgt/>
-                  </p:tgtEl>
-                </p:cond>
-              </p:prevCondLst>
-              <p:nextCondLst>
-                <p:cond evt="onNext" delay="0">
-                  <p:tgtEl>
-                    <p:sldTgt/>
-                  </p:tgtEl>
-                </p:cond>
-              </p:nextCondLst>
-            </p:seq>
-          </p:childTnLst>
-        </p:cTn>
-      </p:par>
-    </p:tnLst>
-    <p:bldLst>
-      <p:bldP spid="1193988" grpId="0" animBg="1"/>
-    </p:bldLst>
-  </p:timing>
 </p:sld>
 </file>
 
@@ -32937,54 +29587,6 @@
           </a:p>
         </p:txBody>
       </p:sp>
-      <p:sp>
-        <p:nvSpPr>
-          <p:cNvPr id="1193988" name="Rectangle 4"/>
-          <p:cNvSpPr>
-            <a:spLocks noChangeArrowheads="1"/>
-          </p:cNvSpPr>
-          <p:nvPr/>
-        </p:nvSpPr>
-        <p:spPr bwMode="auto">
-          <a:xfrm>
-            <a:off x="1828800" y="381000"/>
-            <a:ext cx="5715000" cy="1143000"/>
-          </a:xfrm>
-          <a:prstGeom prst="rect">
-            <a:avLst/>
-          </a:prstGeom>
-          <a:solidFill>
-            <a:schemeClr val="accent1"/>
-          </a:solidFill>
-          <a:ln w="9525">
-            <a:solidFill>
-              <a:schemeClr val="tx1"/>
-            </a:solidFill>
-            <a:miter lim="800000"/>
-            <a:headEnd/>
-            <a:tailEnd/>
-          </a:ln>
-          <a:effectLst/>
-          <a:extLst>
-            <a:ext uri="{AF507438-7753-43E0-B8FC-AC1667EBCBE1}">
-              <a14:hiddenEffects xmlns:a14="http://schemas.microsoft.com/office/drawing/2010/main">
-                <a:effectLst>
-                  <a:outerShdw dist="35921" dir="2700000" algn="ctr" rotWithShape="0">
-                    <a:schemeClr val="bg2"/>
-                  </a:outerShdw>
-                </a:effectLst>
-              </a14:hiddenEffects>
-            </a:ext>
-          </a:extLst>
-        </p:spPr>
-        <p:txBody>
-          <a:bodyPr wrap="none" anchor="ctr"/>
-          <a:lstStyle/>
-          <a:p>
-            <a:endParaRPr lang="en-US"/>
-          </a:p>
-        </p:txBody>
-      </p:sp>
     </p:spTree>
     <p:extLst>
       <p:ext uri="{BB962C8B-B14F-4D97-AF65-F5344CB8AC3E}">
@@ -32995,92 +29597,6 @@
   <p:clrMapOvr>
     <a:masterClrMapping/>
   </p:clrMapOvr>
-  <p:timing>
-    <p:tnLst>
-      <p:par>
-        <p:cTn id="1" dur="indefinite" restart="never" nodeType="tmRoot">
-          <p:childTnLst>
-            <p:seq concurrent="1" nextAc="seek">
-              <p:cTn id="2" dur="indefinite" nodeType="mainSeq">
-                <p:childTnLst>
-                  <p:par>
-                    <p:cTn id="3" fill="hold" nodeType="clickPar">
-                      <p:stCondLst>
-                        <p:cond delay="indefinite"/>
-                      </p:stCondLst>
-                      <p:childTnLst>
-                        <p:par>
-                          <p:cTn id="4" fill="hold" nodeType="withGroup">
-                            <p:stCondLst>
-                              <p:cond delay="0"/>
-                            </p:stCondLst>
-                            <p:childTnLst>
-                              <p:par>
-                                <p:cTn id="5" presetID="4" presetClass="exit" presetSubtype="16" fill="hold" grpId="0" nodeType="clickEffect">
-                                  <p:stCondLst>
-                                    <p:cond delay="0"/>
-                                  </p:stCondLst>
-                                  <p:childTnLst>
-                                    <p:animEffect transition="out" filter="box(in)">
-                                      <p:cBhvr>
-                                        <p:cTn id="6" dur="500"/>
-                                        <p:tgtEl>
-                                          <p:spTgt spid="1193988"/>
-                                        </p:tgtEl>
-                                      </p:cBhvr>
-                                    </p:animEffect>
-                                    <p:set>
-                                      <p:cBhvr>
-                                        <p:cTn id="7" dur="1" fill="hold">
-                                          <p:stCondLst>
-                                            <p:cond delay="499"/>
-                                          </p:stCondLst>
-                                        </p:cTn>
-                                        <p:tgtEl>
-                                          <p:spTgt spid="1193988"/>
-                                        </p:tgtEl>
-                                        <p:attrNameLst>
-                                          <p:attrName>style.visibility</p:attrName>
-                                        </p:attrNameLst>
-                                      </p:cBhvr>
-                                      <p:to>
-                                        <p:strVal val="hidden"/>
-                                      </p:to>
-                                    </p:set>
-                                  </p:childTnLst>
-                                </p:cTn>
-                              </p:par>
-                            </p:childTnLst>
-                          </p:cTn>
-                        </p:par>
-                      </p:childTnLst>
-                    </p:cTn>
-                  </p:par>
-                </p:childTnLst>
-              </p:cTn>
-              <p:prevCondLst>
-                <p:cond evt="onPrev" delay="0">
-                  <p:tgtEl>
-                    <p:sldTgt/>
-                  </p:tgtEl>
-                </p:cond>
-              </p:prevCondLst>
-              <p:nextCondLst>
-                <p:cond evt="onNext" delay="0">
-                  <p:tgtEl>
-                    <p:sldTgt/>
-                  </p:tgtEl>
-                </p:cond>
-              </p:nextCondLst>
-            </p:seq>
-          </p:childTnLst>
-        </p:cTn>
-      </p:par>
-    </p:tnLst>
-    <p:bldLst>
-      <p:bldP spid="1193988" grpId="0" animBg="1"/>
-    </p:bldLst>
-  </p:timing>
 </p:sld>
 </file>
 
@@ -33175,54 +29691,6 @@
           </a:p>
         </p:txBody>
       </p:sp>
-      <p:sp>
-        <p:nvSpPr>
-          <p:cNvPr id="1193988" name="Rectangle 4"/>
-          <p:cNvSpPr>
-            <a:spLocks noChangeArrowheads="1"/>
-          </p:cNvSpPr>
-          <p:nvPr/>
-        </p:nvSpPr>
-        <p:spPr bwMode="auto">
-          <a:xfrm>
-            <a:off x="1752600" y="304800"/>
-            <a:ext cx="5715000" cy="1143000"/>
-          </a:xfrm>
-          <a:prstGeom prst="rect">
-            <a:avLst/>
-          </a:prstGeom>
-          <a:solidFill>
-            <a:schemeClr val="accent1"/>
-          </a:solidFill>
-          <a:ln w="9525">
-            <a:solidFill>
-              <a:schemeClr val="tx1"/>
-            </a:solidFill>
-            <a:miter lim="800000"/>
-            <a:headEnd/>
-            <a:tailEnd/>
-          </a:ln>
-          <a:effectLst/>
-          <a:extLst>
-            <a:ext uri="{AF507438-7753-43E0-B8FC-AC1667EBCBE1}">
-              <a14:hiddenEffects xmlns:a14="http://schemas.microsoft.com/office/drawing/2010/main">
-                <a:effectLst>
-                  <a:outerShdw dist="35921" dir="2700000" algn="ctr" rotWithShape="0">
-                    <a:schemeClr val="bg2"/>
-                  </a:outerShdw>
-                </a:effectLst>
-              </a14:hiddenEffects>
-            </a:ext>
-          </a:extLst>
-        </p:spPr>
-        <p:txBody>
-          <a:bodyPr wrap="none" anchor="ctr"/>
-          <a:lstStyle/>
-          <a:p>
-            <a:endParaRPr lang="en-US"/>
-          </a:p>
-        </p:txBody>
-      </p:sp>
     </p:spTree>
     <p:extLst>
       <p:ext uri="{BB962C8B-B14F-4D97-AF65-F5344CB8AC3E}">
@@ -33233,92 +29701,6 @@
   <p:clrMapOvr>
     <a:masterClrMapping/>
   </p:clrMapOvr>
-  <p:timing>
-    <p:tnLst>
-      <p:par>
-        <p:cTn id="1" dur="indefinite" restart="never" nodeType="tmRoot">
-          <p:childTnLst>
-            <p:seq concurrent="1" nextAc="seek">
-              <p:cTn id="2" dur="indefinite" nodeType="mainSeq">
-                <p:childTnLst>
-                  <p:par>
-                    <p:cTn id="3" fill="hold" nodeType="clickPar">
-                      <p:stCondLst>
-                        <p:cond delay="indefinite"/>
-                      </p:stCondLst>
-                      <p:childTnLst>
-                        <p:par>
-                          <p:cTn id="4" fill="hold" nodeType="withGroup">
-                            <p:stCondLst>
-                              <p:cond delay="0"/>
-                            </p:stCondLst>
-                            <p:childTnLst>
-                              <p:par>
-                                <p:cTn id="5" presetID="4" presetClass="exit" presetSubtype="16" fill="hold" grpId="0" nodeType="clickEffect">
-                                  <p:stCondLst>
-                                    <p:cond delay="0"/>
-                                  </p:stCondLst>
-                                  <p:childTnLst>
-                                    <p:animEffect transition="out" filter="box(in)">
-                                      <p:cBhvr>
-                                        <p:cTn id="6" dur="500"/>
-                                        <p:tgtEl>
-                                          <p:spTgt spid="1193988"/>
-                                        </p:tgtEl>
-                                      </p:cBhvr>
-                                    </p:animEffect>
-                                    <p:set>
-                                      <p:cBhvr>
-                                        <p:cTn id="7" dur="1" fill="hold">
-                                          <p:stCondLst>
-                                            <p:cond delay="499"/>
-                                          </p:stCondLst>
-                                        </p:cTn>
-                                        <p:tgtEl>
-                                          <p:spTgt spid="1193988"/>
-                                        </p:tgtEl>
-                                        <p:attrNameLst>
-                                          <p:attrName>style.visibility</p:attrName>
-                                        </p:attrNameLst>
-                                      </p:cBhvr>
-                                      <p:to>
-                                        <p:strVal val="hidden"/>
-                                      </p:to>
-                                    </p:set>
-                                  </p:childTnLst>
-                                </p:cTn>
-                              </p:par>
-                            </p:childTnLst>
-                          </p:cTn>
-                        </p:par>
-                      </p:childTnLst>
-                    </p:cTn>
-                  </p:par>
-                </p:childTnLst>
-              </p:cTn>
-              <p:prevCondLst>
-                <p:cond evt="onPrev" delay="0">
-                  <p:tgtEl>
-                    <p:sldTgt/>
-                  </p:tgtEl>
-                </p:cond>
-              </p:prevCondLst>
-              <p:nextCondLst>
-                <p:cond evt="onNext" delay="0">
-                  <p:tgtEl>
-                    <p:sldTgt/>
-                  </p:tgtEl>
-                </p:cond>
-              </p:nextCondLst>
-            </p:seq>
-          </p:childTnLst>
-        </p:cTn>
-      </p:par>
-    </p:tnLst>
-    <p:bldLst>
-      <p:bldP spid="1193988" grpId="0" animBg="1"/>
-    </p:bldLst>
-  </p:timing>
 </p:sld>
 </file>
 
@@ -33413,54 +29795,6 @@
           </a:p>
         </p:txBody>
       </p:sp>
-      <p:sp>
-        <p:nvSpPr>
-          <p:cNvPr id="1193988" name="Rectangle 4"/>
-          <p:cNvSpPr>
-            <a:spLocks noChangeArrowheads="1"/>
-          </p:cNvSpPr>
-          <p:nvPr/>
-        </p:nvSpPr>
-        <p:spPr bwMode="auto">
-          <a:xfrm>
-            <a:off x="1752600" y="228600"/>
-            <a:ext cx="5715000" cy="1143000"/>
-          </a:xfrm>
-          <a:prstGeom prst="rect">
-            <a:avLst/>
-          </a:prstGeom>
-          <a:solidFill>
-            <a:schemeClr val="accent1"/>
-          </a:solidFill>
-          <a:ln w="9525">
-            <a:solidFill>
-              <a:schemeClr val="tx1"/>
-            </a:solidFill>
-            <a:miter lim="800000"/>
-            <a:headEnd/>
-            <a:tailEnd/>
-          </a:ln>
-          <a:effectLst/>
-          <a:extLst>
-            <a:ext uri="{AF507438-7753-43E0-B8FC-AC1667EBCBE1}">
-              <a14:hiddenEffects xmlns:a14="http://schemas.microsoft.com/office/drawing/2010/main">
-                <a:effectLst>
-                  <a:outerShdw dist="35921" dir="2700000" algn="ctr" rotWithShape="0">
-                    <a:schemeClr val="bg2"/>
-                  </a:outerShdw>
-                </a:effectLst>
-              </a14:hiddenEffects>
-            </a:ext>
-          </a:extLst>
-        </p:spPr>
-        <p:txBody>
-          <a:bodyPr wrap="none" anchor="ctr"/>
-          <a:lstStyle/>
-          <a:p>
-            <a:endParaRPr lang="en-US"/>
-          </a:p>
-        </p:txBody>
-      </p:sp>
     </p:spTree>
     <p:extLst>
       <p:ext uri="{BB962C8B-B14F-4D97-AF65-F5344CB8AC3E}">
@@ -33471,92 +29805,6 @@
   <p:clrMapOvr>
     <a:masterClrMapping/>
   </p:clrMapOvr>
-  <p:timing>
-    <p:tnLst>
-      <p:par>
-        <p:cTn id="1" dur="indefinite" restart="never" nodeType="tmRoot">
-          <p:childTnLst>
-            <p:seq concurrent="1" nextAc="seek">
-              <p:cTn id="2" dur="indefinite" nodeType="mainSeq">
-                <p:childTnLst>
-                  <p:par>
-                    <p:cTn id="3" fill="hold" nodeType="clickPar">
-                      <p:stCondLst>
-                        <p:cond delay="indefinite"/>
-                      </p:stCondLst>
-                      <p:childTnLst>
-                        <p:par>
-                          <p:cTn id="4" fill="hold" nodeType="withGroup">
-                            <p:stCondLst>
-                              <p:cond delay="0"/>
-                            </p:stCondLst>
-                            <p:childTnLst>
-                              <p:par>
-                                <p:cTn id="5" presetID="4" presetClass="exit" presetSubtype="16" fill="hold" grpId="0" nodeType="clickEffect">
-                                  <p:stCondLst>
-                                    <p:cond delay="0"/>
-                                  </p:stCondLst>
-                                  <p:childTnLst>
-                                    <p:animEffect transition="out" filter="box(in)">
-                                      <p:cBhvr>
-                                        <p:cTn id="6" dur="500"/>
-                                        <p:tgtEl>
-                                          <p:spTgt spid="1193988"/>
-                                        </p:tgtEl>
-                                      </p:cBhvr>
-                                    </p:animEffect>
-                                    <p:set>
-                                      <p:cBhvr>
-                                        <p:cTn id="7" dur="1" fill="hold">
-                                          <p:stCondLst>
-                                            <p:cond delay="499"/>
-                                          </p:stCondLst>
-                                        </p:cTn>
-                                        <p:tgtEl>
-                                          <p:spTgt spid="1193988"/>
-                                        </p:tgtEl>
-                                        <p:attrNameLst>
-                                          <p:attrName>style.visibility</p:attrName>
-                                        </p:attrNameLst>
-                                      </p:cBhvr>
-                                      <p:to>
-                                        <p:strVal val="hidden"/>
-                                      </p:to>
-                                    </p:set>
-                                  </p:childTnLst>
-                                </p:cTn>
-                              </p:par>
-                            </p:childTnLst>
-                          </p:cTn>
-                        </p:par>
-                      </p:childTnLst>
-                    </p:cTn>
-                  </p:par>
-                </p:childTnLst>
-              </p:cTn>
-              <p:prevCondLst>
-                <p:cond evt="onPrev" delay="0">
-                  <p:tgtEl>
-                    <p:sldTgt/>
-                  </p:tgtEl>
-                </p:cond>
-              </p:prevCondLst>
-              <p:nextCondLst>
-                <p:cond evt="onNext" delay="0">
-                  <p:tgtEl>
-                    <p:sldTgt/>
-                  </p:tgtEl>
-                </p:cond>
-              </p:nextCondLst>
-            </p:seq>
-          </p:childTnLst>
-        </p:cTn>
-      </p:par>
-    </p:tnLst>
-    <p:bldLst>
-      <p:bldP spid="1193988" grpId="0" animBg="1"/>
-    </p:bldLst>
-  </p:timing>
 </p:sld>
 </file>
 

--- a/KANJI_JPD121_ TAMAGO.ppt.pptx
+++ b/KANJI_JPD121_ TAMAGO.ppt.pptx
@@ -298,7 +298,7 @@
           <a:p>
             <a:fld id="{6B68999C-3EF6-48EE-B29C-31433357F191}" type="datetimeFigureOut">
               <a:rPr lang="en-US" smtClean="0"/>
-              <a:t>3/1/2023</a:t>
+              <a:t>3/11/2023</a:t>
             </a:fld>
             <a:endParaRPr lang="en-US"/>
           </a:p>
@@ -18057,7 +18057,7 @@
           <a:p>
             <a:fld id="{E6B2EF96-978E-48BA-90D1-E6D08B60635D}" type="datetimeFigureOut">
               <a:rPr lang="en-US" smtClean="0"/>
-              <a:t>3/1/2023</a:t>
+              <a:t>3/11/2023</a:t>
             </a:fld>
             <a:endParaRPr lang="en-US"/>
           </a:p>
@@ -18225,7 +18225,7 @@
           <a:p>
             <a:fld id="{E6B2EF96-978E-48BA-90D1-E6D08B60635D}" type="datetimeFigureOut">
               <a:rPr lang="en-US" smtClean="0"/>
-              <a:t>3/1/2023</a:t>
+              <a:t>3/11/2023</a:t>
             </a:fld>
             <a:endParaRPr lang="en-US"/>
           </a:p>
@@ -18403,7 +18403,7 @@
           <a:p>
             <a:fld id="{E6B2EF96-978E-48BA-90D1-E6D08B60635D}" type="datetimeFigureOut">
               <a:rPr lang="en-US" smtClean="0"/>
-              <a:t>3/1/2023</a:t>
+              <a:t>3/11/2023</a:t>
             </a:fld>
             <a:endParaRPr lang="en-US"/>
           </a:p>
@@ -18571,7 +18571,7 @@
           <a:p>
             <a:fld id="{E6B2EF96-978E-48BA-90D1-E6D08B60635D}" type="datetimeFigureOut">
               <a:rPr lang="en-US" smtClean="0"/>
-              <a:t>3/1/2023</a:t>
+              <a:t>3/11/2023</a:t>
             </a:fld>
             <a:endParaRPr lang="en-US"/>
           </a:p>
@@ -18816,7 +18816,7 @@
           <a:p>
             <a:fld id="{E6B2EF96-978E-48BA-90D1-E6D08B60635D}" type="datetimeFigureOut">
               <a:rPr lang="en-US" smtClean="0"/>
-              <a:t>3/1/2023</a:t>
+              <a:t>3/11/2023</a:t>
             </a:fld>
             <a:endParaRPr lang="en-US"/>
           </a:p>
@@ -19101,7 +19101,7 @@
           <a:p>
             <a:fld id="{E6B2EF96-978E-48BA-90D1-E6D08B60635D}" type="datetimeFigureOut">
               <a:rPr lang="en-US" smtClean="0"/>
-              <a:t>3/1/2023</a:t>
+              <a:t>3/11/2023</a:t>
             </a:fld>
             <a:endParaRPr lang="en-US"/>
           </a:p>
@@ -19520,7 +19520,7 @@
           <a:p>
             <a:fld id="{E6B2EF96-978E-48BA-90D1-E6D08B60635D}" type="datetimeFigureOut">
               <a:rPr lang="en-US" smtClean="0"/>
-              <a:t>3/1/2023</a:t>
+              <a:t>3/11/2023</a:t>
             </a:fld>
             <a:endParaRPr lang="en-US"/>
           </a:p>
@@ -19637,7 +19637,7 @@
           <a:p>
             <a:fld id="{E6B2EF96-978E-48BA-90D1-E6D08B60635D}" type="datetimeFigureOut">
               <a:rPr lang="en-US" smtClean="0"/>
-              <a:t>3/1/2023</a:t>
+              <a:t>3/11/2023</a:t>
             </a:fld>
             <a:endParaRPr lang="en-US"/>
           </a:p>
@@ -19732,7 +19732,7 @@
           <a:p>
             <a:fld id="{E6B2EF96-978E-48BA-90D1-E6D08B60635D}" type="datetimeFigureOut">
               <a:rPr lang="en-US" smtClean="0"/>
-              <a:t>3/1/2023</a:t>
+              <a:t>3/11/2023</a:t>
             </a:fld>
             <a:endParaRPr lang="en-US"/>
           </a:p>
@@ -20007,7 +20007,7 @@
           <a:p>
             <a:fld id="{E6B2EF96-978E-48BA-90D1-E6D08B60635D}" type="datetimeFigureOut">
               <a:rPr lang="en-US" smtClean="0"/>
-              <a:t>3/1/2023</a:t>
+              <a:t>3/11/2023</a:t>
             </a:fld>
             <a:endParaRPr lang="en-US"/>
           </a:p>
@@ -20259,7 +20259,7 @@
           <a:p>
             <a:fld id="{E6B2EF96-978E-48BA-90D1-E6D08B60635D}" type="datetimeFigureOut">
               <a:rPr lang="en-US" smtClean="0"/>
-              <a:t>3/1/2023</a:t>
+              <a:t>3/11/2023</a:t>
             </a:fld>
             <a:endParaRPr lang="en-US"/>
           </a:p>
@@ -20470,7 +20470,7 @@
           <a:p>
             <a:fld id="{E6B2EF96-978E-48BA-90D1-E6D08B60635D}" type="datetimeFigureOut">
               <a:rPr lang="en-US" smtClean="0"/>
-              <a:t>3/1/2023</a:t>
+              <a:t>3/11/2023</a:t>
             </a:fld>
             <a:endParaRPr lang="en-US"/>
           </a:p>
@@ -29975,54 +29975,6 @@
           </a:p>
         </p:txBody>
       </p:sp>
-      <p:sp>
-        <p:nvSpPr>
-          <p:cNvPr id="1193988" name="Rectangle 4"/>
-          <p:cNvSpPr>
-            <a:spLocks noChangeArrowheads="1"/>
-          </p:cNvSpPr>
-          <p:nvPr/>
-        </p:nvSpPr>
-        <p:spPr bwMode="auto">
-          <a:xfrm>
-            <a:off x="1371600" y="152400"/>
-            <a:ext cx="5715000" cy="1143000"/>
-          </a:xfrm>
-          <a:prstGeom prst="rect">
-            <a:avLst/>
-          </a:prstGeom>
-          <a:solidFill>
-            <a:schemeClr val="accent1"/>
-          </a:solidFill>
-          <a:ln w="9525">
-            <a:solidFill>
-              <a:schemeClr val="tx1"/>
-            </a:solidFill>
-            <a:miter lim="800000"/>
-            <a:headEnd/>
-            <a:tailEnd/>
-          </a:ln>
-          <a:effectLst/>
-          <a:extLst>
-            <a:ext uri="{AF507438-7753-43E0-B8FC-AC1667EBCBE1}">
-              <a14:hiddenEffects xmlns:a14="http://schemas.microsoft.com/office/drawing/2010/main">
-                <a:effectLst>
-                  <a:outerShdw dist="35921" dir="2700000" algn="ctr" rotWithShape="0">
-                    <a:schemeClr val="bg2"/>
-                  </a:outerShdw>
-                </a:effectLst>
-              </a14:hiddenEffects>
-            </a:ext>
-          </a:extLst>
-        </p:spPr>
-        <p:txBody>
-          <a:bodyPr wrap="none" anchor="ctr"/>
-          <a:lstStyle/>
-          <a:p>
-            <a:endParaRPr lang="en-US"/>
-          </a:p>
-        </p:txBody>
-      </p:sp>
     </p:spTree>
     <p:extLst>
       <p:ext uri="{BB962C8B-B14F-4D97-AF65-F5344CB8AC3E}">
@@ -30033,92 +29985,6 @@
   <p:clrMapOvr>
     <a:masterClrMapping/>
   </p:clrMapOvr>
-  <p:timing>
-    <p:tnLst>
-      <p:par>
-        <p:cTn id="1" dur="indefinite" restart="never" nodeType="tmRoot">
-          <p:childTnLst>
-            <p:seq concurrent="1" nextAc="seek">
-              <p:cTn id="2" dur="indefinite" nodeType="mainSeq">
-                <p:childTnLst>
-                  <p:par>
-                    <p:cTn id="3" fill="hold" nodeType="clickPar">
-                      <p:stCondLst>
-                        <p:cond delay="indefinite"/>
-                      </p:stCondLst>
-                      <p:childTnLst>
-                        <p:par>
-                          <p:cTn id="4" fill="hold" nodeType="withGroup">
-                            <p:stCondLst>
-                              <p:cond delay="0"/>
-                            </p:stCondLst>
-                            <p:childTnLst>
-                              <p:par>
-                                <p:cTn id="5" presetID="4" presetClass="exit" presetSubtype="16" fill="hold" grpId="0" nodeType="clickEffect">
-                                  <p:stCondLst>
-                                    <p:cond delay="0"/>
-                                  </p:stCondLst>
-                                  <p:childTnLst>
-                                    <p:animEffect transition="out" filter="box(in)">
-                                      <p:cBhvr>
-                                        <p:cTn id="6" dur="500"/>
-                                        <p:tgtEl>
-                                          <p:spTgt spid="1193988"/>
-                                        </p:tgtEl>
-                                      </p:cBhvr>
-                                    </p:animEffect>
-                                    <p:set>
-                                      <p:cBhvr>
-                                        <p:cTn id="7" dur="1" fill="hold">
-                                          <p:stCondLst>
-                                            <p:cond delay="499"/>
-                                          </p:stCondLst>
-                                        </p:cTn>
-                                        <p:tgtEl>
-                                          <p:spTgt spid="1193988"/>
-                                        </p:tgtEl>
-                                        <p:attrNameLst>
-                                          <p:attrName>style.visibility</p:attrName>
-                                        </p:attrNameLst>
-                                      </p:cBhvr>
-                                      <p:to>
-                                        <p:strVal val="hidden"/>
-                                      </p:to>
-                                    </p:set>
-                                  </p:childTnLst>
-                                </p:cTn>
-                              </p:par>
-                            </p:childTnLst>
-                          </p:cTn>
-                        </p:par>
-                      </p:childTnLst>
-                    </p:cTn>
-                  </p:par>
-                </p:childTnLst>
-              </p:cTn>
-              <p:prevCondLst>
-                <p:cond evt="onPrev" delay="0">
-                  <p:tgtEl>
-                    <p:sldTgt/>
-                  </p:tgtEl>
-                </p:cond>
-              </p:prevCondLst>
-              <p:nextCondLst>
-                <p:cond evt="onNext" delay="0">
-                  <p:tgtEl>
-                    <p:sldTgt/>
-                  </p:tgtEl>
-                </p:cond>
-              </p:nextCondLst>
-            </p:seq>
-          </p:childTnLst>
-        </p:cTn>
-      </p:par>
-    </p:tnLst>
-    <p:bldLst>
-      <p:bldP spid="1193988" grpId="0" animBg="1"/>
-    </p:bldLst>
-  </p:timing>
 </p:sld>
 </file>
 
@@ -30213,54 +30079,6 @@
           </a:p>
         </p:txBody>
       </p:sp>
-      <p:sp>
-        <p:nvSpPr>
-          <p:cNvPr id="1193988" name="Rectangle 4"/>
-          <p:cNvSpPr>
-            <a:spLocks noChangeArrowheads="1"/>
-          </p:cNvSpPr>
-          <p:nvPr/>
-        </p:nvSpPr>
-        <p:spPr bwMode="auto">
-          <a:xfrm>
-            <a:off x="1752600" y="381000"/>
-            <a:ext cx="5715000" cy="1143000"/>
-          </a:xfrm>
-          <a:prstGeom prst="rect">
-            <a:avLst/>
-          </a:prstGeom>
-          <a:solidFill>
-            <a:schemeClr val="accent1"/>
-          </a:solidFill>
-          <a:ln w="9525">
-            <a:solidFill>
-              <a:schemeClr val="tx1"/>
-            </a:solidFill>
-            <a:miter lim="800000"/>
-            <a:headEnd/>
-            <a:tailEnd/>
-          </a:ln>
-          <a:effectLst/>
-          <a:extLst>
-            <a:ext uri="{AF507438-7753-43E0-B8FC-AC1667EBCBE1}">
-              <a14:hiddenEffects xmlns:a14="http://schemas.microsoft.com/office/drawing/2010/main">
-                <a:effectLst>
-                  <a:outerShdw dist="35921" dir="2700000" algn="ctr" rotWithShape="0">
-                    <a:schemeClr val="bg2"/>
-                  </a:outerShdw>
-                </a:effectLst>
-              </a14:hiddenEffects>
-            </a:ext>
-          </a:extLst>
-        </p:spPr>
-        <p:txBody>
-          <a:bodyPr wrap="none" anchor="ctr"/>
-          <a:lstStyle/>
-          <a:p>
-            <a:endParaRPr lang="en-US"/>
-          </a:p>
-        </p:txBody>
-      </p:sp>
     </p:spTree>
     <p:extLst>
       <p:ext uri="{BB962C8B-B14F-4D97-AF65-F5344CB8AC3E}">
@@ -30271,92 +30089,6 @@
   <p:clrMapOvr>
     <a:masterClrMapping/>
   </p:clrMapOvr>
-  <p:timing>
-    <p:tnLst>
-      <p:par>
-        <p:cTn id="1" dur="indefinite" restart="never" nodeType="tmRoot">
-          <p:childTnLst>
-            <p:seq concurrent="1" nextAc="seek">
-              <p:cTn id="2" dur="indefinite" nodeType="mainSeq">
-                <p:childTnLst>
-                  <p:par>
-                    <p:cTn id="3" fill="hold" nodeType="clickPar">
-                      <p:stCondLst>
-                        <p:cond delay="indefinite"/>
-                      </p:stCondLst>
-                      <p:childTnLst>
-                        <p:par>
-                          <p:cTn id="4" fill="hold" nodeType="withGroup">
-                            <p:stCondLst>
-                              <p:cond delay="0"/>
-                            </p:stCondLst>
-                            <p:childTnLst>
-                              <p:par>
-                                <p:cTn id="5" presetID="4" presetClass="exit" presetSubtype="16" fill="hold" grpId="0" nodeType="clickEffect">
-                                  <p:stCondLst>
-                                    <p:cond delay="0"/>
-                                  </p:stCondLst>
-                                  <p:childTnLst>
-                                    <p:animEffect transition="out" filter="box(in)">
-                                      <p:cBhvr>
-                                        <p:cTn id="6" dur="500"/>
-                                        <p:tgtEl>
-                                          <p:spTgt spid="1193988"/>
-                                        </p:tgtEl>
-                                      </p:cBhvr>
-                                    </p:animEffect>
-                                    <p:set>
-                                      <p:cBhvr>
-                                        <p:cTn id="7" dur="1" fill="hold">
-                                          <p:stCondLst>
-                                            <p:cond delay="499"/>
-                                          </p:stCondLst>
-                                        </p:cTn>
-                                        <p:tgtEl>
-                                          <p:spTgt spid="1193988"/>
-                                        </p:tgtEl>
-                                        <p:attrNameLst>
-                                          <p:attrName>style.visibility</p:attrName>
-                                        </p:attrNameLst>
-                                      </p:cBhvr>
-                                      <p:to>
-                                        <p:strVal val="hidden"/>
-                                      </p:to>
-                                    </p:set>
-                                  </p:childTnLst>
-                                </p:cTn>
-                              </p:par>
-                            </p:childTnLst>
-                          </p:cTn>
-                        </p:par>
-                      </p:childTnLst>
-                    </p:cTn>
-                  </p:par>
-                </p:childTnLst>
-              </p:cTn>
-              <p:prevCondLst>
-                <p:cond evt="onPrev" delay="0">
-                  <p:tgtEl>
-                    <p:sldTgt/>
-                  </p:tgtEl>
-                </p:cond>
-              </p:prevCondLst>
-              <p:nextCondLst>
-                <p:cond evt="onNext" delay="0">
-                  <p:tgtEl>
-                    <p:sldTgt/>
-                  </p:tgtEl>
-                </p:cond>
-              </p:nextCondLst>
-            </p:seq>
-          </p:childTnLst>
-        </p:cTn>
-      </p:par>
-    </p:tnLst>
-    <p:bldLst>
-      <p:bldP spid="1193988" grpId="0" animBg="1"/>
-    </p:bldLst>
-  </p:timing>
 </p:sld>
 </file>
 
@@ -30451,54 +30183,6 @@
           </a:p>
         </p:txBody>
       </p:sp>
-      <p:sp>
-        <p:nvSpPr>
-          <p:cNvPr id="1193988" name="Rectangle 4"/>
-          <p:cNvSpPr>
-            <a:spLocks noChangeArrowheads="1"/>
-          </p:cNvSpPr>
-          <p:nvPr/>
-        </p:nvSpPr>
-        <p:spPr bwMode="auto">
-          <a:xfrm>
-            <a:off x="2209800" y="228600"/>
-            <a:ext cx="5715000" cy="1143000"/>
-          </a:xfrm>
-          <a:prstGeom prst="rect">
-            <a:avLst/>
-          </a:prstGeom>
-          <a:solidFill>
-            <a:schemeClr val="accent1"/>
-          </a:solidFill>
-          <a:ln w="9525">
-            <a:solidFill>
-              <a:schemeClr val="tx1"/>
-            </a:solidFill>
-            <a:miter lim="800000"/>
-            <a:headEnd/>
-            <a:tailEnd/>
-          </a:ln>
-          <a:effectLst/>
-          <a:extLst>
-            <a:ext uri="{AF507438-7753-43E0-B8FC-AC1667EBCBE1}">
-              <a14:hiddenEffects xmlns:a14="http://schemas.microsoft.com/office/drawing/2010/main">
-                <a:effectLst>
-                  <a:outerShdw dist="35921" dir="2700000" algn="ctr" rotWithShape="0">
-                    <a:schemeClr val="bg2"/>
-                  </a:outerShdw>
-                </a:effectLst>
-              </a14:hiddenEffects>
-            </a:ext>
-          </a:extLst>
-        </p:spPr>
-        <p:txBody>
-          <a:bodyPr wrap="none" anchor="ctr"/>
-          <a:lstStyle/>
-          <a:p>
-            <a:endParaRPr lang="en-US"/>
-          </a:p>
-        </p:txBody>
-      </p:sp>
     </p:spTree>
     <p:extLst>
       <p:ext uri="{BB962C8B-B14F-4D97-AF65-F5344CB8AC3E}">
@@ -30509,92 +30193,6 @@
   <p:clrMapOvr>
     <a:masterClrMapping/>
   </p:clrMapOvr>
-  <p:timing>
-    <p:tnLst>
-      <p:par>
-        <p:cTn id="1" dur="indefinite" restart="never" nodeType="tmRoot">
-          <p:childTnLst>
-            <p:seq concurrent="1" nextAc="seek">
-              <p:cTn id="2" dur="indefinite" nodeType="mainSeq">
-                <p:childTnLst>
-                  <p:par>
-                    <p:cTn id="3" fill="hold" nodeType="clickPar">
-                      <p:stCondLst>
-                        <p:cond delay="indefinite"/>
-                      </p:stCondLst>
-                      <p:childTnLst>
-                        <p:par>
-                          <p:cTn id="4" fill="hold" nodeType="withGroup">
-                            <p:stCondLst>
-                              <p:cond delay="0"/>
-                            </p:stCondLst>
-                            <p:childTnLst>
-                              <p:par>
-                                <p:cTn id="5" presetID="4" presetClass="exit" presetSubtype="16" fill="hold" grpId="0" nodeType="clickEffect">
-                                  <p:stCondLst>
-                                    <p:cond delay="0"/>
-                                  </p:stCondLst>
-                                  <p:childTnLst>
-                                    <p:animEffect transition="out" filter="box(in)">
-                                      <p:cBhvr>
-                                        <p:cTn id="6" dur="500"/>
-                                        <p:tgtEl>
-                                          <p:spTgt spid="1193988"/>
-                                        </p:tgtEl>
-                                      </p:cBhvr>
-                                    </p:animEffect>
-                                    <p:set>
-                                      <p:cBhvr>
-                                        <p:cTn id="7" dur="1" fill="hold">
-                                          <p:stCondLst>
-                                            <p:cond delay="499"/>
-                                          </p:stCondLst>
-                                        </p:cTn>
-                                        <p:tgtEl>
-                                          <p:spTgt spid="1193988"/>
-                                        </p:tgtEl>
-                                        <p:attrNameLst>
-                                          <p:attrName>style.visibility</p:attrName>
-                                        </p:attrNameLst>
-                                      </p:cBhvr>
-                                      <p:to>
-                                        <p:strVal val="hidden"/>
-                                      </p:to>
-                                    </p:set>
-                                  </p:childTnLst>
-                                </p:cTn>
-                              </p:par>
-                            </p:childTnLst>
-                          </p:cTn>
-                        </p:par>
-                      </p:childTnLst>
-                    </p:cTn>
-                  </p:par>
-                </p:childTnLst>
-              </p:cTn>
-              <p:prevCondLst>
-                <p:cond evt="onPrev" delay="0">
-                  <p:tgtEl>
-                    <p:sldTgt/>
-                  </p:tgtEl>
-                </p:cond>
-              </p:prevCondLst>
-              <p:nextCondLst>
-                <p:cond evt="onNext" delay="0">
-                  <p:tgtEl>
-                    <p:sldTgt/>
-                  </p:tgtEl>
-                </p:cond>
-              </p:nextCondLst>
-            </p:seq>
-          </p:childTnLst>
-        </p:cTn>
-      </p:par>
-    </p:tnLst>
-    <p:bldLst>
-      <p:bldP spid="1193988" grpId="0" animBg="1"/>
-    </p:bldLst>
-  </p:timing>
 </p:sld>
 </file>
 
@@ -30933,54 +30531,6 @@
           </a:p>
         </p:txBody>
       </p:sp>
-      <p:sp>
-        <p:nvSpPr>
-          <p:cNvPr id="1193988" name="Rectangle 4"/>
-          <p:cNvSpPr>
-            <a:spLocks noChangeArrowheads="1"/>
-          </p:cNvSpPr>
-          <p:nvPr/>
-        </p:nvSpPr>
-        <p:spPr bwMode="auto">
-          <a:xfrm>
-            <a:off x="1905000" y="381000"/>
-            <a:ext cx="5715000" cy="1143000"/>
-          </a:xfrm>
-          <a:prstGeom prst="rect">
-            <a:avLst/>
-          </a:prstGeom>
-          <a:solidFill>
-            <a:schemeClr val="accent1"/>
-          </a:solidFill>
-          <a:ln w="9525">
-            <a:solidFill>
-              <a:schemeClr val="tx1"/>
-            </a:solidFill>
-            <a:miter lim="800000"/>
-            <a:headEnd/>
-            <a:tailEnd/>
-          </a:ln>
-          <a:effectLst/>
-          <a:extLst>
-            <a:ext uri="{AF507438-7753-43E0-B8FC-AC1667EBCBE1}">
-              <a14:hiddenEffects xmlns:a14="http://schemas.microsoft.com/office/drawing/2010/main">
-                <a:effectLst>
-                  <a:outerShdw dist="35921" dir="2700000" algn="ctr" rotWithShape="0">
-                    <a:schemeClr val="bg2"/>
-                  </a:outerShdw>
-                </a:effectLst>
-              </a14:hiddenEffects>
-            </a:ext>
-          </a:extLst>
-        </p:spPr>
-        <p:txBody>
-          <a:bodyPr wrap="none" anchor="ctr"/>
-          <a:lstStyle/>
-          <a:p>
-            <a:endParaRPr lang="en-US"/>
-          </a:p>
-        </p:txBody>
-      </p:sp>
     </p:spTree>
     <p:extLst>
       <p:ext uri="{BB962C8B-B14F-4D97-AF65-F5344CB8AC3E}">
@@ -30991,92 +30541,6 @@
   <p:clrMapOvr>
     <a:masterClrMapping/>
   </p:clrMapOvr>
-  <p:timing>
-    <p:tnLst>
-      <p:par>
-        <p:cTn id="1" dur="indefinite" restart="never" nodeType="tmRoot">
-          <p:childTnLst>
-            <p:seq concurrent="1" nextAc="seek">
-              <p:cTn id="2" dur="indefinite" nodeType="mainSeq">
-                <p:childTnLst>
-                  <p:par>
-                    <p:cTn id="3" fill="hold" nodeType="clickPar">
-                      <p:stCondLst>
-                        <p:cond delay="indefinite"/>
-                      </p:stCondLst>
-                      <p:childTnLst>
-                        <p:par>
-                          <p:cTn id="4" fill="hold" nodeType="withGroup">
-                            <p:stCondLst>
-                              <p:cond delay="0"/>
-                            </p:stCondLst>
-                            <p:childTnLst>
-                              <p:par>
-                                <p:cTn id="5" presetID="4" presetClass="exit" presetSubtype="16" fill="hold" grpId="0" nodeType="clickEffect">
-                                  <p:stCondLst>
-                                    <p:cond delay="0"/>
-                                  </p:stCondLst>
-                                  <p:childTnLst>
-                                    <p:animEffect transition="out" filter="box(in)">
-                                      <p:cBhvr>
-                                        <p:cTn id="6" dur="500"/>
-                                        <p:tgtEl>
-                                          <p:spTgt spid="1193988"/>
-                                        </p:tgtEl>
-                                      </p:cBhvr>
-                                    </p:animEffect>
-                                    <p:set>
-                                      <p:cBhvr>
-                                        <p:cTn id="7" dur="1" fill="hold">
-                                          <p:stCondLst>
-                                            <p:cond delay="499"/>
-                                          </p:stCondLst>
-                                        </p:cTn>
-                                        <p:tgtEl>
-                                          <p:spTgt spid="1193988"/>
-                                        </p:tgtEl>
-                                        <p:attrNameLst>
-                                          <p:attrName>style.visibility</p:attrName>
-                                        </p:attrNameLst>
-                                      </p:cBhvr>
-                                      <p:to>
-                                        <p:strVal val="hidden"/>
-                                      </p:to>
-                                    </p:set>
-                                  </p:childTnLst>
-                                </p:cTn>
-                              </p:par>
-                            </p:childTnLst>
-                          </p:cTn>
-                        </p:par>
-                      </p:childTnLst>
-                    </p:cTn>
-                  </p:par>
-                </p:childTnLst>
-              </p:cTn>
-              <p:prevCondLst>
-                <p:cond evt="onPrev" delay="0">
-                  <p:tgtEl>
-                    <p:sldTgt/>
-                  </p:tgtEl>
-                </p:cond>
-              </p:prevCondLst>
-              <p:nextCondLst>
-                <p:cond evt="onNext" delay="0">
-                  <p:tgtEl>
-                    <p:sldTgt/>
-                  </p:tgtEl>
-                </p:cond>
-              </p:nextCondLst>
-            </p:seq>
-          </p:childTnLst>
-        </p:cTn>
-      </p:par>
-    </p:tnLst>
-    <p:bldLst>
-      <p:bldP spid="1193988" grpId="0" animBg="1"/>
-    </p:bldLst>
-  </p:timing>
 </p:sld>
 </file>
 
@@ -31171,54 +30635,6 @@
           </a:p>
         </p:txBody>
       </p:sp>
-      <p:sp>
-        <p:nvSpPr>
-          <p:cNvPr id="1193988" name="Rectangle 4"/>
-          <p:cNvSpPr>
-            <a:spLocks noChangeArrowheads="1"/>
-          </p:cNvSpPr>
-          <p:nvPr/>
-        </p:nvSpPr>
-        <p:spPr bwMode="auto">
-          <a:xfrm>
-            <a:off x="1676400" y="228600"/>
-            <a:ext cx="5715000" cy="1143000"/>
-          </a:xfrm>
-          <a:prstGeom prst="rect">
-            <a:avLst/>
-          </a:prstGeom>
-          <a:solidFill>
-            <a:schemeClr val="accent1"/>
-          </a:solidFill>
-          <a:ln w="9525">
-            <a:solidFill>
-              <a:schemeClr val="tx1"/>
-            </a:solidFill>
-            <a:miter lim="800000"/>
-            <a:headEnd/>
-            <a:tailEnd/>
-          </a:ln>
-          <a:effectLst/>
-          <a:extLst>
-            <a:ext uri="{AF507438-7753-43E0-B8FC-AC1667EBCBE1}">
-              <a14:hiddenEffects xmlns:a14="http://schemas.microsoft.com/office/drawing/2010/main">
-                <a:effectLst>
-                  <a:outerShdw dist="35921" dir="2700000" algn="ctr" rotWithShape="0">
-                    <a:schemeClr val="bg2"/>
-                  </a:outerShdw>
-                </a:effectLst>
-              </a14:hiddenEffects>
-            </a:ext>
-          </a:extLst>
-        </p:spPr>
-        <p:txBody>
-          <a:bodyPr wrap="none" anchor="ctr"/>
-          <a:lstStyle/>
-          <a:p>
-            <a:endParaRPr lang="en-US"/>
-          </a:p>
-        </p:txBody>
-      </p:sp>
     </p:spTree>
     <p:extLst>
       <p:ext uri="{BB962C8B-B14F-4D97-AF65-F5344CB8AC3E}">
@@ -31229,92 +30645,6 @@
   <p:clrMapOvr>
     <a:masterClrMapping/>
   </p:clrMapOvr>
-  <p:timing>
-    <p:tnLst>
-      <p:par>
-        <p:cTn id="1" dur="indefinite" restart="never" nodeType="tmRoot">
-          <p:childTnLst>
-            <p:seq concurrent="1" nextAc="seek">
-              <p:cTn id="2" dur="indefinite" nodeType="mainSeq">
-                <p:childTnLst>
-                  <p:par>
-                    <p:cTn id="3" fill="hold" nodeType="clickPar">
-                      <p:stCondLst>
-                        <p:cond delay="indefinite"/>
-                      </p:stCondLst>
-                      <p:childTnLst>
-                        <p:par>
-                          <p:cTn id="4" fill="hold" nodeType="withGroup">
-                            <p:stCondLst>
-                              <p:cond delay="0"/>
-                            </p:stCondLst>
-                            <p:childTnLst>
-                              <p:par>
-                                <p:cTn id="5" presetID="4" presetClass="exit" presetSubtype="16" fill="hold" grpId="0" nodeType="clickEffect">
-                                  <p:stCondLst>
-                                    <p:cond delay="0"/>
-                                  </p:stCondLst>
-                                  <p:childTnLst>
-                                    <p:animEffect transition="out" filter="box(in)">
-                                      <p:cBhvr>
-                                        <p:cTn id="6" dur="500"/>
-                                        <p:tgtEl>
-                                          <p:spTgt spid="1193988"/>
-                                        </p:tgtEl>
-                                      </p:cBhvr>
-                                    </p:animEffect>
-                                    <p:set>
-                                      <p:cBhvr>
-                                        <p:cTn id="7" dur="1" fill="hold">
-                                          <p:stCondLst>
-                                            <p:cond delay="499"/>
-                                          </p:stCondLst>
-                                        </p:cTn>
-                                        <p:tgtEl>
-                                          <p:spTgt spid="1193988"/>
-                                        </p:tgtEl>
-                                        <p:attrNameLst>
-                                          <p:attrName>style.visibility</p:attrName>
-                                        </p:attrNameLst>
-                                      </p:cBhvr>
-                                      <p:to>
-                                        <p:strVal val="hidden"/>
-                                      </p:to>
-                                    </p:set>
-                                  </p:childTnLst>
-                                </p:cTn>
-                              </p:par>
-                            </p:childTnLst>
-                          </p:cTn>
-                        </p:par>
-                      </p:childTnLst>
-                    </p:cTn>
-                  </p:par>
-                </p:childTnLst>
-              </p:cTn>
-              <p:prevCondLst>
-                <p:cond evt="onPrev" delay="0">
-                  <p:tgtEl>
-                    <p:sldTgt/>
-                  </p:tgtEl>
-                </p:cond>
-              </p:prevCondLst>
-              <p:nextCondLst>
-                <p:cond evt="onNext" delay="0">
-                  <p:tgtEl>
-                    <p:sldTgt/>
-                  </p:tgtEl>
-                </p:cond>
-              </p:nextCondLst>
-            </p:seq>
-          </p:childTnLst>
-        </p:cTn>
-      </p:par>
-    </p:tnLst>
-    <p:bldLst>
-      <p:bldP spid="1193988" grpId="0" animBg="1"/>
-    </p:bldLst>
-  </p:timing>
 </p:sld>
 </file>
 
@@ -31409,54 +30739,6 @@
           </a:p>
         </p:txBody>
       </p:sp>
-      <p:sp>
-        <p:nvSpPr>
-          <p:cNvPr id="1193988" name="Rectangle 4"/>
-          <p:cNvSpPr>
-            <a:spLocks noChangeArrowheads="1"/>
-          </p:cNvSpPr>
-          <p:nvPr/>
-        </p:nvSpPr>
-        <p:spPr bwMode="auto">
-          <a:xfrm>
-            <a:off x="1676400" y="228600"/>
-            <a:ext cx="5715000" cy="1143000"/>
-          </a:xfrm>
-          <a:prstGeom prst="rect">
-            <a:avLst/>
-          </a:prstGeom>
-          <a:solidFill>
-            <a:schemeClr val="accent1"/>
-          </a:solidFill>
-          <a:ln w="9525">
-            <a:solidFill>
-              <a:schemeClr val="tx1"/>
-            </a:solidFill>
-            <a:miter lim="800000"/>
-            <a:headEnd/>
-            <a:tailEnd/>
-          </a:ln>
-          <a:effectLst/>
-          <a:extLst>
-            <a:ext uri="{AF507438-7753-43E0-B8FC-AC1667EBCBE1}">
-              <a14:hiddenEffects xmlns:a14="http://schemas.microsoft.com/office/drawing/2010/main">
-                <a:effectLst>
-                  <a:outerShdw dist="35921" dir="2700000" algn="ctr" rotWithShape="0">
-                    <a:schemeClr val="bg2"/>
-                  </a:outerShdw>
-                </a:effectLst>
-              </a14:hiddenEffects>
-            </a:ext>
-          </a:extLst>
-        </p:spPr>
-        <p:txBody>
-          <a:bodyPr wrap="none" anchor="ctr"/>
-          <a:lstStyle/>
-          <a:p>
-            <a:endParaRPr lang="en-US"/>
-          </a:p>
-        </p:txBody>
-      </p:sp>
     </p:spTree>
     <p:extLst>
       <p:ext uri="{BB962C8B-B14F-4D97-AF65-F5344CB8AC3E}">
@@ -31467,92 +30749,6 @@
   <p:clrMapOvr>
     <a:masterClrMapping/>
   </p:clrMapOvr>
-  <p:timing>
-    <p:tnLst>
-      <p:par>
-        <p:cTn id="1" dur="indefinite" restart="never" nodeType="tmRoot">
-          <p:childTnLst>
-            <p:seq concurrent="1" nextAc="seek">
-              <p:cTn id="2" dur="indefinite" nodeType="mainSeq">
-                <p:childTnLst>
-                  <p:par>
-                    <p:cTn id="3" fill="hold" nodeType="clickPar">
-                      <p:stCondLst>
-                        <p:cond delay="indefinite"/>
-                      </p:stCondLst>
-                      <p:childTnLst>
-                        <p:par>
-                          <p:cTn id="4" fill="hold" nodeType="withGroup">
-                            <p:stCondLst>
-                              <p:cond delay="0"/>
-                            </p:stCondLst>
-                            <p:childTnLst>
-                              <p:par>
-                                <p:cTn id="5" presetID="4" presetClass="exit" presetSubtype="16" fill="hold" grpId="0" nodeType="clickEffect">
-                                  <p:stCondLst>
-                                    <p:cond delay="0"/>
-                                  </p:stCondLst>
-                                  <p:childTnLst>
-                                    <p:animEffect transition="out" filter="box(in)">
-                                      <p:cBhvr>
-                                        <p:cTn id="6" dur="500"/>
-                                        <p:tgtEl>
-                                          <p:spTgt spid="1193988"/>
-                                        </p:tgtEl>
-                                      </p:cBhvr>
-                                    </p:animEffect>
-                                    <p:set>
-                                      <p:cBhvr>
-                                        <p:cTn id="7" dur="1" fill="hold">
-                                          <p:stCondLst>
-                                            <p:cond delay="499"/>
-                                          </p:stCondLst>
-                                        </p:cTn>
-                                        <p:tgtEl>
-                                          <p:spTgt spid="1193988"/>
-                                        </p:tgtEl>
-                                        <p:attrNameLst>
-                                          <p:attrName>style.visibility</p:attrName>
-                                        </p:attrNameLst>
-                                      </p:cBhvr>
-                                      <p:to>
-                                        <p:strVal val="hidden"/>
-                                      </p:to>
-                                    </p:set>
-                                  </p:childTnLst>
-                                </p:cTn>
-                              </p:par>
-                            </p:childTnLst>
-                          </p:cTn>
-                        </p:par>
-                      </p:childTnLst>
-                    </p:cTn>
-                  </p:par>
-                </p:childTnLst>
-              </p:cTn>
-              <p:prevCondLst>
-                <p:cond evt="onPrev" delay="0">
-                  <p:tgtEl>
-                    <p:sldTgt/>
-                  </p:tgtEl>
-                </p:cond>
-              </p:prevCondLst>
-              <p:nextCondLst>
-                <p:cond evt="onNext" delay="0">
-                  <p:tgtEl>
-                    <p:sldTgt/>
-                  </p:tgtEl>
-                </p:cond>
-              </p:nextCondLst>
-            </p:seq>
-          </p:childTnLst>
-        </p:cTn>
-      </p:par>
-    </p:tnLst>
-    <p:bldLst>
-      <p:bldP spid="1193988" grpId="0" animBg="1"/>
-    </p:bldLst>
-  </p:timing>
 </p:sld>
 </file>
 
@@ -31647,54 +30843,6 @@
           </a:p>
         </p:txBody>
       </p:sp>
-      <p:sp>
-        <p:nvSpPr>
-          <p:cNvPr id="1193988" name="Rectangle 4"/>
-          <p:cNvSpPr>
-            <a:spLocks noChangeArrowheads="1"/>
-          </p:cNvSpPr>
-          <p:nvPr/>
-        </p:nvSpPr>
-        <p:spPr bwMode="auto">
-          <a:xfrm>
-            <a:off x="1648326" y="381000"/>
-            <a:ext cx="5715000" cy="1143000"/>
-          </a:xfrm>
-          <a:prstGeom prst="rect">
-            <a:avLst/>
-          </a:prstGeom>
-          <a:solidFill>
-            <a:schemeClr val="accent1"/>
-          </a:solidFill>
-          <a:ln w="9525">
-            <a:solidFill>
-              <a:schemeClr val="tx1"/>
-            </a:solidFill>
-            <a:miter lim="800000"/>
-            <a:headEnd/>
-            <a:tailEnd/>
-          </a:ln>
-          <a:effectLst/>
-          <a:extLst>
-            <a:ext uri="{AF507438-7753-43E0-B8FC-AC1667EBCBE1}">
-              <a14:hiddenEffects xmlns:a14="http://schemas.microsoft.com/office/drawing/2010/main">
-                <a:effectLst>
-                  <a:outerShdw dist="35921" dir="2700000" algn="ctr" rotWithShape="0">
-                    <a:schemeClr val="bg2"/>
-                  </a:outerShdw>
-                </a:effectLst>
-              </a14:hiddenEffects>
-            </a:ext>
-          </a:extLst>
-        </p:spPr>
-        <p:txBody>
-          <a:bodyPr wrap="none" anchor="ctr"/>
-          <a:lstStyle/>
-          <a:p>
-            <a:endParaRPr lang="en-US"/>
-          </a:p>
-        </p:txBody>
-      </p:sp>
     </p:spTree>
     <p:extLst>
       <p:ext uri="{BB962C8B-B14F-4D97-AF65-F5344CB8AC3E}">
@@ -31705,92 +30853,6 @@
   <p:clrMapOvr>
     <a:masterClrMapping/>
   </p:clrMapOvr>
-  <p:timing>
-    <p:tnLst>
-      <p:par>
-        <p:cTn id="1" dur="indefinite" restart="never" nodeType="tmRoot">
-          <p:childTnLst>
-            <p:seq concurrent="1" nextAc="seek">
-              <p:cTn id="2" dur="indefinite" nodeType="mainSeq">
-                <p:childTnLst>
-                  <p:par>
-                    <p:cTn id="3" fill="hold" nodeType="clickPar">
-                      <p:stCondLst>
-                        <p:cond delay="indefinite"/>
-                      </p:stCondLst>
-                      <p:childTnLst>
-                        <p:par>
-                          <p:cTn id="4" fill="hold" nodeType="withGroup">
-                            <p:stCondLst>
-                              <p:cond delay="0"/>
-                            </p:stCondLst>
-                            <p:childTnLst>
-                              <p:par>
-                                <p:cTn id="5" presetID="4" presetClass="exit" presetSubtype="16" fill="hold" grpId="0" nodeType="clickEffect">
-                                  <p:stCondLst>
-                                    <p:cond delay="0"/>
-                                  </p:stCondLst>
-                                  <p:childTnLst>
-                                    <p:animEffect transition="out" filter="box(in)">
-                                      <p:cBhvr>
-                                        <p:cTn id="6" dur="500"/>
-                                        <p:tgtEl>
-                                          <p:spTgt spid="1193988"/>
-                                        </p:tgtEl>
-                                      </p:cBhvr>
-                                    </p:animEffect>
-                                    <p:set>
-                                      <p:cBhvr>
-                                        <p:cTn id="7" dur="1" fill="hold">
-                                          <p:stCondLst>
-                                            <p:cond delay="499"/>
-                                          </p:stCondLst>
-                                        </p:cTn>
-                                        <p:tgtEl>
-                                          <p:spTgt spid="1193988"/>
-                                        </p:tgtEl>
-                                        <p:attrNameLst>
-                                          <p:attrName>style.visibility</p:attrName>
-                                        </p:attrNameLst>
-                                      </p:cBhvr>
-                                      <p:to>
-                                        <p:strVal val="hidden"/>
-                                      </p:to>
-                                    </p:set>
-                                  </p:childTnLst>
-                                </p:cTn>
-                              </p:par>
-                            </p:childTnLst>
-                          </p:cTn>
-                        </p:par>
-                      </p:childTnLst>
-                    </p:cTn>
-                  </p:par>
-                </p:childTnLst>
-              </p:cTn>
-              <p:prevCondLst>
-                <p:cond evt="onPrev" delay="0">
-                  <p:tgtEl>
-                    <p:sldTgt/>
-                  </p:tgtEl>
-                </p:cond>
-              </p:prevCondLst>
-              <p:nextCondLst>
-                <p:cond evt="onNext" delay="0">
-                  <p:tgtEl>
-                    <p:sldTgt/>
-                  </p:tgtEl>
-                </p:cond>
-              </p:nextCondLst>
-            </p:seq>
-          </p:childTnLst>
-        </p:cTn>
-      </p:par>
-    </p:tnLst>
-    <p:bldLst>
-      <p:bldP spid="1193988" grpId="0" animBg="1"/>
-    </p:bldLst>
-  </p:timing>
 </p:sld>
 </file>
 
@@ -31885,54 +30947,6 @@
           </a:p>
         </p:txBody>
       </p:sp>
-      <p:sp>
-        <p:nvSpPr>
-          <p:cNvPr id="1193988" name="Rectangle 4"/>
-          <p:cNvSpPr>
-            <a:spLocks noChangeArrowheads="1"/>
-          </p:cNvSpPr>
-          <p:nvPr/>
-        </p:nvSpPr>
-        <p:spPr bwMode="auto">
-          <a:xfrm>
-            <a:off x="1600200" y="228600"/>
-            <a:ext cx="5715000" cy="1143000"/>
-          </a:xfrm>
-          <a:prstGeom prst="rect">
-            <a:avLst/>
-          </a:prstGeom>
-          <a:solidFill>
-            <a:schemeClr val="accent1"/>
-          </a:solidFill>
-          <a:ln w="9525">
-            <a:solidFill>
-              <a:schemeClr val="tx1"/>
-            </a:solidFill>
-            <a:miter lim="800000"/>
-            <a:headEnd/>
-            <a:tailEnd/>
-          </a:ln>
-          <a:effectLst/>
-          <a:extLst>
-            <a:ext uri="{AF507438-7753-43E0-B8FC-AC1667EBCBE1}">
-              <a14:hiddenEffects xmlns:a14="http://schemas.microsoft.com/office/drawing/2010/main">
-                <a:effectLst>
-                  <a:outerShdw dist="35921" dir="2700000" algn="ctr" rotWithShape="0">
-                    <a:schemeClr val="bg2"/>
-                  </a:outerShdw>
-                </a:effectLst>
-              </a14:hiddenEffects>
-            </a:ext>
-          </a:extLst>
-        </p:spPr>
-        <p:txBody>
-          <a:bodyPr wrap="none" anchor="ctr"/>
-          <a:lstStyle/>
-          <a:p>
-            <a:endParaRPr lang="en-US"/>
-          </a:p>
-        </p:txBody>
-      </p:sp>
     </p:spTree>
     <p:extLst>
       <p:ext uri="{BB962C8B-B14F-4D97-AF65-F5344CB8AC3E}">
@@ -31943,92 +30957,6 @@
   <p:clrMapOvr>
     <a:masterClrMapping/>
   </p:clrMapOvr>
-  <p:timing>
-    <p:tnLst>
-      <p:par>
-        <p:cTn id="1" dur="indefinite" restart="never" nodeType="tmRoot">
-          <p:childTnLst>
-            <p:seq concurrent="1" nextAc="seek">
-              <p:cTn id="2" dur="indefinite" nodeType="mainSeq">
-                <p:childTnLst>
-                  <p:par>
-                    <p:cTn id="3" fill="hold" nodeType="clickPar">
-                      <p:stCondLst>
-                        <p:cond delay="indefinite"/>
-                      </p:stCondLst>
-                      <p:childTnLst>
-                        <p:par>
-                          <p:cTn id="4" fill="hold" nodeType="withGroup">
-                            <p:stCondLst>
-                              <p:cond delay="0"/>
-                            </p:stCondLst>
-                            <p:childTnLst>
-                              <p:par>
-                                <p:cTn id="5" presetID="4" presetClass="exit" presetSubtype="16" fill="hold" grpId="0" nodeType="clickEffect">
-                                  <p:stCondLst>
-                                    <p:cond delay="0"/>
-                                  </p:stCondLst>
-                                  <p:childTnLst>
-                                    <p:animEffect transition="out" filter="box(in)">
-                                      <p:cBhvr>
-                                        <p:cTn id="6" dur="500"/>
-                                        <p:tgtEl>
-                                          <p:spTgt spid="1193988"/>
-                                        </p:tgtEl>
-                                      </p:cBhvr>
-                                    </p:animEffect>
-                                    <p:set>
-                                      <p:cBhvr>
-                                        <p:cTn id="7" dur="1" fill="hold">
-                                          <p:stCondLst>
-                                            <p:cond delay="499"/>
-                                          </p:stCondLst>
-                                        </p:cTn>
-                                        <p:tgtEl>
-                                          <p:spTgt spid="1193988"/>
-                                        </p:tgtEl>
-                                        <p:attrNameLst>
-                                          <p:attrName>style.visibility</p:attrName>
-                                        </p:attrNameLst>
-                                      </p:cBhvr>
-                                      <p:to>
-                                        <p:strVal val="hidden"/>
-                                      </p:to>
-                                    </p:set>
-                                  </p:childTnLst>
-                                </p:cTn>
-                              </p:par>
-                            </p:childTnLst>
-                          </p:cTn>
-                        </p:par>
-                      </p:childTnLst>
-                    </p:cTn>
-                  </p:par>
-                </p:childTnLst>
-              </p:cTn>
-              <p:prevCondLst>
-                <p:cond evt="onPrev" delay="0">
-                  <p:tgtEl>
-                    <p:sldTgt/>
-                  </p:tgtEl>
-                </p:cond>
-              </p:prevCondLst>
-              <p:nextCondLst>
-                <p:cond evt="onNext" delay="0">
-                  <p:tgtEl>
-                    <p:sldTgt/>
-                  </p:tgtEl>
-                </p:cond>
-              </p:nextCondLst>
-            </p:seq>
-          </p:childTnLst>
-        </p:cTn>
-      </p:par>
-    </p:tnLst>
-    <p:bldLst>
-      <p:bldP spid="1193988" grpId="0" animBg="1"/>
-    </p:bldLst>
-  </p:timing>
 </p:sld>
 </file>
 
@@ -32123,54 +31051,6 @@
           </a:p>
         </p:txBody>
       </p:sp>
-      <p:sp>
-        <p:nvSpPr>
-          <p:cNvPr id="1193988" name="Rectangle 4"/>
-          <p:cNvSpPr>
-            <a:spLocks noChangeArrowheads="1"/>
-          </p:cNvSpPr>
-          <p:nvPr/>
-        </p:nvSpPr>
-        <p:spPr bwMode="auto">
-          <a:xfrm>
-            <a:off x="1752600" y="228600"/>
-            <a:ext cx="5715000" cy="1143000"/>
-          </a:xfrm>
-          <a:prstGeom prst="rect">
-            <a:avLst/>
-          </a:prstGeom>
-          <a:solidFill>
-            <a:schemeClr val="accent1"/>
-          </a:solidFill>
-          <a:ln w="9525">
-            <a:solidFill>
-              <a:schemeClr val="tx1"/>
-            </a:solidFill>
-            <a:miter lim="800000"/>
-            <a:headEnd/>
-            <a:tailEnd/>
-          </a:ln>
-          <a:effectLst/>
-          <a:extLst>
-            <a:ext uri="{AF507438-7753-43E0-B8FC-AC1667EBCBE1}">
-              <a14:hiddenEffects xmlns:a14="http://schemas.microsoft.com/office/drawing/2010/main">
-                <a:effectLst>
-                  <a:outerShdw dist="35921" dir="2700000" algn="ctr" rotWithShape="0">
-                    <a:schemeClr val="bg2"/>
-                  </a:outerShdw>
-                </a:effectLst>
-              </a14:hiddenEffects>
-            </a:ext>
-          </a:extLst>
-        </p:spPr>
-        <p:txBody>
-          <a:bodyPr wrap="none" anchor="ctr"/>
-          <a:lstStyle/>
-          <a:p>
-            <a:endParaRPr lang="en-US"/>
-          </a:p>
-        </p:txBody>
-      </p:sp>
     </p:spTree>
     <p:extLst>
       <p:ext uri="{BB962C8B-B14F-4D97-AF65-F5344CB8AC3E}">
@@ -32181,92 +31061,6 @@
   <p:clrMapOvr>
     <a:masterClrMapping/>
   </p:clrMapOvr>
-  <p:timing>
-    <p:tnLst>
-      <p:par>
-        <p:cTn id="1" dur="indefinite" restart="never" nodeType="tmRoot">
-          <p:childTnLst>
-            <p:seq concurrent="1" nextAc="seek">
-              <p:cTn id="2" dur="indefinite" nodeType="mainSeq">
-                <p:childTnLst>
-                  <p:par>
-                    <p:cTn id="3" fill="hold" nodeType="clickPar">
-                      <p:stCondLst>
-                        <p:cond delay="indefinite"/>
-                      </p:stCondLst>
-                      <p:childTnLst>
-                        <p:par>
-                          <p:cTn id="4" fill="hold" nodeType="withGroup">
-                            <p:stCondLst>
-                              <p:cond delay="0"/>
-                            </p:stCondLst>
-                            <p:childTnLst>
-                              <p:par>
-                                <p:cTn id="5" presetID="4" presetClass="exit" presetSubtype="16" fill="hold" grpId="0" nodeType="clickEffect">
-                                  <p:stCondLst>
-                                    <p:cond delay="0"/>
-                                  </p:stCondLst>
-                                  <p:childTnLst>
-                                    <p:animEffect transition="out" filter="box(in)">
-                                      <p:cBhvr>
-                                        <p:cTn id="6" dur="500"/>
-                                        <p:tgtEl>
-                                          <p:spTgt spid="1193988"/>
-                                        </p:tgtEl>
-                                      </p:cBhvr>
-                                    </p:animEffect>
-                                    <p:set>
-                                      <p:cBhvr>
-                                        <p:cTn id="7" dur="1" fill="hold">
-                                          <p:stCondLst>
-                                            <p:cond delay="499"/>
-                                          </p:stCondLst>
-                                        </p:cTn>
-                                        <p:tgtEl>
-                                          <p:spTgt spid="1193988"/>
-                                        </p:tgtEl>
-                                        <p:attrNameLst>
-                                          <p:attrName>style.visibility</p:attrName>
-                                        </p:attrNameLst>
-                                      </p:cBhvr>
-                                      <p:to>
-                                        <p:strVal val="hidden"/>
-                                      </p:to>
-                                    </p:set>
-                                  </p:childTnLst>
-                                </p:cTn>
-                              </p:par>
-                            </p:childTnLst>
-                          </p:cTn>
-                        </p:par>
-                      </p:childTnLst>
-                    </p:cTn>
-                  </p:par>
-                </p:childTnLst>
-              </p:cTn>
-              <p:prevCondLst>
-                <p:cond evt="onPrev" delay="0">
-                  <p:tgtEl>
-                    <p:sldTgt/>
-                  </p:tgtEl>
-                </p:cond>
-              </p:prevCondLst>
-              <p:nextCondLst>
-                <p:cond evt="onNext" delay="0">
-                  <p:tgtEl>
-                    <p:sldTgt/>
-                  </p:tgtEl>
-                </p:cond>
-              </p:nextCondLst>
-            </p:seq>
-          </p:childTnLst>
-        </p:cTn>
-      </p:par>
-    </p:tnLst>
-    <p:bldLst>
-      <p:bldP spid="1193988" grpId="0" animBg="1"/>
-    </p:bldLst>
-  </p:timing>
 </p:sld>
 </file>
 
@@ -32361,54 +31155,6 @@
           </a:p>
         </p:txBody>
       </p:sp>
-      <p:sp>
-        <p:nvSpPr>
-          <p:cNvPr id="1193988" name="Rectangle 4"/>
-          <p:cNvSpPr>
-            <a:spLocks noChangeArrowheads="1"/>
-          </p:cNvSpPr>
-          <p:nvPr/>
-        </p:nvSpPr>
-        <p:spPr bwMode="auto">
-          <a:xfrm>
-            <a:off x="1905000" y="152400"/>
-            <a:ext cx="5715000" cy="1143000"/>
-          </a:xfrm>
-          <a:prstGeom prst="rect">
-            <a:avLst/>
-          </a:prstGeom>
-          <a:solidFill>
-            <a:schemeClr val="accent1"/>
-          </a:solidFill>
-          <a:ln w="9525">
-            <a:solidFill>
-              <a:schemeClr val="tx1"/>
-            </a:solidFill>
-            <a:miter lim="800000"/>
-            <a:headEnd/>
-            <a:tailEnd/>
-          </a:ln>
-          <a:effectLst/>
-          <a:extLst>
-            <a:ext uri="{AF507438-7753-43E0-B8FC-AC1667EBCBE1}">
-              <a14:hiddenEffects xmlns:a14="http://schemas.microsoft.com/office/drawing/2010/main">
-                <a:effectLst>
-                  <a:outerShdw dist="35921" dir="2700000" algn="ctr" rotWithShape="0">
-                    <a:schemeClr val="bg2"/>
-                  </a:outerShdw>
-                </a:effectLst>
-              </a14:hiddenEffects>
-            </a:ext>
-          </a:extLst>
-        </p:spPr>
-        <p:txBody>
-          <a:bodyPr wrap="none" anchor="ctr"/>
-          <a:lstStyle/>
-          <a:p>
-            <a:endParaRPr lang="en-US"/>
-          </a:p>
-        </p:txBody>
-      </p:sp>
     </p:spTree>
     <p:extLst>
       <p:ext uri="{BB962C8B-B14F-4D97-AF65-F5344CB8AC3E}">
@@ -32419,92 +31165,6 @@
   <p:clrMapOvr>
     <a:masterClrMapping/>
   </p:clrMapOvr>
-  <p:timing>
-    <p:tnLst>
-      <p:par>
-        <p:cTn id="1" dur="indefinite" restart="never" nodeType="tmRoot">
-          <p:childTnLst>
-            <p:seq concurrent="1" nextAc="seek">
-              <p:cTn id="2" dur="indefinite" nodeType="mainSeq">
-                <p:childTnLst>
-                  <p:par>
-                    <p:cTn id="3" fill="hold" nodeType="clickPar">
-                      <p:stCondLst>
-                        <p:cond delay="indefinite"/>
-                      </p:stCondLst>
-                      <p:childTnLst>
-                        <p:par>
-                          <p:cTn id="4" fill="hold" nodeType="withGroup">
-                            <p:stCondLst>
-                              <p:cond delay="0"/>
-                            </p:stCondLst>
-                            <p:childTnLst>
-                              <p:par>
-                                <p:cTn id="5" presetID="4" presetClass="exit" presetSubtype="16" fill="hold" grpId="0" nodeType="clickEffect">
-                                  <p:stCondLst>
-                                    <p:cond delay="0"/>
-                                  </p:stCondLst>
-                                  <p:childTnLst>
-                                    <p:animEffect transition="out" filter="box(in)">
-                                      <p:cBhvr>
-                                        <p:cTn id="6" dur="500"/>
-                                        <p:tgtEl>
-                                          <p:spTgt spid="1193988"/>
-                                        </p:tgtEl>
-                                      </p:cBhvr>
-                                    </p:animEffect>
-                                    <p:set>
-                                      <p:cBhvr>
-                                        <p:cTn id="7" dur="1" fill="hold">
-                                          <p:stCondLst>
-                                            <p:cond delay="499"/>
-                                          </p:stCondLst>
-                                        </p:cTn>
-                                        <p:tgtEl>
-                                          <p:spTgt spid="1193988"/>
-                                        </p:tgtEl>
-                                        <p:attrNameLst>
-                                          <p:attrName>style.visibility</p:attrName>
-                                        </p:attrNameLst>
-                                      </p:cBhvr>
-                                      <p:to>
-                                        <p:strVal val="hidden"/>
-                                      </p:to>
-                                    </p:set>
-                                  </p:childTnLst>
-                                </p:cTn>
-                              </p:par>
-                            </p:childTnLst>
-                          </p:cTn>
-                        </p:par>
-                      </p:childTnLst>
-                    </p:cTn>
-                  </p:par>
-                </p:childTnLst>
-              </p:cTn>
-              <p:prevCondLst>
-                <p:cond evt="onPrev" delay="0">
-                  <p:tgtEl>
-                    <p:sldTgt/>
-                  </p:tgtEl>
-                </p:cond>
-              </p:prevCondLst>
-              <p:nextCondLst>
-                <p:cond evt="onNext" delay="0">
-                  <p:tgtEl>
-                    <p:sldTgt/>
-                  </p:tgtEl>
-                </p:cond>
-              </p:nextCondLst>
-            </p:seq>
-          </p:childTnLst>
-        </p:cTn>
-      </p:par>
-    </p:tnLst>
-    <p:bldLst>
-      <p:bldP spid="1193988" grpId="0" animBg="1"/>
-    </p:bldLst>
-  </p:timing>
 </p:sld>
 </file>
 
@@ -32599,54 +31259,6 @@
           </a:p>
         </p:txBody>
       </p:sp>
-      <p:sp>
-        <p:nvSpPr>
-          <p:cNvPr id="1193988" name="Rectangle 4"/>
-          <p:cNvSpPr>
-            <a:spLocks noChangeArrowheads="1"/>
-          </p:cNvSpPr>
-          <p:nvPr/>
-        </p:nvSpPr>
-        <p:spPr bwMode="auto">
-          <a:xfrm>
-            <a:off x="1660358" y="304800"/>
-            <a:ext cx="5715000" cy="1143000"/>
-          </a:xfrm>
-          <a:prstGeom prst="rect">
-            <a:avLst/>
-          </a:prstGeom>
-          <a:solidFill>
-            <a:schemeClr val="accent1"/>
-          </a:solidFill>
-          <a:ln w="9525">
-            <a:solidFill>
-              <a:schemeClr val="tx1"/>
-            </a:solidFill>
-            <a:miter lim="800000"/>
-            <a:headEnd/>
-            <a:tailEnd/>
-          </a:ln>
-          <a:effectLst/>
-          <a:extLst>
-            <a:ext uri="{AF507438-7753-43E0-B8FC-AC1667EBCBE1}">
-              <a14:hiddenEffects xmlns:a14="http://schemas.microsoft.com/office/drawing/2010/main">
-                <a:effectLst>
-                  <a:outerShdw dist="35921" dir="2700000" algn="ctr" rotWithShape="0">
-                    <a:schemeClr val="bg2"/>
-                  </a:outerShdw>
-                </a:effectLst>
-              </a14:hiddenEffects>
-            </a:ext>
-          </a:extLst>
-        </p:spPr>
-        <p:txBody>
-          <a:bodyPr wrap="none" anchor="ctr"/>
-          <a:lstStyle/>
-          <a:p>
-            <a:endParaRPr lang="en-US"/>
-          </a:p>
-        </p:txBody>
-      </p:sp>
     </p:spTree>
     <p:extLst>
       <p:ext uri="{BB962C8B-B14F-4D97-AF65-F5344CB8AC3E}">
@@ -32657,92 +31269,6 @@
   <p:clrMapOvr>
     <a:masterClrMapping/>
   </p:clrMapOvr>
-  <p:timing>
-    <p:tnLst>
-      <p:par>
-        <p:cTn id="1" dur="indefinite" restart="never" nodeType="tmRoot">
-          <p:childTnLst>
-            <p:seq concurrent="1" nextAc="seek">
-              <p:cTn id="2" dur="indefinite" nodeType="mainSeq">
-                <p:childTnLst>
-                  <p:par>
-                    <p:cTn id="3" fill="hold" nodeType="clickPar">
-                      <p:stCondLst>
-                        <p:cond delay="indefinite"/>
-                      </p:stCondLst>
-                      <p:childTnLst>
-                        <p:par>
-                          <p:cTn id="4" fill="hold" nodeType="withGroup">
-                            <p:stCondLst>
-                              <p:cond delay="0"/>
-                            </p:stCondLst>
-                            <p:childTnLst>
-                              <p:par>
-                                <p:cTn id="5" presetID="4" presetClass="exit" presetSubtype="16" fill="hold" grpId="0" nodeType="clickEffect">
-                                  <p:stCondLst>
-                                    <p:cond delay="0"/>
-                                  </p:stCondLst>
-                                  <p:childTnLst>
-                                    <p:animEffect transition="out" filter="box(in)">
-                                      <p:cBhvr>
-                                        <p:cTn id="6" dur="500"/>
-                                        <p:tgtEl>
-                                          <p:spTgt spid="1193988"/>
-                                        </p:tgtEl>
-                                      </p:cBhvr>
-                                    </p:animEffect>
-                                    <p:set>
-                                      <p:cBhvr>
-                                        <p:cTn id="7" dur="1" fill="hold">
-                                          <p:stCondLst>
-                                            <p:cond delay="499"/>
-                                          </p:stCondLst>
-                                        </p:cTn>
-                                        <p:tgtEl>
-                                          <p:spTgt spid="1193988"/>
-                                        </p:tgtEl>
-                                        <p:attrNameLst>
-                                          <p:attrName>style.visibility</p:attrName>
-                                        </p:attrNameLst>
-                                      </p:cBhvr>
-                                      <p:to>
-                                        <p:strVal val="hidden"/>
-                                      </p:to>
-                                    </p:set>
-                                  </p:childTnLst>
-                                </p:cTn>
-                              </p:par>
-                            </p:childTnLst>
-                          </p:cTn>
-                        </p:par>
-                      </p:childTnLst>
-                    </p:cTn>
-                  </p:par>
-                </p:childTnLst>
-              </p:cTn>
-              <p:prevCondLst>
-                <p:cond evt="onPrev" delay="0">
-                  <p:tgtEl>
-                    <p:sldTgt/>
-                  </p:tgtEl>
-                </p:cond>
-              </p:prevCondLst>
-              <p:nextCondLst>
-                <p:cond evt="onNext" delay="0">
-                  <p:tgtEl>
-                    <p:sldTgt/>
-                  </p:tgtEl>
-                </p:cond>
-              </p:nextCondLst>
-            </p:seq>
-          </p:childTnLst>
-        </p:cTn>
-      </p:par>
-    </p:tnLst>
-    <p:bldLst>
-      <p:bldP spid="1193988" grpId="0" animBg="1"/>
-    </p:bldLst>
-  </p:timing>
 </p:sld>
 </file>
 
@@ -32837,54 +31363,6 @@
           </a:p>
         </p:txBody>
       </p:sp>
-      <p:sp>
-        <p:nvSpPr>
-          <p:cNvPr id="1193988" name="Rectangle 4"/>
-          <p:cNvSpPr>
-            <a:spLocks noChangeArrowheads="1"/>
-          </p:cNvSpPr>
-          <p:nvPr/>
-        </p:nvSpPr>
-        <p:spPr bwMode="auto">
-          <a:xfrm>
-            <a:off x="2209800" y="304800"/>
-            <a:ext cx="5715000" cy="1143000"/>
-          </a:xfrm>
-          <a:prstGeom prst="rect">
-            <a:avLst/>
-          </a:prstGeom>
-          <a:solidFill>
-            <a:schemeClr val="accent1"/>
-          </a:solidFill>
-          <a:ln w="9525">
-            <a:solidFill>
-              <a:schemeClr val="tx1"/>
-            </a:solidFill>
-            <a:miter lim="800000"/>
-            <a:headEnd/>
-            <a:tailEnd/>
-          </a:ln>
-          <a:effectLst/>
-          <a:extLst>
-            <a:ext uri="{AF507438-7753-43E0-B8FC-AC1667EBCBE1}">
-              <a14:hiddenEffects xmlns:a14="http://schemas.microsoft.com/office/drawing/2010/main">
-                <a:effectLst>
-                  <a:outerShdw dist="35921" dir="2700000" algn="ctr" rotWithShape="0">
-                    <a:schemeClr val="bg2"/>
-                  </a:outerShdw>
-                </a:effectLst>
-              </a14:hiddenEffects>
-            </a:ext>
-          </a:extLst>
-        </p:spPr>
-        <p:txBody>
-          <a:bodyPr wrap="none" anchor="ctr"/>
-          <a:lstStyle/>
-          <a:p>
-            <a:endParaRPr lang="en-US"/>
-          </a:p>
-        </p:txBody>
-      </p:sp>
     </p:spTree>
     <p:extLst>
       <p:ext uri="{BB962C8B-B14F-4D97-AF65-F5344CB8AC3E}">
@@ -32895,92 +31373,6 @@
   <p:clrMapOvr>
     <a:masterClrMapping/>
   </p:clrMapOvr>
-  <p:timing>
-    <p:tnLst>
-      <p:par>
-        <p:cTn id="1" dur="indefinite" restart="never" nodeType="tmRoot">
-          <p:childTnLst>
-            <p:seq concurrent="1" nextAc="seek">
-              <p:cTn id="2" dur="indefinite" nodeType="mainSeq">
-                <p:childTnLst>
-                  <p:par>
-                    <p:cTn id="3" fill="hold" nodeType="clickPar">
-                      <p:stCondLst>
-                        <p:cond delay="indefinite"/>
-                      </p:stCondLst>
-                      <p:childTnLst>
-                        <p:par>
-                          <p:cTn id="4" fill="hold" nodeType="withGroup">
-                            <p:stCondLst>
-                              <p:cond delay="0"/>
-                            </p:stCondLst>
-                            <p:childTnLst>
-                              <p:par>
-                                <p:cTn id="5" presetID="4" presetClass="exit" presetSubtype="16" fill="hold" grpId="0" nodeType="clickEffect">
-                                  <p:stCondLst>
-                                    <p:cond delay="0"/>
-                                  </p:stCondLst>
-                                  <p:childTnLst>
-                                    <p:animEffect transition="out" filter="box(in)">
-                                      <p:cBhvr>
-                                        <p:cTn id="6" dur="500"/>
-                                        <p:tgtEl>
-                                          <p:spTgt spid="1193988"/>
-                                        </p:tgtEl>
-                                      </p:cBhvr>
-                                    </p:animEffect>
-                                    <p:set>
-                                      <p:cBhvr>
-                                        <p:cTn id="7" dur="1" fill="hold">
-                                          <p:stCondLst>
-                                            <p:cond delay="499"/>
-                                          </p:stCondLst>
-                                        </p:cTn>
-                                        <p:tgtEl>
-                                          <p:spTgt spid="1193988"/>
-                                        </p:tgtEl>
-                                        <p:attrNameLst>
-                                          <p:attrName>style.visibility</p:attrName>
-                                        </p:attrNameLst>
-                                      </p:cBhvr>
-                                      <p:to>
-                                        <p:strVal val="hidden"/>
-                                      </p:to>
-                                    </p:set>
-                                  </p:childTnLst>
-                                </p:cTn>
-                              </p:par>
-                            </p:childTnLst>
-                          </p:cTn>
-                        </p:par>
-                      </p:childTnLst>
-                    </p:cTn>
-                  </p:par>
-                </p:childTnLst>
-              </p:cTn>
-              <p:prevCondLst>
-                <p:cond evt="onPrev" delay="0">
-                  <p:tgtEl>
-                    <p:sldTgt/>
-                  </p:tgtEl>
-                </p:cond>
-              </p:prevCondLst>
-              <p:nextCondLst>
-                <p:cond evt="onNext" delay="0">
-                  <p:tgtEl>
-                    <p:sldTgt/>
-                  </p:tgtEl>
-                </p:cond>
-              </p:nextCondLst>
-            </p:seq>
-          </p:childTnLst>
-        </p:cTn>
-      </p:par>
-    </p:tnLst>
-    <p:bldLst>
-      <p:bldP spid="1193988" grpId="0" animBg="1"/>
-    </p:bldLst>
-  </p:timing>
 </p:sld>
 </file>
 
@@ -33075,54 +31467,6 @@
           </a:p>
         </p:txBody>
       </p:sp>
-      <p:sp>
-        <p:nvSpPr>
-          <p:cNvPr id="1193988" name="Rectangle 4"/>
-          <p:cNvSpPr>
-            <a:spLocks noChangeArrowheads="1"/>
-          </p:cNvSpPr>
-          <p:nvPr/>
-        </p:nvSpPr>
-        <p:spPr bwMode="auto">
-          <a:xfrm>
-            <a:off x="1600200" y="304800"/>
-            <a:ext cx="5715000" cy="1143000"/>
-          </a:xfrm>
-          <a:prstGeom prst="rect">
-            <a:avLst/>
-          </a:prstGeom>
-          <a:solidFill>
-            <a:schemeClr val="accent1"/>
-          </a:solidFill>
-          <a:ln w="9525">
-            <a:solidFill>
-              <a:schemeClr val="tx1"/>
-            </a:solidFill>
-            <a:miter lim="800000"/>
-            <a:headEnd/>
-            <a:tailEnd/>
-          </a:ln>
-          <a:effectLst/>
-          <a:extLst>
-            <a:ext uri="{AF507438-7753-43E0-B8FC-AC1667EBCBE1}">
-              <a14:hiddenEffects xmlns:a14="http://schemas.microsoft.com/office/drawing/2010/main">
-                <a:effectLst>
-                  <a:outerShdw dist="35921" dir="2700000" algn="ctr" rotWithShape="0">
-                    <a:schemeClr val="bg2"/>
-                  </a:outerShdw>
-                </a:effectLst>
-              </a14:hiddenEffects>
-            </a:ext>
-          </a:extLst>
-        </p:spPr>
-        <p:txBody>
-          <a:bodyPr wrap="none" anchor="ctr"/>
-          <a:lstStyle/>
-          <a:p>
-            <a:endParaRPr lang="en-US"/>
-          </a:p>
-        </p:txBody>
-      </p:sp>
     </p:spTree>
     <p:extLst>
       <p:ext uri="{BB962C8B-B14F-4D97-AF65-F5344CB8AC3E}">
@@ -33133,92 +31477,6 @@
   <p:clrMapOvr>
     <a:masterClrMapping/>
   </p:clrMapOvr>
-  <p:timing>
-    <p:tnLst>
-      <p:par>
-        <p:cTn id="1" dur="indefinite" restart="never" nodeType="tmRoot">
-          <p:childTnLst>
-            <p:seq concurrent="1" nextAc="seek">
-              <p:cTn id="2" dur="indefinite" nodeType="mainSeq">
-                <p:childTnLst>
-                  <p:par>
-                    <p:cTn id="3" fill="hold" nodeType="clickPar">
-                      <p:stCondLst>
-                        <p:cond delay="indefinite"/>
-                      </p:stCondLst>
-                      <p:childTnLst>
-                        <p:par>
-                          <p:cTn id="4" fill="hold" nodeType="withGroup">
-                            <p:stCondLst>
-                              <p:cond delay="0"/>
-                            </p:stCondLst>
-                            <p:childTnLst>
-                              <p:par>
-                                <p:cTn id="5" presetID="4" presetClass="exit" presetSubtype="16" fill="hold" grpId="0" nodeType="clickEffect">
-                                  <p:stCondLst>
-                                    <p:cond delay="0"/>
-                                  </p:stCondLst>
-                                  <p:childTnLst>
-                                    <p:animEffect transition="out" filter="box(in)">
-                                      <p:cBhvr>
-                                        <p:cTn id="6" dur="500"/>
-                                        <p:tgtEl>
-                                          <p:spTgt spid="1193988"/>
-                                        </p:tgtEl>
-                                      </p:cBhvr>
-                                    </p:animEffect>
-                                    <p:set>
-                                      <p:cBhvr>
-                                        <p:cTn id="7" dur="1" fill="hold">
-                                          <p:stCondLst>
-                                            <p:cond delay="499"/>
-                                          </p:stCondLst>
-                                        </p:cTn>
-                                        <p:tgtEl>
-                                          <p:spTgt spid="1193988"/>
-                                        </p:tgtEl>
-                                        <p:attrNameLst>
-                                          <p:attrName>style.visibility</p:attrName>
-                                        </p:attrNameLst>
-                                      </p:cBhvr>
-                                      <p:to>
-                                        <p:strVal val="hidden"/>
-                                      </p:to>
-                                    </p:set>
-                                  </p:childTnLst>
-                                </p:cTn>
-                              </p:par>
-                            </p:childTnLst>
-                          </p:cTn>
-                        </p:par>
-                      </p:childTnLst>
-                    </p:cTn>
-                  </p:par>
-                </p:childTnLst>
-              </p:cTn>
-              <p:prevCondLst>
-                <p:cond evt="onPrev" delay="0">
-                  <p:tgtEl>
-                    <p:sldTgt/>
-                  </p:tgtEl>
-                </p:cond>
-              </p:prevCondLst>
-              <p:nextCondLst>
-                <p:cond evt="onNext" delay="0">
-                  <p:tgtEl>
-                    <p:sldTgt/>
-                  </p:tgtEl>
-                </p:cond>
-              </p:nextCondLst>
-            </p:seq>
-          </p:childTnLst>
-        </p:cTn>
-      </p:par>
-    </p:tnLst>
-    <p:bldLst>
-      <p:bldP spid="1193988" grpId="0" animBg="1"/>
-    </p:bldLst>
-  </p:timing>
 </p:sld>
 </file>
 
@@ -33551,54 +31809,6 @@
           </a:p>
         </p:txBody>
       </p:sp>
-      <p:sp>
-        <p:nvSpPr>
-          <p:cNvPr id="1193988" name="Rectangle 4"/>
-          <p:cNvSpPr>
-            <a:spLocks noChangeArrowheads="1"/>
-          </p:cNvSpPr>
-          <p:nvPr/>
-        </p:nvSpPr>
-        <p:spPr bwMode="auto">
-          <a:xfrm>
-            <a:off x="826168" y="228600"/>
-            <a:ext cx="7327232" cy="1143000"/>
-          </a:xfrm>
-          <a:prstGeom prst="rect">
-            <a:avLst/>
-          </a:prstGeom>
-          <a:solidFill>
-            <a:schemeClr val="accent1"/>
-          </a:solidFill>
-          <a:ln w="9525">
-            <a:solidFill>
-              <a:schemeClr val="tx1"/>
-            </a:solidFill>
-            <a:miter lim="800000"/>
-            <a:headEnd/>
-            <a:tailEnd/>
-          </a:ln>
-          <a:effectLst/>
-          <a:extLst>
-            <a:ext uri="{AF507438-7753-43E0-B8FC-AC1667EBCBE1}">
-              <a14:hiddenEffects xmlns:a14="http://schemas.microsoft.com/office/drawing/2010/main">
-                <a:effectLst>
-                  <a:outerShdw dist="35921" dir="2700000" algn="ctr" rotWithShape="0">
-                    <a:schemeClr val="bg2"/>
-                  </a:outerShdw>
-                </a:effectLst>
-              </a14:hiddenEffects>
-            </a:ext>
-          </a:extLst>
-        </p:spPr>
-        <p:txBody>
-          <a:bodyPr wrap="none" anchor="ctr"/>
-          <a:lstStyle/>
-          <a:p>
-            <a:endParaRPr lang="en-US"/>
-          </a:p>
-        </p:txBody>
-      </p:sp>
     </p:spTree>
     <p:extLst>
       <p:ext uri="{BB962C8B-B14F-4D97-AF65-F5344CB8AC3E}">
@@ -33609,92 +31819,6 @@
   <p:clrMapOvr>
     <a:masterClrMapping/>
   </p:clrMapOvr>
-  <p:timing>
-    <p:tnLst>
-      <p:par>
-        <p:cTn id="1" dur="indefinite" restart="never" nodeType="tmRoot">
-          <p:childTnLst>
-            <p:seq concurrent="1" nextAc="seek">
-              <p:cTn id="2" dur="indefinite" nodeType="mainSeq">
-                <p:childTnLst>
-                  <p:par>
-                    <p:cTn id="3" fill="hold" nodeType="clickPar">
-                      <p:stCondLst>
-                        <p:cond delay="indefinite"/>
-                      </p:stCondLst>
-                      <p:childTnLst>
-                        <p:par>
-                          <p:cTn id="4" fill="hold" nodeType="withGroup">
-                            <p:stCondLst>
-                              <p:cond delay="0"/>
-                            </p:stCondLst>
-                            <p:childTnLst>
-                              <p:par>
-                                <p:cTn id="5" presetID="4" presetClass="exit" presetSubtype="16" fill="hold" grpId="0" nodeType="clickEffect">
-                                  <p:stCondLst>
-                                    <p:cond delay="0"/>
-                                  </p:stCondLst>
-                                  <p:childTnLst>
-                                    <p:animEffect transition="out" filter="box(in)">
-                                      <p:cBhvr>
-                                        <p:cTn id="6" dur="500"/>
-                                        <p:tgtEl>
-                                          <p:spTgt spid="1193988"/>
-                                        </p:tgtEl>
-                                      </p:cBhvr>
-                                    </p:animEffect>
-                                    <p:set>
-                                      <p:cBhvr>
-                                        <p:cTn id="7" dur="1" fill="hold">
-                                          <p:stCondLst>
-                                            <p:cond delay="499"/>
-                                          </p:stCondLst>
-                                        </p:cTn>
-                                        <p:tgtEl>
-                                          <p:spTgt spid="1193988"/>
-                                        </p:tgtEl>
-                                        <p:attrNameLst>
-                                          <p:attrName>style.visibility</p:attrName>
-                                        </p:attrNameLst>
-                                      </p:cBhvr>
-                                      <p:to>
-                                        <p:strVal val="hidden"/>
-                                      </p:to>
-                                    </p:set>
-                                  </p:childTnLst>
-                                </p:cTn>
-                              </p:par>
-                            </p:childTnLst>
-                          </p:cTn>
-                        </p:par>
-                      </p:childTnLst>
-                    </p:cTn>
-                  </p:par>
-                </p:childTnLst>
-              </p:cTn>
-              <p:prevCondLst>
-                <p:cond evt="onPrev" delay="0">
-                  <p:tgtEl>
-                    <p:sldTgt/>
-                  </p:tgtEl>
-                </p:cond>
-              </p:prevCondLst>
-              <p:nextCondLst>
-                <p:cond evt="onNext" delay="0">
-                  <p:tgtEl>
-                    <p:sldTgt/>
-                  </p:tgtEl>
-                </p:cond>
-              </p:nextCondLst>
-            </p:seq>
-          </p:childTnLst>
-        </p:cTn>
-      </p:par>
-    </p:tnLst>
-    <p:bldLst>
-      <p:bldP spid="1193988" grpId="0" animBg="1"/>
-    </p:bldLst>
-  </p:timing>
 </p:sld>
 </file>
 
@@ -33789,54 +31913,6 @@
           </a:p>
         </p:txBody>
       </p:sp>
-      <p:sp>
-        <p:nvSpPr>
-          <p:cNvPr id="1193988" name="Rectangle 4"/>
-          <p:cNvSpPr>
-            <a:spLocks noChangeArrowheads="1"/>
-          </p:cNvSpPr>
-          <p:nvPr/>
-        </p:nvSpPr>
-        <p:spPr bwMode="auto">
-          <a:xfrm>
-            <a:off x="2133600" y="228600"/>
-            <a:ext cx="5715000" cy="1143000"/>
-          </a:xfrm>
-          <a:prstGeom prst="rect">
-            <a:avLst/>
-          </a:prstGeom>
-          <a:solidFill>
-            <a:schemeClr val="accent1"/>
-          </a:solidFill>
-          <a:ln w="9525">
-            <a:solidFill>
-              <a:schemeClr val="tx1"/>
-            </a:solidFill>
-            <a:miter lim="800000"/>
-            <a:headEnd/>
-            <a:tailEnd/>
-          </a:ln>
-          <a:effectLst/>
-          <a:extLst>
-            <a:ext uri="{AF507438-7753-43E0-B8FC-AC1667EBCBE1}">
-              <a14:hiddenEffects xmlns:a14="http://schemas.microsoft.com/office/drawing/2010/main">
-                <a:effectLst>
-                  <a:outerShdw dist="35921" dir="2700000" algn="ctr" rotWithShape="0">
-                    <a:schemeClr val="bg2"/>
-                  </a:outerShdw>
-                </a:effectLst>
-              </a14:hiddenEffects>
-            </a:ext>
-          </a:extLst>
-        </p:spPr>
-        <p:txBody>
-          <a:bodyPr wrap="none" anchor="ctr"/>
-          <a:lstStyle/>
-          <a:p>
-            <a:endParaRPr lang="en-US"/>
-          </a:p>
-        </p:txBody>
-      </p:sp>
     </p:spTree>
     <p:extLst>
       <p:ext uri="{BB962C8B-B14F-4D97-AF65-F5344CB8AC3E}">
@@ -33847,92 +31923,6 @@
   <p:clrMapOvr>
     <a:masterClrMapping/>
   </p:clrMapOvr>
-  <p:timing>
-    <p:tnLst>
-      <p:par>
-        <p:cTn id="1" dur="indefinite" restart="never" nodeType="tmRoot">
-          <p:childTnLst>
-            <p:seq concurrent="1" nextAc="seek">
-              <p:cTn id="2" dur="indefinite" nodeType="mainSeq">
-                <p:childTnLst>
-                  <p:par>
-                    <p:cTn id="3" fill="hold" nodeType="clickPar">
-                      <p:stCondLst>
-                        <p:cond delay="indefinite"/>
-                      </p:stCondLst>
-                      <p:childTnLst>
-                        <p:par>
-                          <p:cTn id="4" fill="hold" nodeType="withGroup">
-                            <p:stCondLst>
-                              <p:cond delay="0"/>
-                            </p:stCondLst>
-                            <p:childTnLst>
-                              <p:par>
-                                <p:cTn id="5" presetID="4" presetClass="exit" presetSubtype="16" fill="hold" grpId="0" nodeType="clickEffect">
-                                  <p:stCondLst>
-                                    <p:cond delay="0"/>
-                                  </p:stCondLst>
-                                  <p:childTnLst>
-                                    <p:animEffect transition="out" filter="box(in)">
-                                      <p:cBhvr>
-                                        <p:cTn id="6" dur="500"/>
-                                        <p:tgtEl>
-                                          <p:spTgt spid="1193988"/>
-                                        </p:tgtEl>
-                                      </p:cBhvr>
-                                    </p:animEffect>
-                                    <p:set>
-                                      <p:cBhvr>
-                                        <p:cTn id="7" dur="1" fill="hold">
-                                          <p:stCondLst>
-                                            <p:cond delay="499"/>
-                                          </p:stCondLst>
-                                        </p:cTn>
-                                        <p:tgtEl>
-                                          <p:spTgt spid="1193988"/>
-                                        </p:tgtEl>
-                                        <p:attrNameLst>
-                                          <p:attrName>style.visibility</p:attrName>
-                                        </p:attrNameLst>
-                                      </p:cBhvr>
-                                      <p:to>
-                                        <p:strVal val="hidden"/>
-                                      </p:to>
-                                    </p:set>
-                                  </p:childTnLst>
-                                </p:cTn>
-                              </p:par>
-                            </p:childTnLst>
-                          </p:cTn>
-                        </p:par>
-                      </p:childTnLst>
-                    </p:cTn>
-                  </p:par>
-                </p:childTnLst>
-              </p:cTn>
-              <p:prevCondLst>
-                <p:cond evt="onPrev" delay="0">
-                  <p:tgtEl>
-                    <p:sldTgt/>
-                  </p:tgtEl>
-                </p:cond>
-              </p:prevCondLst>
-              <p:nextCondLst>
-                <p:cond evt="onNext" delay="0">
-                  <p:tgtEl>
-                    <p:sldTgt/>
-                  </p:tgtEl>
-                </p:cond>
-              </p:nextCondLst>
-            </p:seq>
-          </p:childTnLst>
-        </p:cTn>
-      </p:par>
-    </p:tnLst>
-    <p:bldLst>
-      <p:bldP spid="1193988" grpId="0" animBg="1"/>
-    </p:bldLst>
-  </p:timing>
 </p:sld>
 </file>
 

--- a/KANJI_JPD121_ TAMAGO.ppt.pptx
+++ b/KANJI_JPD121_ TAMAGO.ppt.pptx
@@ -298,7 +298,7 @@
           <a:p>
             <a:fld id="{6B68999C-3EF6-48EE-B29C-31433357F191}" type="datetimeFigureOut">
               <a:rPr lang="en-US" smtClean="0"/>
-              <a:t>3/1/2023</a:t>
+              <a:t>3/14/2023</a:t>
             </a:fld>
             <a:endParaRPr lang="en-US"/>
           </a:p>
@@ -18057,7 +18057,7 @@
           <a:p>
             <a:fld id="{E6B2EF96-978E-48BA-90D1-E6D08B60635D}" type="datetimeFigureOut">
               <a:rPr lang="en-US" smtClean="0"/>
-              <a:t>3/1/2023</a:t>
+              <a:t>3/14/2023</a:t>
             </a:fld>
             <a:endParaRPr lang="en-US"/>
           </a:p>
@@ -18225,7 +18225,7 @@
           <a:p>
             <a:fld id="{E6B2EF96-978E-48BA-90D1-E6D08B60635D}" type="datetimeFigureOut">
               <a:rPr lang="en-US" smtClean="0"/>
-              <a:t>3/1/2023</a:t>
+              <a:t>3/14/2023</a:t>
             </a:fld>
             <a:endParaRPr lang="en-US"/>
           </a:p>
@@ -18403,7 +18403,7 @@
           <a:p>
             <a:fld id="{E6B2EF96-978E-48BA-90D1-E6D08B60635D}" type="datetimeFigureOut">
               <a:rPr lang="en-US" smtClean="0"/>
-              <a:t>3/1/2023</a:t>
+              <a:t>3/14/2023</a:t>
             </a:fld>
             <a:endParaRPr lang="en-US"/>
           </a:p>
@@ -18571,7 +18571,7 @@
           <a:p>
             <a:fld id="{E6B2EF96-978E-48BA-90D1-E6D08B60635D}" type="datetimeFigureOut">
               <a:rPr lang="en-US" smtClean="0"/>
-              <a:t>3/1/2023</a:t>
+              <a:t>3/14/2023</a:t>
             </a:fld>
             <a:endParaRPr lang="en-US"/>
           </a:p>
@@ -18816,7 +18816,7 @@
           <a:p>
             <a:fld id="{E6B2EF96-978E-48BA-90D1-E6D08B60635D}" type="datetimeFigureOut">
               <a:rPr lang="en-US" smtClean="0"/>
-              <a:t>3/1/2023</a:t>
+              <a:t>3/14/2023</a:t>
             </a:fld>
             <a:endParaRPr lang="en-US"/>
           </a:p>
@@ -19101,7 +19101,7 @@
           <a:p>
             <a:fld id="{E6B2EF96-978E-48BA-90D1-E6D08B60635D}" type="datetimeFigureOut">
               <a:rPr lang="en-US" smtClean="0"/>
-              <a:t>3/1/2023</a:t>
+              <a:t>3/14/2023</a:t>
             </a:fld>
             <a:endParaRPr lang="en-US"/>
           </a:p>
@@ -19520,7 +19520,7 @@
           <a:p>
             <a:fld id="{E6B2EF96-978E-48BA-90D1-E6D08B60635D}" type="datetimeFigureOut">
               <a:rPr lang="en-US" smtClean="0"/>
-              <a:t>3/1/2023</a:t>
+              <a:t>3/14/2023</a:t>
             </a:fld>
             <a:endParaRPr lang="en-US"/>
           </a:p>
@@ -19637,7 +19637,7 @@
           <a:p>
             <a:fld id="{E6B2EF96-978E-48BA-90D1-E6D08B60635D}" type="datetimeFigureOut">
               <a:rPr lang="en-US" smtClean="0"/>
-              <a:t>3/1/2023</a:t>
+              <a:t>3/14/2023</a:t>
             </a:fld>
             <a:endParaRPr lang="en-US"/>
           </a:p>
@@ -19732,7 +19732,7 @@
           <a:p>
             <a:fld id="{E6B2EF96-978E-48BA-90D1-E6D08B60635D}" type="datetimeFigureOut">
               <a:rPr lang="en-US" smtClean="0"/>
-              <a:t>3/1/2023</a:t>
+              <a:t>3/14/2023</a:t>
             </a:fld>
             <a:endParaRPr lang="en-US"/>
           </a:p>
@@ -20007,7 +20007,7 @@
           <a:p>
             <a:fld id="{E6B2EF96-978E-48BA-90D1-E6D08B60635D}" type="datetimeFigureOut">
               <a:rPr lang="en-US" smtClean="0"/>
-              <a:t>3/1/2023</a:t>
+              <a:t>3/14/2023</a:t>
             </a:fld>
             <a:endParaRPr lang="en-US"/>
           </a:p>
@@ -20259,7 +20259,7 @@
           <a:p>
             <a:fld id="{E6B2EF96-978E-48BA-90D1-E6D08B60635D}" type="datetimeFigureOut">
               <a:rPr lang="en-US" smtClean="0"/>
-              <a:t>3/1/2023</a:t>
+              <a:t>3/14/2023</a:t>
             </a:fld>
             <a:endParaRPr lang="en-US"/>
           </a:p>
@@ -20470,7 +20470,7 @@
           <a:p>
             <a:fld id="{E6B2EF96-978E-48BA-90D1-E6D08B60635D}" type="datetimeFigureOut">
               <a:rPr lang="en-US" smtClean="0"/>
-              <a:t>3/1/2023</a:t>
+              <a:t>3/14/2023</a:t>
             </a:fld>
             <a:endParaRPr lang="en-US"/>
           </a:p>
@@ -29975,54 +29975,6 @@
           </a:p>
         </p:txBody>
       </p:sp>
-      <p:sp>
-        <p:nvSpPr>
-          <p:cNvPr id="1193988" name="Rectangle 4"/>
-          <p:cNvSpPr>
-            <a:spLocks noChangeArrowheads="1"/>
-          </p:cNvSpPr>
-          <p:nvPr/>
-        </p:nvSpPr>
-        <p:spPr bwMode="auto">
-          <a:xfrm>
-            <a:off x="1371600" y="152400"/>
-            <a:ext cx="5715000" cy="1143000"/>
-          </a:xfrm>
-          <a:prstGeom prst="rect">
-            <a:avLst/>
-          </a:prstGeom>
-          <a:solidFill>
-            <a:schemeClr val="accent1"/>
-          </a:solidFill>
-          <a:ln w="9525">
-            <a:solidFill>
-              <a:schemeClr val="tx1"/>
-            </a:solidFill>
-            <a:miter lim="800000"/>
-            <a:headEnd/>
-            <a:tailEnd/>
-          </a:ln>
-          <a:effectLst/>
-          <a:extLst>
-            <a:ext uri="{AF507438-7753-43E0-B8FC-AC1667EBCBE1}">
-              <a14:hiddenEffects xmlns:a14="http://schemas.microsoft.com/office/drawing/2010/main">
-                <a:effectLst>
-                  <a:outerShdw dist="35921" dir="2700000" algn="ctr" rotWithShape="0">
-                    <a:schemeClr val="bg2"/>
-                  </a:outerShdw>
-                </a:effectLst>
-              </a14:hiddenEffects>
-            </a:ext>
-          </a:extLst>
-        </p:spPr>
-        <p:txBody>
-          <a:bodyPr wrap="none" anchor="ctr"/>
-          <a:lstStyle/>
-          <a:p>
-            <a:endParaRPr lang="en-US"/>
-          </a:p>
-        </p:txBody>
-      </p:sp>
     </p:spTree>
     <p:extLst>
       <p:ext uri="{BB962C8B-B14F-4D97-AF65-F5344CB8AC3E}">
@@ -30033,92 +29985,6 @@
   <p:clrMapOvr>
     <a:masterClrMapping/>
   </p:clrMapOvr>
-  <p:timing>
-    <p:tnLst>
-      <p:par>
-        <p:cTn id="1" dur="indefinite" restart="never" nodeType="tmRoot">
-          <p:childTnLst>
-            <p:seq concurrent="1" nextAc="seek">
-              <p:cTn id="2" dur="indefinite" nodeType="mainSeq">
-                <p:childTnLst>
-                  <p:par>
-                    <p:cTn id="3" fill="hold" nodeType="clickPar">
-                      <p:stCondLst>
-                        <p:cond delay="indefinite"/>
-                      </p:stCondLst>
-                      <p:childTnLst>
-                        <p:par>
-                          <p:cTn id="4" fill="hold" nodeType="withGroup">
-                            <p:stCondLst>
-                              <p:cond delay="0"/>
-                            </p:stCondLst>
-                            <p:childTnLst>
-                              <p:par>
-                                <p:cTn id="5" presetID="4" presetClass="exit" presetSubtype="16" fill="hold" grpId="0" nodeType="clickEffect">
-                                  <p:stCondLst>
-                                    <p:cond delay="0"/>
-                                  </p:stCondLst>
-                                  <p:childTnLst>
-                                    <p:animEffect transition="out" filter="box(in)">
-                                      <p:cBhvr>
-                                        <p:cTn id="6" dur="500"/>
-                                        <p:tgtEl>
-                                          <p:spTgt spid="1193988"/>
-                                        </p:tgtEl>
-                                      </p:cBhvr>
-                                    </p:animEffect>
-                                    <p:set>
-                                      <p:cBhvr>
-                                        <p:cTn id="7" dur="1" fill="hold">
-                                          <p:stCondLst>
-                                            <p:cond delay="499"/>
-                                          </p:stCondLst>
-                                        </p:cTn>
-                                        <p:tgtEl>
-                                          <p:spTgt spid="1193988"/>
-                                        </p:tgtEl>
-                                        <p:attrNameLst>
-                                          <p:attrName>style.visibility</p:attrName>
-                                        </p:attrNameLst>
-                                      </p:cBhvr>
-                                      <p:to>
-                                        <p:strVal val="hidden"/>
-                                      </p:to>
-                                    </p:set>
-                                  </p:childTnLst>
-                                </p:cTn>
-                              </p:par>
-                            </p:childTnLst>
-                          </p:cTn>
-                        </p:par>
-                      </p:childTnLst>
-                    </p:cTn>
-                  </p:par>
-                </p:childTnLst>
-              </p:cTn>
-              <p:prevCondLst>
-                <p:cond evt="onPrev" delay="0">
-                  <p:tgtEl>
-                    <p:sldTgt/>
-                  </p:tgtEl>
-                </p:cond>
-              </p:prevCondLst>
-              <p:nextCondLst>
-                <p:cond evt="onNext" delay="0">
-                  <p:tgtEl>
-                    <p:sldTgt/>
-                  </p:tgtEl>
-                </p:cond>
-              </p:nextCondLst>
-            </p:seq>
-          </p:childTnLst>
-        </p:cTn>
-      </p:par>
-    </p:tnLst>
-    <p:bldLst>
-      <p:bldP spid="1193988" grpId="0" animBg="1"/>
-    </p:bldLst>
-  </p:timing>
 </p:sld>
 </file>
 
@@ -30213,54 +30079,6 @@
           </a:p>
         </p:txBody>
       </p:sp>
-      <p:sp>
-        <p:nvSpPr>
-          <p:cNvPr id="1193988" name="Rectangle 4"/>
-          <p:cNvSpPr>
-            <a:spLocks noChangeArrowheads="1"/>
-          </p:cNvSpPr>
-          <p:nvPr/>
-        </p:nvSpPr>
-        <p:spPr bwMode="auto">
-          <a:xfrm>
-            <a:off x="1752600" y="381000"/>
-            <a:ext cx="5715000" cy="1143000"/>
-          </a:xfrm>
-          <a:prstGeom prst="rect">
-            <a:avLst/>
-          </a:prstGeom>
-          <a:solidFill>
-            <a:schemeClr val="accent1"/>
-          </a:solidFill>
-          <a:ln w="9525">
-            <a:solidFill>
-              <a:schemeClr val="tx1"/>
-            </a:solidFill>
-            <a:miter lim="800000"/>
-            <a:headEnd/>
-            <a:tailEnd/>
-          </a:ln>
-          <a:effectLst/>
-          <a:extLst>
-            <a:ext uri="{AF507438-7753-43E0-B8FC-AC1667EBCBE1}">
-              <a14:hiddenEffects xmlns:a14="http://schemas.microsoft.com/office/drawing/2010/main">
-                <a:effectLst>
-                  <a:outerShdw dist="35921" dir="2700000" algn="ctr" rotWithShape="0">
-                    <a:schemeClr val="bg2"/>
-                  </a:outerShdw>
-                </a:effectLst>
-              </a14:hiddenEffects>
-            </a:ext>
-          </a:extLst>
-        </p:spPr>
-        <p:txBody>
-          <a:bodyPr wrap="none" anchor="ctr"/>
-          <a:lstStyle/>
-          <a:p>
-            <a:endParaRPr lang="en-US"/>
-          </a:p>
-        </p:txBody>
-      </p:sp>
     </p:spTree>
     <p:extLst>
       <p:ext uri="{BB962C8B-B14F-4D97-AF65-F5344CB8AC3E}">
@@ -30271,92 +30089,6 @@
   <p:clrMapOvr>
     <a:masterClrMapping/>
   </p:clrMapOvr>
-  <p:timing>
-    <p:tnLst>
-      <p:par>
-        <p:cTn id="1" dur="indefinite" restart="never" nodeType="tmRoot">
-          <p:childTnLst>
-            <p:seq concurrent="1" nextAc="seek">
-              <p:cTn id="2" dur="indefinite" nodeType="mainSeq">
-                <p:childTnLst>
-                  <p:par>
-                    <p:cTn id="3" fill="hold" nodeType="clickPar">
-                      <p:stCondLst>
-                        <p:cond delay="indefinite"/>
-                      </p:stCondLst>
-                      <p:childTnLst>
-                        <p:par>
-                          <p:cTn id="4" fill="hold" nodeType="withGroup">
-                            <p:stCondLst>
-                              <p:cond delay="0"/>
-                            </p:stCondLst>
-                            <p:childTnLst>
-                              <p:par>
-                                <p:cTn id="5" presetID="4" presetClass="exit" presetSubtype="16" fill="hold" grpId="0" nodeType="clickEffect">
-                                  <p:stCondLst>
-                                    <p:cond delay="0"/>
-                                  </p:stCondLst>
-                                  <p:childTnLst>
-                                    <p:animEffect transition="out" filter="box(in)">
-                                      <p:cBhvr>
-                                        <p:cTn id="6" dur="500"/>
-                                        <p:tgtEl>
-                                          <p:spTgt spid="1193988"/>
-                                        </p:tgtEl>
-                                      </p:cBhvr>
-                                    </p:animEffect>
-                                    <p:set>
-                                      <p:cBhvr>
-                                        <p:cTn id="7" dur="1" fill="hold">
-                                          <p:stCondLst>
-                                            <p:cond delay="499"/>
-                                          </p:stCondLst>
-                                        </p:cTn>
-                                        <p:tgtEl>
-                                          <p:spTgt spid="1193988"/>
-                                        </p:tgtEl>
-                                        <p:attrNameLst>
-                                          <p:attrName>style.visibility</p:attrName>
-                                        </p:attrNameLst>
-                                      </p:cBhvr>
-                                      <p:to>
-                                        <p:strVal val="hidden"/>
-                                      </p:to>
-                                    </p:set>
-                                  </p:childTnLst>
-                                </p:cTn>
-                              </p:par>
-                            </p:childTnLst>
-                          </p:cTn>
-                        </p:par>
-                      </p:childTnLst>
-                    </p:cTn>
-                  </p:par>
-                </p:childTnLst>
-              </p:cTn>
-              <p:prevCondLst>
-                <p:cond evt="onPrev" delay="0">
-                  <p:tgtEl>
-                    <p:sldTgt/>
-                  </p:tgtEl>
-                </p:cond>
-              </p:prevCondLst>
-              <p:nextCondLst>
-                <p:cond evt="onNext" delay="0">
-                  <p:tgtEl>
-                    <p:sldTgt/>
-                  </p:tgtEl>
-                </p:cond>
-              </p:nextCondLst>
-            </p:seq>
-          </p:childTnLst>
-        </p:cTn>
-      </p:par>
-    </p:tnLst>
-    <p:bldLst>
-      <p:bldP spid="1193988" grpId="0" animBg="1"/>
-    </p:bldLst>
-  </p:timing>
 </p:sld>
 </file>
 
@@ -30451,54 +30183,6 @@
           </a:p>
         </p:txBody>
       </p:sp>
-      <p:sp>
-        <p:nvSpPr>
-          <p:cNvPr id="1193988" name="Rectangle 4"/>
-          <p:cNvSpPr>
-            <a:spLocks noChangeArrowheads="1"/>
-          </p:cNvSpPr>
-          <p:nvPr/>
-        </p:nvSpPr>
-        <p:spPr bwMode="auto">
-          <a:xfrm>
-            <a:off x="2209800" y="228600"/>
-            <a:ext cx="5715000" cy="1143000"/>
-          </a:xfrm>
-          <a:prstGeom prst="rect">
-            <a:avLst/>
-          </a:prstGeom>
-          <a:solidFill>
-            <a:schemeClr val="accent1"/>
-          </a:solidFill>
-          <a:ln w="9525">
-            <a:solidFill>
-              <a:schemeClr val="tx1"/>
-            </a:solidFill>
-            <a:miter lim="800000"/>
-            <a:headEnd/>
-            <a:tailEnd/>
-          </a:ln>
-          <a:effectLst/>
-          <a:extLst>
-            <a:ext uri="{AF507438-7753-43E0-B8FC-AC1667EBCBE1}">
-              <a14:hiddenEffects xmlns:a14="http://schemas.microsoft.com/office/drawing/2010/main">
-                <a:effectLst>
-                  <a:outerShdw dist="35921" dir="2700000" algn="ctr" rotWithShape="0">
-                    <a:schemeClr val="bg2"/>
-                  </a:outerShdw>
-                </a:effectLst>
-              </a14:hiddenEffects>
-            </a:ext>
-          </a:extLst>
-        </p:spPr>
-        <p:txBody>
-          <a:bodyPr wrap="none" anchor="ctr"/>
-          <a:lstStyle/>
-          <a:p>
-            <a:endParaRPr lang="en-US"/>
-          </a:p>
-        </p:txBody>
-      </p:sp>
     </p:spTree>
     <p:extLst>
       <p:ext uri="{BB962C8B-B14F-4D97-AF65-F5344CB8AC3E}">
@@ -30509,92 +30193,6 @@
   <p:clrMapOvr>
     <a:masterClrMapping/>
   </p:clrMapOvr>
-  <p:timing>
-    <p:tnLst>
-      <p:par>
-        <p:cTn id="1" dur="indefinite" restart="never" nodeType="tmRoot">
-          <p:childTnLst>
-            <p:seq concurrent="1" nextAc="seek">
-              <p:cTn id="2" dur="indefinite" nodeType="mainSeq">
-                <p:childTnLst>
-                  <p:par>
-                    <p:cTn id="3" fill="hold" nodeType="clickPar">
-                      <p:stCondLst>
-                        <p:cond delay="indefinite"/>
-                      </p:stCondLst>
-                      <p:childTnLst>
-                        <p:par>
-                          <p:cTn id="4" fill="hold" nodeType="withGroup">
-                            <p:stCondLst>
-                              <p:cond delay="0"/>
-                            </p:stCondLst>
-                            <p:childTnLst>
-                              <p:par>
-                                <p:cTn id="5" presetID="4" presetClass="exit" presetSubtype="16" fill="hold" grpId="0" nodeType="clickEffect">
-                                  <p:stCondLst>
-                                    <p:cond delay="0"/>
-                                  </p:stCondLst>
-                                  <p:childTnLst>
-                                    <p:animEffect transition="out" filter="box(in)">
-                                      <p:cBhvr>
-                                        <p:cTn id="6" dur="500"/>
-                                        <p:tgtEl>
-                                          <p:spTgt spid="1193988"/>
-                                        </p:tgtEl>
-                                      </p:cBhvr>
-                                    </p:animEffect>
-                                    <p:set>
-                                      <p:cBhvr>
-                                        <p:cTn id="7" dur="1" fill="hold">
-                                          <p:stCondLst>
-                                            <p:cond delay="499"/>
-                                          </p:stCondLst>
-                                        </p:cTn>
-                                        <p:tgtEl>
-                                          <p:spTgt spid="1193988"/>
-                                        </p:tgtEl>
-                                        <p:attrNameLst>
-                                          <p:attrName>style.visibility</p:attrName>
-                                        </p:attrNameLst>
-                                      </p:cBhvr>
-                                      <p:to>
-                                        <p:strVal val="hidden"/>
-                                      </p:to>
-                                    </p:set>
-                                  </p:childTnLst>
-                                </p:cTn>
-                              </p:par>
-                            </p:childTnLst>
-                          </p:cTn>
-                        </p:par>
-                      </p:childTnLst>
-                    </p:cTn>
-                  </p:par>
-                </p:childTnLst>
-              </p:cTn>
-              <p:prevCondLst>
-                <p:cond evt="onPrev" delay="0">
-                  <p:tgtEl>
-                    <p:sldTgt/>
-                  </p:tgtEl>
-                </p:cond>
-              </p:prevCondLst>
-              <p:nextCondLst>
-                <p:cond evt="onNext" delay="0">
-                  <p:tgtEl>
-                    <p:sldTgt/>
-                  </p:tgtEl>
-                </p:cond>
-              </p:nextCondLst>
-            </p:seq>
-          </p:childTnLst>
-        </p:cTn>
-      </p:par>
-    </p:tnLst>
-    <p:bldLst>
-      <p:bldP spid="1193988" grpId="0" animBg="1"/>
-    </p:bldLst>
-  </p:timing>
 </p:sld>
 </file>
 
@@ -30933,54 +30531,6 @@
           </a:p>
         </p:txBody>
       </p:sp>
-      <p:sp>
-        <p:nvSpPr>
-          <p:cNvPr id="1193988" name="Rectangle 4"/>
-          <p:cNvSpPr>
-            <a:spLocks noChangeArrowheads="1"/>
-          </p:cNvSpPr>
-          <p:nvPr/>
-        </p:nvSpPr>
-        <p:spPr bwMode="auto">
-          <a:xfrm>
-            <a:off x="1905000" y="381000"/>
-            <a:ext cx="5715000" cy="1143000"/>
-          </a:xfrm>
-          <a:prstGeom prst="rect">
-            <a:avLst/>
-          </a:prstGeom>
-          <a:solidFill>
-            <a:schemeClr val="accent1"/>
-          </a:solidFill>
-          <a:ln w="9525">
-            <a:solidFill>
-              <a:schemeClr val="tx1"/>
-            </a:solidFill>
-            <a:miter lim="800000"/>
-            <a:headEnd/>
-            <a:tailEnd/>
-          </a:ln>
-          <a:effectLst/>
-          <a:extLst>
-            <a:ext uri="{AF507438-7753-43E0-B8FC-AC1667EBCBE1}">
-              <a14:hiddenEffects xmlns:a14="http://schemas.microsoft.com/office/drawing/2010/main">
-                <a:effectLst>
-                  <a:outerShdw dist="35921" dir="2700000" algn="ctr" rotWithShape="0">
-                    <a:schemeClr val="bg2"/>
-                  </a:outerShdw>
-                </a:effectLst>
-              </a14:hiddenEffects>
-            </a:ext>
-          </a:extLst>
-        </p:spPr>
-        <p:txBody>
-          <a:bodyPr wrap="none" anchor="ctr"/>
-          <a:lstStyle/>
-          <a:p>
-            <a:endParaRPr lang="en-US"/>
-          </a:p>
-        </p:txBody>
-      </p:sp>
     </p:spTree>
     <p:extLst>
       <p:ext uri="{BB962C8B-B14F-4D97-AF65-F5344CB8AC3E}">
@@ -30991,92 +30541,6 @@
   <p:clrMapOvr>
     <a:masterClrMapping/>
   </p:clrMapOvr>
-  <p:timing>
-    <p:tnLst>
-      <p:par>
-        <p:cTn id="1" dur="indefinite" restart="never" nodeType="tmRoot">
-          <p:childTnLst>
-            <p:seq concurrent="1" nextAc="seek">
-              <p:cTn id="2" dur="indefinite" nodeType="mainSeq">
-                <p:childTnLst>
-                  <p:par>
-                    <p:cTn id="3" fill="hold" nodeType="clickPar">
-                      <p:stCondLst>
-                        <p:cond delay="indefinite"/>
-                      </p:stCondLst>
-                      <p:childTnLst>
-                        <p:par>
-                          <p:cTn id="4" fill="hold" nodeType="withGroup">
-                            <p:stCondLst>
-                              <p:cond delay="0"/>
-                            </p:stCondLst>
-                            <p:childTnLst>
-                              <p:par>
-                                <p:cTn id="5" presetID="4" presetClass="exit" presetSubtype="16" fill="hold" grpId="0" nodeType="clickEffect">
-                                  <p:stCondLst>
-                                    <p:cond delay="0"/>
-                                  </p:stCondLst>
-                                  <p:childTnLst>
-                                    <p:animEffect transition="out" filter="box(in)">
-                                      <p:cBhvr>
-                                        <p:cTn id="6" dur="500"/>
-                                        <p:tgtEl>
-                                          <p:spTgt spid="1193988"/>
-                                        </p:tgtEl>
-                                      </p:cBhvr>
-                                    </p:animEffect>
-                                    <p:set>
-                                      <p:cBhvr>
-                                        <p:cTn id="7" dur="1" fill="hold">
-                                          <p:stCondLst>
-                                            <p:cond delay="499"/>
-                                          </p:stCondLst>
-                                        </p:cTn>
-                                        <p:tgtEl>
-                                          <p:spTgt spid="1193988"/>
-                                        </p:tgtEl>
-                                        <p:attrNameLst>
-                                          <p:attrName>style.visibility</p:attrName>
-                                        </p:attrNameLst>
-                                      </p:cBhvr>
-                                      <p:to>
-                                        <p:strVal val="hidden"/>
-                                      </p:to>
-                                    </p:set>
-                                  </p:childTnLst>
-                                </p:cTn>
-                              </p:par>
-                            </p:childTnLst>
-                          </p:cTn>
-                        </p:par>
-                      </p:childTnLst>
-                    </p:cTn>
-                  </p:par>
-                </p:childTnLst>
-              </p:cTn>
-              <p:prevCondLst>
-                <p:cond evt="onPrev" delay="0">
-                  <p:tgtEl>
-                    <p:sldTgt/>
-                  </p:tgtEl>
-                </p:cond>
-              </p:prevCondLst>
-              <p:nextCondLst>
-                <p:cond evt="onNext" delay="0">
-                  <p:tgtEl>
-                    <p:sldTgt/>
-                  </p:tgtEl>
-                </p:cond>
-              </p:nextCondLst>
-            </p:seq>
-          </p:childTnLst>
-        </p:cTn>
-      </p:par>
-    </p:tnLst>
-    <p:bldLst>
-      <p:bldP spid="1193988" grpId="0" animBg="1"/>
-    </p:bldLst>
-  </p:timing>
 </p:sld>
 </file>
 
@@ -31171,54 +30635,6 @@
           </a:p>
         </p:txBody>
       </p:sp>
-      <p:sp>
-        <p:nvSpPr>
-          <p:cNvPr id="1193988" name="Rectangle 4"/>
-          <p:cNvSpPr>
-            <a:spLocks noChangeArrowheads="1"/>
-          </p:cNvSpPr>
-          <p:nvPr/>
-        </p:nvSpPr>
-        <p:spPr bwMode="auto">
-          <a:xfrm>
-            <a:off x="1676400" y="228600"/>
-            <a:ext cx="5715000" cy="1143000"/>
-          </a:xfrm>
-          <a:prstGeom prst="rect">
-            <a:avLst/>
-          </a:prstGeom>
-          <a:solidFill>
-            <a:schemeClr val="accent1"/>
-          </a:solidFill>
-          <a:ln w="9525">
-            <a:solidFill>
-              <a:schemeClr val="tx1"/>
-            </a:solidFill>
-            <a:miter lim="800000"/>
-            <a:headEnd/>
-            <a:tailEnd/>
-          </a:ln>
-          <a:effectLst/>
-          <a:extLst>
-            <a:ext uri="{AF507438-7753-43E0-B8FC-AC1667EBCBE1}">
-              <a14:hiddenEffects xmlns:a14="http://schemas.microsoft.com/office/drawing/2010/main">
-                <a:effectLst>
-                  <a:outerShdw dist="35921" dir="2700000" algn="ctr" rotWithShape="0">
-                    <a:schemeClr val="bg2"/>
-                  </a:outerShdw>
-                </a:effectLst>
-              </a14:hiddenEffects>
-            </a:ext>
-          </a:extLst>
-        </p:spPr>
-        <p:txBody>
-          <a:bodyPr wrap="none" anchor="ctr"/>
-          <a:lstStyle/>
-          <a:p>
-            <a:endParaRPr lang="en-US"/>
-          </a:p>
-        </p:txBody>
-      </p:sp>
     </p:spTree>
     <p:extLst>
       <p:ext uri="{BB962C8B-B14F-4D97-AF65-F5344CB8AC3E}">
@@ -31229,92 +30645,6 @@
   <p:clrMapOvr>
     <a:masterClrMapping/>
   </p:clrMapOvr>
-  <p:timing>
-    <p:tnLst>
-      <p:par>
-        <p:cTn id="1" dur="indefinite" restart="never" nodeType="tmRoot">
-          <p:childTnLst>
-            <p:seq concurrent="1" nextAc="seek">
-              <p:cTn id="2" dur="indefinite" nodeType="mainSeq">
-                <p:childTnLst>
-                  <p:par>
-                    <p:cTn id="3" fill="hold" nodeType="clickPar">
-                      <p:stCondLst>
-                        <p:cond delay="indefinite"/>
-                      </p:stCondLst>
-                      <p:childTnLst>
-                        <p:par>
-                          <p:cTn id="4" fill="hold" nodeType="withGroup">
-                            <p:stCondLst>
-                              <p:cond delay="0"/>
-                            </p:stCondLst>
-                            <p:childTnLst>
-                              <p:par>
-                                <p:cTn id="5" presetID="4" presetClass="exit" presetSubtype="16" fill="hold" grpId="0" nodeType="clickEffect">
-                                  <p:stCondLst>
-                                    <p:cond delay="0"/>
-                                  </p:stCondLst>
-                                  <p:childTnLst>
-                                    <p:animEffect transition="out" filter="box(in)">
-                                      <p:cBhvr>
-                                        <p:cTn id="6" dur="500"/>
-                                        <p:tgtEl>
-                                          <p:spTgt spid="1193988"/>
-                                        </p:tgtEl>
-                                      </p:cBhvr>
-                                    </p:animEffect>
-                                    <p:set>
-                                      <p:cBhvr>
-                                        <p:cTn id="7" dur="1" fill="hold">
-                                          <p:stCondLst>
-                                            <p:cond delay="499"/>
-                                          </p:stCondLst>
-                                        </p:cTn>
-                                        <p:tgtEl>
-                                          <p:spTgt spid="1193988"/>
-                                        </p:tgtEl>
-                                        <p:attrNameLst>
-                                          <p:attrName>style.visibility</p:attrName>
-                                        </p:attrNameLst>
-                                      </p:cBhvr>
-                                      <p:to>
-                                        <p:strVal val="hidden"/>
-                                      </p:to>
-                                    </p:set>
-                                  </p:childTnLst>
-                                </p:cTn>
-                              </p:par>
-                            </p:childTnLst>
-                          </p:cTn>
-                        </p:par>
-                      </p:childTnLst>
-                    </p:cTn>
-                  </p:par>
-                </p:childTnLst>
-              </p:cTn>
-              <p:prevCondLst>
-                <p:cond evt="onPrev" delay="0">
-                  <p:tgtEl>
-                    <p:sldTgt/>
-                  </p:tgtEl>
-                </p:cond>
-              </p:prevCondLst>
-              <p:nextCondLst>
-                <p:cond evt="onNext" delay="0">
-                  <p:tgtEl>
-                    <p:sldTgt/>
-                  </p:tgtEl>
-                </p:cond>
-              </p:nextCondLst>
-            </p:seq>
-          </p:childTnLst>
-        </p:cTn>
-      </p:par>
-    </p:tnLst>
-    <p:bldLst>
-      <p:bldP spid="1193988" grpId="0" animBg="1"/>
-    </p:bldLst>
-  </p:timing>
 </p:sld>
 </file>
 
@@ -31409,54 +30739,6 @@
           </a:p>
         </p:txBody>
       </p:sp>
-      <p:sp>
-        <p:nvSpPr>
-          <p:cNvPr id="1193988" name="Rectangle 4"/>
-          <p:cNvSpPr>
-            <a:spLocks noChangeArrowheads="1"/>
-          </p:cNvSpPr>
-          <p:nvPr/>
-        </p:nvSpPr>
-        <p:spPr bwMode="auto">
-          <a:xfrm>
-            <a:off x="1676400" y="228600"/>
-            <a:ext cx="5715000" cy="1143000"/>
-          </a:xfrm>
-          <a:prstGeom prst="rect">
-            <a:avLst/>
-          </a:prstGeom>
-          <a:solidFill>
-            <a:schemeClr val="accent1"/>
-          </a:solidFill>
-          <a:ln w="9525">
-            <a:solidFill>
-              <a:schemeClr val="tx1"/>
-            </a:solidFill>
-            <a:miter lim="800000"/>
-            <a:headEnd/>
-            <a:tailEnd/>
-          </a:ln>
-          <a:effectLst/>
-          <a:extLst>
-            <a:ext uri="{AF507438-7753-43E0-B8FC-AC1667EBCBE1}">
-              <a14:hiddenEffects xmlns:a14="http://schemas.microsoft.com/office/drawing/2010/main">
-                <a:effectLst>
-                  <a:outerShdw dist="35921" dir="2700000" algn="ctr" rotWithShape="0">
-                    <a:schemeClr val="bg2"/>
-                  </a:outerShdw>
-                </a:effectLst>
-              </a14:hiddenEffects>
-            </a:ext>
-          </a:extLst>
-        </p:spPr>
-        <p:txBody>
-          <a:bodyPr wrap="none" anchor="ctr"/>
-          <a:lstStyle/>
-          <a:p>
-            <a:endParaRPr lang="en-US"/>
-          </a:p>
-        </p:txBody>
-      </p:sp>
     </p:spTree>
     <p:extLst>
       <p:ext uri="{BB962C8B-B14F-4D97-AF65-F5344CB8AC3E}">
@@ -31467,92 +30749,6 @@
   <p:clrMapOvr>
     <a:masterClrMapping/>
   </p:clrMapOvr>
-  <p:timing>
-    <p:tnLst>
-      <p:par>
-        <p:cTn id="1" dur="indefinite" restart="never" nodeType="tmRoot">
-          <p:childTnLst>
-            <p:seq concurrent="1" nextAc="seek">
-              <p:cTn id="2" dur="indefinite" nodeType="mainSeq">
-                <p:childTnLst>
-                  <p:par>
-                    <p:cTn id="3" fill="hold" nodeType="clickPar">
-                      <p:stCondLst>
-                        <p:cond delay="indefinite"/>
-                      </p:stCondLst>
-                      <p:childTnLst>
-                        <p:par>
-                          <p:cTn id="4" fill="hold" nodeType="withGroup">
-                            <p:stCondLst>
-                              <p:cond delay="0"/>
-                            </p:stCondLst>
-                            <p:childTnLst>
-                              <p:par>
-                                <p:cTn id="5" presetID="4" presetClass="exit" presetSubtype="16" fill="hold" grpId="0" nodeType="clickEffect">
-                                  <p:stCondLst>
-                                    <p:cond delay="0"/>
-                                  </p:stCondLst>
-                                  <p:childTnLst>
-                                    <p:animEffect transition="out" filter="box(in)">
-                                      <p:cBhvr>
-                                        <p:cTn id="6" dur="500"/>
-                                        <p:tgtEl>
-                                          <p:spTgt spid="1193988"/>
-                                        </p:tgtEl>
-                                      </p:cBhvr>
-                                    </p:animEffect>
-                                    <p:set>
-                                      <p:cBhvr>
-                                        <p:cTn id="7" dur="1" fill="hold">
-                                          <p:stCondLst>
-                                            <p:cond delay="499"/>
-                                          </p:stCondLst>
-                                        </p:cTn>
-                                        <p:tgtEl>
-                                          <p:spTgt spid="1193988"/>
-                                        </p:tgtEl>
-                                        <p:attrNameLst>
-                                          <p:attrName>style.visibility</p:attrName>
-                                        </p:attrNameLst>
-                                      </p:cBhvr>
-                                      <p:to>
-                                        <p:strVal val="hidden"/>
-                                      </p:to>
-                                    </p:set>
-                                  </p:childTnLst>
-                                </p:cTn>
-                              </p:par>
-                            </p:childTnLst>
-                          </p:cTn>
-                        </p:par>
-                      </p:childTnLst>
-                    </p:cTn>
-                  </p:par>
-                </p:childTnLst>
-              </p:cTn>
-              <p:prevCondLst>
-                <p:cond evt="onPrev" delay="0">
-                  <p:tgtEl>
-                    <p:sldTgt/>
-                  </p:tgtEl>
-                </p:cond>
-              </p:prevCondLst>
-              <p:nextCondLst>
-                <p:cond evt="onNext" delay="0">
-                  <p:tgtEl>
-                    <p:sldTgt/>
-                  </p:tgtEl>
-                </p:cond>
-              </p:nextCondLst>
-            </p:seq>
-          </p:childTnLst>
-        </p:cTn>
-      </p:par>
-    </p:tnLst>
-    <p:bldLst>
-      <p:bldP spid="1193988" grpId="0" animBg="1"/>
-    </p:bldLst>
-  </p:timing>
 </p:sld>
 </file>
 
@@ -31647,54 +30843,6 @@
           </a:p>
         </p:txBody>
       </p:sp>
-      <p:sp>
-        <p:nvSpPr>
-          <p:cNvPr id="1193988" name="Rectangle 4"/>
-          <p:cNvSpPr>
-            <a:spLocks noChangeArrowheads="1"/>
-          </p:cNvSpPr>
-          <p:nvPr/>
-        </p:nvSpPr>
-        <p:spPr bwMode="auto">
-          <a:xfrm>
-            <a:off x="1648326" y="381000"/>
-            <a:ext cx="5715000" cy="1143000"/>
-          </a:xfrm>
-          <a:prstGeom prst="rect">
-            <a:avLst/>
-          </a:prstGeom>
-          <a:solidFill>
-            <a:schemeClr val="accent1"/>
-          </a:solidFill>
-          <a:ln w="9525">
-            <a:solidFill>
-              <a:schemeClr val="tx1"/>
-            </a:solidFill>
-            <a:miter lim="800000"/>
-            <a:headEnd/>
-            <a:tailEnd/>
-          </a:ln>
-          <a:effectLst/>
-          <a:extLst>
-            <a:ext uri="{AF507438-7753-43E0-B8FC-AC1667EBCBE1}">
-              <a14:hiddenEffects xmlns:a14="http://schemas.microsoft.com/office/drawing/2010/main">
-                <a:effectLst>
-                  <a:outerShdw dist="35921" dir="2700000" algn="ctr" rotWithShape="0">
-                    <a:schemeClr val="bg2"/>
-                  </a:outerShdw>
-                </a:effectLst>
-              </a14:hiddenEffects>
-            </a:ext>
-          </a:extLst>
-        </p:spPr>
-        <p:txBody>
-          <a:bodyPr wrap="none" anchor="ctr"/>
-          <a:lstStyle/>
-          <a:p>
-            <a:endParaRPr lang="en-US"/>
-          </a:p>
-        </p:txBody>
-      </p:sp>
     </p:spTree>
     <p:extLst>
       <p:ext uri="{BB962C8B-B14F-4D97-AF65-F5344CB8AC3E}">
@@ -31705,92 +30853,6 @@
   <p:clrMapOvr>
     <a:masterClrMapping/>
   </p:clrMapOvr>
-  <p:timing>
-    <p:tnLst>
-      <p:par>
-        <p:cTn id="1" dur="indefinite" restart="never" nodeType="tmRoot">
-          <p:childTnLst>
-            <p:seq concurrent="1" nextAc="seek">
-              <p:cTn id="2" dur="indefinite" nodeType="mainSeq">
-                <p:childTnLst>
-                  <p:par>
-                    <p:cTn id="3" fill="hold" nodeType="clickPar">
-                      <p:stCondLst>
-                        <p:cond delay="indefinite"/>
-                      </p:stCondLst>
-                      <p:childTnLst>
-                        <p:par>
-                          <p:cTn id="4" fill="hold" nodeType="withGroup">
-                            <p:stCondLst>
-                              <p:cond delay="0"/>
-                            </p:stCondLst>
-                            <p:childTnLst>
-                              <p:par>
-                                <p:cTn id="5" presetID="4" presetClass="exit" presetSubtype="16" fill="hold" grpId="0" nodeType="clickEffect">
-                                  <p:stCondLst>
-                                    <p:cond delay="0"/>
-                                  </p:stCondLst>
-                                  <p:childTnLst>
-                                    <p:animEffect transition="out" filter="box(in)">
-                                      <p:cBhvr>
-                                        <p:cTn id="6" dur="500"/>
-                                        <p:tgtEl>
-                                          <p:spTgt spid="1193988"/>
-                                        </p:tgtEl>
-                                      </p:cBhvr>
-                                    </p:animEffect>
-                                    <p:set>
-                                      <p:cBhvr>
-                                        <p:cTn id="7" dur="1" fill="hold">
-                                          <p:stCondLst>
-                                            <p:cond delay="499"/>
-                                          </p:stCondLst>
-                                        </p:cTn>
-                                        <p:tgtEl>
-                                          <p:spTgt spid="1193988"/>
-                                        </p:tgtEl>
-                                        <p:attrNameLst>
-                                          <p:attrName>style.visibility</p:attrName>
-                                        </p:attrNameLst>
-                                      </p:cBhvr>
-                                      <p:to>
-                                        <p:strVal val="hidden"/>
-                                      </p:to>
-                                    </p:set>
-                                  </p:childTnLst>
-                                </p:cTn>
-                              </p:par>
-                            </p:childTnLst>
-                          </p:cTn>
-                        </p:par>
-                      </p:childTnLst>
-                    </p:cTn>
-                  </p:par>
-                </p:childTnLst>
-              </p:cTn>
-              <p:prevCondLst>
-                <p:cond evt="onPrev" delay="0">
-                  <p:tgtEl>
-                    <p:sldTgt/>
-                  </p:tgtEl>
-                </p:cond>
-              </p:prevCondLst>
-              <p:nextCondLst>
-                <p:cond evt="onNext" delay="0">
-                  <p:tgtEl>
-                    <p:sldTgt/>
-                  </p:tgtEl>
-                </p:cond>
-              </p:nextCondLst>
-            </p:seq>
-          </p:childTnLst>
-        </p:cTn>
-      </p:par>
-    </p:tnLst>
-    <p:bldLst>
-      <p:bldP spid="1193988" grpId="0" animBg="1"/>
-    </p:bldLst>
-  </p:timing>
 </p:sld>
 </file>
 
@@ -31885,54 +30947,6 @@
           </a:p>
         </p:txBody>
       </p:sp>
-      <p:sp>
-        <p:nvSpPr>
-          <p:cNvPr id="1193988" name="Rectangle 4"/>
-          <p:cNvSpPr>
-            <a:spLocks noChangeArrowheads="1"/>
-          </p:cNvSpPr>
-          <p:nvPr/>
-        </p:nvSpPr>
-        <p:spPr bwMode="auto">
-          <a:xfrm>
-            <a:off x="1600200" y="228600"/>
-            <a:ext cx="5715000" cy="1143000"/>
-          </a:xfrm>
-          <a:prstGeom prst="rect">
-            <a:avLst/>
-          </a:prstGeom>
-          <a:solidFill>
-            <a:schemeClr val="accent1"/>
-          </a:solidFill>
-          <a:ln w="9525">
-            <a:solidFill>
-              <a:schemeClr val="tx1"/>
-            </a:solidFill>
-            <a:miter lim="800000"/>
-            <a:headEnd/>
-            <a:tailEnd/>
-          </a:ln>
-          <a:effectLst/>
-          <a:extLst>
-            <a:ext uri="{AF507438-7753-43E0-B8FC-AC1667EBCBE1}">
-              <a14:hiddenEffects xmlns:a14="http://schemas.microsoft.com/office/drawing/2010/main">
-                <a:effectLst>
-                  <a:outerShdw dist="35921" dir="2700000" algn="ctr" rotWithShape="0">
-                    <a:schemeClr val="bg2"/>
-                  </a:outerShdw>
-                </a:effectLst>
-              </a14:hiddenEffects>
-            </a:ext>
-          </a:extLst>
-        </p:spPr>
-        <p:txBody>
-          <a:bodyPr wrap="none" anchor="ctr"/>
-          <a:lstStyle/>
-          <a:p>
-            <a:endParaRPr lang="en-US"/>
-          </a:p>
-        </p:txBody>
-      </p:sp>
     </p:spTree>
     <p:extLst>
       <p:ext uri="{BB962C8B-B14F-4D97-AF65-F5344CB8AC3E}">
@@ -31943,92 +30957,6 @@
   <p:clrMapOvr>
     <a:masterClrMapping/>
   </p:clrMapOvr>
-  <p:timing>
-    <p:tnLst>
-      <p:par>
-        <p:cTn id="1" dur="indefinite" restart="never" nodeType="tmRoot">
-          <p:childTnLst>
-            <p:seq concurrent="1" nextAc="seek">
-              <p:cTn id="2" dur="indefinite" nodeType="mainSeq">
-                <p:childTnLst>
-                  <p:par>
-                    <p:cTn id="3" fill="hold" nodeType="clickPar">
-                      <p:stCondLst>
-                        <p:cond delay="indefinite"/>
-                      </p:stCondLst>
-                      <p:childTnLst>
-                        <p:par>
-                          <p:cTn id="4" fill="hold" nodeType="withGroup">
-                            <p:stCondLst>
-                              <p:cond delay="0"/>
-                            </p:stCondLst>
-                            <p:childTnLst>
-                              <p:par>
-                                <p:cTn id="5" presetID="4" presetClass="exit" presetSubtype="16" fill="hold" grpId="0" nodeType="clickEffect">
-                                  <p:stCondLst>
-                                    <p:cond delay="0"/>
-                                  </p:stCondLst>
-                                  <p:childTnLst>
-                                    <p:animEffect transition="out" filter="box(in)">
-                                      <p:cBhvr>
-                                        <p:cTn id="6" dur="500"/>
-                                        <p:tgtEl>
-                                          <p:spTgt spid="1193988"/>
-                                        </p:tgtEl>
-                                      </p:cBhvr>
-                                    </p:animEffect>
-                                    <p:set>
-                                      <p:cBhvr>
-                                        <p:cTn id="7" dur="1" fill="hold">
-                                          <p:stCondLst>
-                                            <p:cond delay="499"/>
-                                          </p:stCondLst>
-                                        </p:cTn>
-                                        <p:tgtEl>
-                                          <p:spTgt spid="1193988"/>
-                                        </p:tgtEl>
-                                        <p:attrNameLst>
-                                          <p:attrName>style.visibility</p:attrName>
-                                        </p:attrNameLst>
-                                      </p:cBhvr>
-                                      <p:to>
-                                        <p:strVal val="hidden"/>
-                                      </p:to>
-                                    </p:set>
-                                  </p:childTnLst>
-                                </p:cTn>
-                              </p:par>
-                            </p:childTnLst>
-                          </p:cTn>
-                        </p:par>
-                      </p:childTnLst>
-                    </p:cTn>
-                  </p:par>
-                </p:childTnLst>
-              </p:cTn>
-              <p:prevCondLst>
-                <p:cond evt="onPrev" delay="0">
-                  <p:tgtEl>
-                    <p:sldTgt/>
-                  </p:tgtEl>
-                </p:cond>
-              </p:prevCondLst>
-              <p:nextCondLst>
-                <p:cond evt="onNext" delay="0">
-                  <p:tgtEl>
-                    <p:sldTgt/>
-                  </p:tgtEl>
-                </p:cond>
-              </p:nextCondLst>
-            </p:seq>
-          </p:childTnLst>
-        </p:cTn>
-      </p:par>
-    </p:tnLst>
-    <p:bldLst>
-      <p:bldP spid="1193988" grpId="0" animBg="1"/>
-    </p:bldLst>
-  </p:timing>
 </p:sld>
 </file>
 
@@ -32123,54 +31051,6 @@
           </a:p>
         </p:txBody>
       </p:sp>
-      <p:sp>
-        <p:nvSpPr>
-          <p:cNvPr id="1193988" name="Rectangle 4"/>
-          <p:cNvSpPr>
-            <a:spLocks noChangeArrowheads="1"/>
-          </p:cNvSpPr>
-          <p:nvPr/>
-        </p:nvSpPr>
-        <p:spPr bwMode="auto">
-          <a:xfrm>
-            <a:off x="1752600" y="228600"/>
-            <a:ext cx="5715000" cy="1143000"/>
-          </a:xfrm>
-          <a:prstGeom prst="rect">
-            <a:avLst/>
-          </a:prstGeom>
-          <a:solidFill>
-            <a:schemeClr val="accent1"/>
-          </a:solidFill>
-          <a:ln w="9525">
-            <a:solidFill>
-              <a:schemeClr val="tx1"/>
-            </a:solidFill>
-            <a:miter lim="800000"/>
-            <a:headEnd/>
-            <a:tailEnd/>
-          </a:ln>
-          <a:effectLst/>
-          <a:extLst>
-            <a:ext uri="{AF507438-7753-43E0-B8FC-AC1667EBCBE1}">
-              <a14:hiddenEffects xmlns:a14="http://schemas.microsoft.com/office/drawing/2010/main">
-                <a:effectLst>
-                  <a:outerShdw dist="35921" dir="2700000" algn="ctr" rotWithShape="0">
-                    <a:schemeClr val="bg2"/>
-                  </a:outerShdw>
-                </a:effectLst>
-              </a14:hiddenEffects>
-            </a:ext>
-          </a:extLst>
-        </p:spPr>
-        <p:txBody>
-          <a:bodyPr wrap="none" anchor="ctr"/>
-          <a:lstStyle/>
-          <a:p>
-            <a:endParaRPr lang="en-US"/>
-          </a:p>
-        </p:txBody>
-      </p:sp>
     </p:spTree>
     <p:extLst>
       <p:ext uri="{BB962C8B-B14F-4D97-AF65-F5344CB8AC3E}">
@@ -32181,92 +31061,6 @@
   <p:clrMapOvr>
     <a:masterClrMapping/>
   </p:clrMapOvr>
-  <p:timing>
-    <p:tnLst>
-      <p:par>
-        <p:cTn id="1" dur="indefinite" restart="never" nodeType="tmRoot">
-          <p:childTnLst>
-            <p:seq concurrent="1" nextAc="seek">
-              <p:cTn id="2" dur="indefinite" nodeType="mainSeq">
-                <p:childTnLst>
-                  <p:par>
-                    <p:cTn id="3" fill="hold" nodeType="clickPar">
-                      <p:stCondLst>
-                        <p:cond delay="indefinite"/>
-                      </p:stCondLst>
-                      <p:childTnLst>
-                        <p:par>
-                          <p:cTn id="4" fill="hold" nodeType="withGroup">
-                            <p:stCondLst>
-                              <p:cond delay="0"/>
-                            </p:stCondLst>
-                            <p:childTnLst>
-                              <p:par>
-                                <p:cTn id="5" presetID="4" presetClass="exit" presetSubtype="16" fill="hold" grpId="0" nodeType="clickEffect">
-                                  <p:stCondLst>
-                                    <p:cond delay="0"/>
-                                  </p:stCondLst>
-                                  <p:childTnLst>
-                                    <p:animEffect transition="out" filter="box(in)">
-                                      <p:cBhvr>
-                                        <p:cTn id="6" dur="500"/>
-                                        <p:tgtEl>
-                                          <p:spTgt spid="1193988"/>
-                                        </p:tgtEl>
-                                      </p:cBhvr>
-                                    </p:animEffect>
-                                    <p:set>
-                                      <p:cBhvr>
-                                        <p:cTn id="7" dur="1" fill="hold">
-                                          <p:stCondLst>
-                                            <p:cond delay="499"/>
-                                          </p:stCondLst>
-                                        </p:cTn>
-                                        <p:tgtEl>
-                                          <p:spTgt spid="1193988"/>
-                                        </p:tgtEl>
-                                        <p:attrNameLst>
-                                          <p:attrName>style.visibility</p:attrName>
-                                        </p:attrNameLst>
-                                      </p:cBhvr>
-                                      <p:to>
-                                        <p:strVal val="hidden"/>
-                                      </p:to>
-                                    </p:set>
-                                  </p:childTnLst>
-                                </p:cTn>
-                              </p:par>
-                            </p:childTnLst>
-                          </p:cTn>
-                        </p:par>
-                      </p:childTnLst>
-                    </p:cTn>
-                  </p:par>
-                </p:childTnLst>
-              </p:cTn>
-              <p:prevCondLst>
-                <p:cond evt="onPrev" delay="0">
-                  <p:tgtEl>
-                    <p:sldTgt/>
-                  </p:tgtEl>
-                </p:cond>
-              </p:prevCondLst>
-              <p:nextCondLst>
-                <p:cond evt="onNext" delay="0">
-                  <p:tgtEl>
-                    <p:sldTgt/>
-                  </p:tgtEl>
-                </p:cond>
-              </p:nextCondLst>
-            </p:seq>
-          </p:childTnLst>
-        </p:cTn>
-      </p:par>
-    </p:tnLst>
-    <p:bldLst>
-      <p:bldP spid="1193988" grpId="0" animBg="1"/>
-    </p:bldLst>
-  </p:timing>
 </p:sld>
 </file>
 
@@ -32361,54 +31155,6 @@
           </a:p>
         </p:txBody>
       </p:sp>
-      <p:sp>
-        <p:nvSpPr>
-          <p:cNvPr id="1193988" name="Rectangle 4"/>
-          <p:cNvSpPr>
-            <a:spLocks noChangeArrowheads="1"/>
-          </p:cNvSpPr>
-          <p:nvPr/>
-        </p:nvSpPr>
-        <p:spPr bwMode="auto">
-          <a:xfrm>
-            <a:off x="1905000" y="152400"/>
-            <a:ext cx="5715000" cy="1143000"/>
-          </a:xfrm>
-          <a:prstGeom prst="rect">
-            <a:avLst/>
-          </a:prstGeom>
-          <a:solidFill>
-            <a:schemeClr val="accent1"/>
-          </a:solidFill>
-          <a:ln w="9525">
-            <a:solidFill>
-              <a:schemeClr val="tx1"/>
-            </a:solidFill>
-            <a:miter lim="800000"/>
-            <a:headEnd/>
-            <a:tailEnd/>
-          </a:ln>
-          <a:effectLst/>
-          <a:extLst>
-            <a:ext uri="{AF507438-7753-43E0-B8FC-AC1667EBCBE1}">
-              <a14:hiddenEffects xmlns:a14="http://schemas.microsoft.com/office/drawing/2010/main">
-                <a:effectLst>
-                  <a:outerShdw dist="35921" dir="2700000" algn="ctr" rotWithShape="0">
-                    <a:schemeClr val="bg2"/>
-                  </a:outerShdw>
-                </a:effectLst>
-              </a14:hiddenEffects>
-            </a:ext>
-          </a:extLst>
-        </p:spPr>
-        <p:txBody>
-          <a:bodyPr wrap="none" anchor="ctr"/>
-          <a:lstStyle/>
-          <a:p>
-            <a:endParaRPr lang="en-US"/>
-          </a:p>
-        </p:txBody>
-      </p:sp>
     </p:spTree>
     <p:extLst>
       <p:ext uri="{BB962C8B-B14F-4D97-AF65-F5344CB8AC3E}">
@@ -32419,92 +31165,6 @@
   <p:clrMapOvr>
     <a:masterClrMapping/>
   </p:clrMapOvr>
-  <p:timing>
-    <p:tnLst>
-      <p:par>
-        <p:cTn id="1" dur="indefinite" restart="never" nodeType="tmRoot">
-          <p:childTnLst>
-            <p:seq concurrent="1" nextAc="seek">
-              <p:cTn id="2" dur="indefinite" nodeType="mainSeq">
-                <p:childTnLst>
-                  <p:par>
-                    <p:cTn id="3" fill="hold" nodeType="clickPar">
-                      <p:stCondLst>
-                        <p:cond delay="indefinite"/>
-                      </p:stCondLst>
-                      <p:childTnLst>
-                        <p:par>
-                          <p:cTn id="4" fill="hold" nodeType="withGroup">
-                            <p:stCondLst>
-                              <p:cond delay="0"/>
-                            </p:stCondLst>
-                            <p:childTnLst>
-                              <p:par>
-                                <p:cTn id="5" presetID="4" presetClass="exit" presetSubtype="16" fill="hold" grpId="0" nodeType="clickEffect">
-                                  <p:stCondLst>
-                                    <p:cond delay="0"/>
-                                  </p:stCondLst>
-                                  <p:childTnLst>
-                                    <p:animEffect transition="out" filter="box(in)">
-                                      <p:cBhvr>
-                                        <p:cTn id="6" dur="500"/>
-                                        <p:tgtEl>
-                                          <p:spTgt spid="1193988"/>
-                                        </p:tgtEl>
-                                      </p:cBhvr>
-                                    </p:animEffect>
-                                    <p:set>
-                                      <p:cBhvr>
-                                        <p:cTn id="7" dur="1" fill="hold">
-                                          <p:stCondLst>
-                                            <p:cond delay="499"/>
-                                          </p:stCondLst>
-                                        </p:cTn>
-                                        <p:tgtEl>
-                                          <p:spTgt spid="1193988"/>
-                                        </p:tgtEl>
-                                        <p:attrNameLst>
-                                          <p:attrName>style.visibility</p:attrName>
-                                        </p:attrNameLst>
-                                      </p:cBhvr>
-                                      <p:to>
-                                        <p:strVal val="hidden"/>
-                                      </p:to>
-                                    </p:set>
-                                  </p:childTnLst>
-                                </p:cTn>
-                              </p:par>
-                            </p:childTnLst>
-                          </p:cTn>
-                        </p:par>
-                      </p:childTnLst>
-                    </p:cTn>
-                  </p:par>
-                </p:childTnLst>
-              </p:cTn>
-              <p:prevCondLst>
-                <p:cond evt="onPrev" delay="0">
-                  <p:tgtEl>
-                    <p:sldTgt/>
-                  </p:tgtEl>
-                </p:cond>
-              </p:prevCondLst>
-              <p:nextCondLst>
-                <p:cond evt="onNext" delay="0">
-                  <p:tgtEl>
-                    <p:sldTgt/>
-                  </p:tgtEl>
-                </p:cond>
-              </p:nextCondLst>
-            </p:seq>
-          </p:childTnLst>
-        </p:cTn>
-      </p:par>
-    </p:tnLst>
-    <p:bldLst>
-      <p:bldP spid="1193988" grpId="0" animBg="1"/>
-    </p:bldLst>
-  </p:timing>
 </p:sld>
 </file>
 
@@ -32599,54 +31259,6 @@
           </a:p>
         </p:txBody>
       </p:sp>
-      <p:sp>
-        <p:nvSpPr>
-          <p:cNvPr id="1193988" name="Rectangle 4"/>
-          <p:cNvSpPr>
-            <a:spLocks noChangeArrowheads="1"/>
-          </p:cNvSpPr>
-          <p:nvPr/>
-        </p:nvSpPr>
-        <p:spPr bwMode="auto">
-          <a:xfrm>
-            <a:off x="1660358" y="304800"/>
-            <a:ext cx="5715000" cy="1143000"/>
-          </a:xfrm>
-          <a:prstGeom prst="rect">
-            <a:avLst/>
-          </a:prstGeom>
-          <a:solidFill>
-            <a:schemeClr val="accent1"/>
-          </a:solidFill>
-          <a:ln w="9525">
-            <a:solidFill>
-              <a:schemeClr val="tx1"/>
-            </a:solidFill>
-            <a:miter lim="800000"/>
-            <a:headEnd/>
-            <a:tailEnd/>
-          </a:ln>
-          <a:effectLst/>
-          <a:extLst>
-            <a:ext uri="{AF507438-7753-43E0-B8FC-AC1667EBCBE1}">
-              <a14:hiddenEffects xmlns:a14="http://schemas.microsoft.com/office/drawing/2010/main">
-                <a:effectLst>
-                  <a:outerShdw dist="35921" dir="2700000" algn="ctr" rotWithShape="0">
-                    <a:schemeClr val="bg2"/>
-                  </a:outerShdw>
-                </a:effectLst>
-              </a14:hiddenEffects>
-            </a:ext>
-          </a:extLst>
-        </p:spPr>
-        <p:txBody>
-          <a:bodyPr wrap="none" anchor="ctr"/>
-          <a:lstStyle/>
-          <a:p>
-            <a:endParaRPr lang="en-US"/>
-          </a:p>
-        </p:txBody>
-      </p:sp>
     </p:spTree>
     <p:extLst>
       <p:ext uri="{BB962C8B-B14F-4D97-AF65-F5344CB8AC3E}">
@@ -32657,92 +31269,6 @@
   <p:clrMapOvr>
     <a:masterClrMapping/>
   </p:clrMapOvr>
-  <p:timing>
-    <p:tnLst>
-      <p:par>
-        <p:cTn id="1" dur="indefinite" restart="never" nodeType="tmRoot">
-          <p:childTnLst>
-            <p:seq concurrent="1" nextAc="seek">
-              <p:cTn id="2" dur="indefinite" nodeType="mainSeq">
-                <p:childTnLst>
-                  <p:par>
-                    <p:cTn id="3" fill="hold" nodeType="clickPar">
-                      <p:stCondLst>
-                        <p:cond delay="indefinite"/>
-                      </p:stCondLst>
-                      <p:childTnLst>
-                        <p:par>
-                          <p:cTn id="4" fill="hold" nodeType="withGroup">
-                            <p:stCondLst>
-                              <p:cond delay="0"/>
-                            </p:stCondLst>
-                            <p:childTnLst>
-                              <p:par>
-                                <p:cTn id="5" presetID="4" presetClass="exit" presetSubtype="16" fill="hold" grpId="0" nodeType="clickEffect">
-                                  <p:stCondLst>
-                                    <p:cond delay="0"/>
-                                  </p:stCondLst>
-                                  <p:childTnLst>
-                                    <p:animEffect transition="out" filter="box(in)">
-                                      <p:cBhvr>
-                                        <p:cTn id="6" dur="500"/>
-                                        <p:tgtEl>
-                                          <p:spTgt spid="1193988"/>
-                                        </p:tgtEl>
-                                      </p:cBhvr>
-                                    </p:animEffect>
-                                    <p:set>
-                                      <p:cBhvr>
-                                        <p:cTn id="7" dur="1" fill="hold">
-                                          <p:stCondLst>
-                                            <p:cond delay="499"/>
-                                          </p:stCondLst>
-                                        </p:cTn>
-                                        <p:tgtEl>
-                                          <p:spTgt spid="1193988"/>
-                                        </p:tgtEl>
-                                        <p:attrNameLst>
-                                          <p:attrName>style.visibility</p:attrName>
-                                        </p:attrNameLst>
-                                      </p:cBhvr>
-                                      <p:to>
-                                        <p:strVal val="hidden"/>
-                                      </p:to>
-                                    </p:set>
-                                  </p:childTnLst>
-                                </p:cTn>
-                              </p:par>
-                            </p:childTnLst>
-                          </p:cTn>
-                        </p:par>
-                      </p:childTnLst>
-                    </p:cTn>
-                  </p:par>
-                </p:childTnLst>
-              </p:cTn>
-              <p:prevCondLst>
-                <p:cond evt="onPrev" delay="0">
-                  <p:tgtEl>
-                    <p:sldTgt/>
-                  </p:tgtEl>
-                </p:cond>
-              </p:prevCondLst>
-              <p:nextCondLst>
-                <p:cond evt="onNext" delay="0">
-                  <p:tgtEl>
-                    <p:sldTgt/>
-                  </p:tgtEl>
-                </p:cond>
-              </p:nextCondLst>
-            </p:seq>
-          </p:childTnLst>
-        </p:cTn>
-      </p:par>
-    </p:tnLst>
-    <p:bldLst>
-      <p:bldP spid="1193988" grpId="0" animBg="1"/>
-    </p:bldLst>
-  </p:timing>
 </p:sld>
 </file>
 
@@ -32837,54 +31363,6 @@
           </a:p>
         </p:txBody>
       </p:sp>
-      <p:sp>
-        <p:nvSpPr>
-          <p:cNvPr id="1193988" name="Rectangle 4"/>
-          <p:cNvSpPr>
-            <a:spLocks noChangeArrowheads="1"/>
-          </p:cNvSpPr>
-          <p:nvPr/>
-        </p:nvSpPr>
-        <p:spPr bwMode="auto">
-          <a:xfrm>
-            <a:off x="2209800" y="304800"/>
-            <a:ext cx="5715000" cy="1143000"/>
-          </a:xfrm>
-          <a:prstGeom prst="rect">
-            <a:avLst/>
-          </a:prstGeom>
-          <a:solidFill>
-            <a:schemeClr val="accent1"/>
-          </a:solidFill>
-          <a:ln w="9525">
-            <a:solidFill>
-              <a:schemeClr val="tx1"/>
-            </a:solidFill>
-            <a:miter lim="800000"/>
-            <a:headEnd/>
-            <a:tailEnd/>
-          </a:ln>
-          <a:effectLst/>
-          <a:extLst>
-            <a:ext uri="{AF507438-7753-43E0-B8FC-AC1667EBCBE1}">
-              <a14:hiddenEffects xmlns:a14="http://schemas.microsoft.com/office/drawing/2010/main">
-                <a:effectLst>
-                  <a:outerShdw dist="35921" dir="2700000" algn="ctr" rotWithShape="0">
-                    <a:schemeClr val="bg2"/>
-                  </a:outerShdw>
-                </a:effectLst>
-              </a14:hiddenEffects>
-            </a:ext>
-          </a:extLst>
-        </p:spPr>
-        <p:txBody>
-          <a:bodyPr wrap="none" anchor="ctr"/>
-          <a:lstStyle/>
-          <a:p>
-            <a:endParaRPr lang="en-US"/>
-          </a:p>
-        </p:txBody>
-      </p:sp>
     </p:spTree>
     <p:extLst>
       <p:ext uri="{BB962C8B-B14F-4D97-AF65-F5344CB8AC3E}">
@@ -32895,92 +31373,6 @@
   <p:clrMapOvr>
     <a:masterClrMapping/>
   </p:clrMapOvr>
-  <p:timing>
-    <p:tnLst>
-      <p:par>
-        <p:cTn id="1" dur="indefinite" restart="never" nodeType="tmRoot">
-          <p:childTnLst>
-            <p:seq concurrent="1" nextAc="seek">
-              <p:cTn id="2" dur="indefinite" nodeType="mainSeq">
-                <p:childTnLst>
-                  <p:par>
-                    <p:cTn id="3" fill="hold" nodeType="clickPar">
-                      <p:stCondLst>
-                        <p:cond delay="indefinite"/>
-                      </p:stCondLst>
-                      <p:childTnLst>
-                        <p:par>
-                          <p:cTn id="4" fill="hold" nodeType="withGroup">
-                            <p:stCondLst>
-                              <p:cond delay="0"/>
-                            </p:stCondLst>
-                            <p:childTnLst>
-                              <p:par>
-                                <p:cTn id="5" presetID="4" presetClass="exit" presetSubtype="16" fill="hold" grpId="0" nodeType="clickEffect">
-                                  <p:stCondLst>
-                                    <p:cond delay="0"/>
-                                  </p:stCondLst>
-                                  <p:childTnLst>
-                                    <p:animEffect transition="out" filter="box(in)">
-                                      <p:cBhvr>
-                                        <p:cTn id="6" dur="500"/>
-                                        <p:tgtEl>
-                                          <p:spTgt spid="1193988"/>
-                                        </p:tgtEl>
-                                      </p:cBhvr>
-                                    </p:animEffect>
-                                    <p:set>
-                                      <p:cBhvr>
-                                        <p:cTn id="7" dur="1" fill="hold">
-                                          <p:stCondLst>
-                                            <p:cond delay="499"/>
-                                          </p:stCondLst>
-                                        </p:cTn>
-                                        <p:tgtEl>
-                                          <p:spTgt spid="1193988"/>
-                                        </p:tgtEl>
-                                        <p:attrNameLst>
-                                          <p:attrName>style.visibility</p:attrName>
-                                        </p:attrNameLst>
-                                      </p:cBhvr>
-                                      <p:to>
-                                        <p:strVal val="hidden"/>
-                                      </p:to>
-                                    </p:set>
-                                  </p:childTnLst>
-                                </p:cTn>
-                              </p:par>
-                            </p:childTnLst>
-                          </p:cTn>
-                        </p:par>
-                      </p:childTnLst>
-                    </p:cTn>
-                  </p:par>
-                </p:childTnLst>
-              </p:cTn>
-              <p:prevCondLst>
-                <p:cond evt="onPrev" delay="0">
-                  <p:tgtEl>
-                    <p:sldTgt/>
-                  </p:tgtEl>
-                </p:cond>
-              </p:prevCondLst>
-              <p:nextCondLst>
-                <p:cond evt="onNext" delay="0">
-                  <p:tgtEl>
-                    <p:sldTgt/>
-                  </p:tgtEl>
-                </p:cond>
-              </p:nextCondLst>
-            </p:seq>
-          </p:childTnLst>
-        </p:cTn>
-      </p:par>
-    </p:tnLst>
-    <p:bldLst>
-      <p:bldP spid="1193988" grpId="0" animBg="1"/>
-    </p:bldLst>
-  </p:timing>
 </p:sld>
 </file>
 
@@ -33075,54 +31467,6 @@
           </a:p>
         </p:txBody>
       </p:sp>
-      <p:sp>
-        <p:nvSpPr>
-          <p:cNvPr id="1193988" name="Rectangle 4"/>
-          <p:cNvSpPr>
-            <a:spLocks noChangeArrowheads="1"/>
-          </p:cNvSpPr>
-          <p:nvPr/>
-        </p:nvSpPr>
-        <p:spPr bwMode="auto">
-          <a:xfrm>
-            <a:off x="1600200" y="304800"/>
-            <a:ext cx="5715000" cy="1143000"/>
-          </a:xfrm>
-          <a:prstGeom prst="rect">
-            <a:avLst/>
-          </a:prstGeom>
-          <a:solidFill>
-            <a:schemeClr val="accent1"/>
-          </a:solidFill>
-          <a:ln w="9525">
-            <a:solidFill>
-              <a:schemeClr val="tx1"/>
-            </a:solidFill>
-            <a:miter lim="800000"/>
-            <a:headEnd/>
-            <a:tailEnd/>
-          </a:ln>
-          <a:effectLst/>
-          <a:extLst>
-            <a:ext uri="{AF507438-7753-43E0-B8FC-AC1667EBCBE1}">
-              <a14:hiddenEffects xmlns:a14="http://schemas.microsoft.com/office/drawing/2010/main">
-                <a:effectLst>
-                  <a:outerShdw dist="35921" dir="2700000" algn="ctr" rotWithShape="0">
-                    <a:schemeClr val="bg2"/>
-                  </a:outerShdw>
-                </a:effectLst>
-              </a14:hiddenEffects>
-            </a:ext>
-          </a:extLst>
-        </p:spPr>
-        <p:txBody>
-          <a:bodyPr wrap="none" anchor="ctr"/>
-          <a:lstStyle/>
-          <a:p>
-            <a:endParaRPr lang="en-US"/>
-          </a:p>
-        </p:txBody>
-      </p:sp>
     </p:spTree>
     <p:extLst>
       <p:ext uri="{BB962C8B-B14F-4D97-AF65-F5344CB8AC3E}">
@@ -33133,92 +31477,6 @@
   <p:clrMapOvr>
     <a:masterClrMapping/>
   </p:clrMapOvr>
-  <p:timing>
-    <p:tnLst>
-      <p:par>
-        <p:cTn id="1" dur="indefinite" restart="never" nodeType="tmRoot">
-          <p:childTnLst>
-            <p:seq concurrent="1" nextAc="seek">
-              <p:cTn id="2" dur="indefinite" nodeType="mainSeq">
-                <p:childTnLst>
-                  <p:par>
-                    <p:cTn id="3" fill="hold" nodeType="clickPar">
-                      <p:stCondLst>
-                        <p:cond delay="indefinite"/>
-                      </p:stCondLst>
-                      <p:childTnLst>
-                        <p:par>
-                          <p:cTn id="4" fill="hold" nodeType="withGroup">
-                            <p:stCondLst>
-                              <p:cond delay="0"/>
-                            </p:stCondLst>
-                            <p:childTnLst>
-                              <p:par>
-                                <p:cTn id="5" presetID="4" presetClass="exit" presetSubtype="16" fill="hold" grpId="0" nodeType="clickEffect">
-                                  <p:stCondLst>
-                                    <p:cond delay="0"/>
-                                  </p:stCondLst>
-                                  <p:childTnLst>
-                                    <p:animEffect transition="out" filter="box(in)">
-                                      <p:cBhvr>
-                                        <p:cTn id="6" dur="500"/>
-                                        <p:tgtEl>
-                                          <p:spTgt spid="1193988"/>
-                                        </p:tgtEl>
-                                      </p:cBhvr>
-                                    </p:animEffect>
-                                    <p:set>
-                                      <p:cBhvr>
-                                        <p:cTn id="7" dur="1" fill="hold">
-                                          <p:stCondLst>
-                                            <p:cond delay="499"/>
-                                          </p:stCondLst>
-                                        </p:cTn>
-                                        <p:tgtEl>
-                                          <p:spTgt spid="1193988"/>
-                                        </p:tgtEl>
-                                        <p:attrNameLst>
-                                          <p:attrName>style.visibility</p:attrName>
-                                        </p:attrNameLst>
-                                      </p:cBhvr>
-                                      <p:to>
-                                        <p:strVal val="hidden"/>
-                                      </p:to>
-                                    </p:set>
-                                  </p:childTnLst>
-                                </p:cTn>
-                              </p:par>
-                            </p:childTnLst>
-                          </p:cTn>
-                        </p:par>
-                      </p:childTnLst>
-                    </p:cTn>
-                  </p:par>
-                </p:childTnLst>
-              </p:cTn>
-              <p:prevCondLst>
-                <p:cond evt="onPrev" delay="0">
-                  <p:tgtEl>
-                    <p:sldTgt/>
-                  </p:tgtEl>
-                </p:cond>
-              </p:prevCondLst>
-              <p:nextCondLst>
-                <p:cond evt="onNext" delay="0">
-                  <p:tgtEl>
-                    <p:sldTgt/>
-                  </p:tgtEl>
-                </p:cond>
-              </p:nextCondLst>
-            </p:seq>
-          </p:childTnLst>
-        </p:cTn>
-      </p:par>
-    </p:tnLst>
-    <p:bldLst>
-      <p:bldP spid="1193988" grpId="0" animBg="1"/>
-    </p:bldLst>
-  </p:timing>
 </p:sld>
 </file>
 
@@ -33551,54 +31809,6 @@
           </a:p>
         </p:txBody>
       </p:sp>
-      <p:sp>
-        <p:nvSpPr>
-          <p:cNvPr id="1193988" name="Rectangle 4"/>
-          <p:cNvSpPr>
-            <a:spLocks noChangeArrowheads="1"/>
-          </p:cNvSpPr>
-          <p:nvPr/>
-        </p:nvSpPr>
-        <p:spPr bwMode="auto">
-          <a:xfrm>
-            <a:off x="826168" y="228600"/>
-            <a:ext cx="7327232" cy="1143000"/>
-          </a:xfrm>
-          <a:prstGeom prst="rect">
-            <a:avLst/>
-          </a:prstGeom>
-          <a:solidFill>
-            <a:schemeClr val="accent1"/>
-          </a:solidFill>
-          <a:ln w="9525">
-            <a:solidFill>
-              <a:schemeClr val="tx1"/>
-            </a:solidFill>
-            <a:miter lim="800000"/>
-            <a:headEnd/>
-            <a:tailEnd/>
-          </a:ln>
-          <a:effectLst/>
-          <a:extLst>
-            <a:ext uri="{AF507438-7753-43E0-B8FC-AC1667EBCBE1}">
-              <a14:hiddenEffects xmlns:a14="http://schemas.microsoft.com/office/drawing/2010/main">
-                <a:effectLst>
-                  <a:outerShdw dist="35921" dir="2700000" algn="ctr" rotWithShape="0">
-                    <a:schemeClr val="bg2"/>
-                  </a:outerShdw>
-                </a:effectLst>
-              </a14:hiddenEffects>
-            </a:ext>
-          </a:extLst>
-        </p:spPr>
-        <p:txBody>
-          <a:bodyPr wrap="none" anchor="ctr"/>
-          <a:lstStyle/>
-          <a:p>
-            <a:endParaRPr lang="en-US"/>
-          </a:p>
-        </p:txBody>
-      </p:sp>
     </p:spTree>
     <p:extLst>
       <p:ext uri="{BB962C8B-B14F-4D97-AF65-F5344CB8AC3E}">
@@ -33609,92 +31819,6 @@
   <p:clrMapOvr>
     <a:masterClrMapping/>
   </p:clrMapOvr>
-  <p:timing>
-    <p:tnLst>
-      <p:par>
-        <p:cTn id="1" dur="indefinite" restart="never" nodeType="tmRoot">
-          <p:childTnLst>
-            <p:seq concurrent="1" nextAc="seek">
-              <p:cTn id="2" dur="indefinite" nodeType="mainSeq">
-                <p:childTnLst>
-                  <p:par>
-                    <p:cTn id="3" fill="hold" nodeType="clickPar">
-                      <p:stCondLst>
-                        <p:cond delay="indefinite"/>
-                      </p:stCondLst>
-                      <p:childTnLst>
-                        <p:par>
-                          <p:cTn id="4" fill="hold" nodeType="withGroup">
-                            <p:stCondLst>
-                              <p:cond delay="0"/>
-                            </p:stCondLst>
-                            <p:childTnLst>
-                              <p:par>
-                                <p:cTn id="5" presetID="4" presetClass="exit" presetSubtype="16" fill="hold" grpId="0" nodeType="clickEffect">
-                                  <p:stCondLst>
-                                    <p:cond delay="0"/>
-                                  </p:stCondLst>
-                                  <p:childTnLst>
-                                    <p:animEffect transition="out" filter="box(in)">
-                                      <p:cBhvr>
-                                        <p:cTn id="6" dur="500"/>
-                                        <p:tgtEl>
-                                          <p:spTgt spid="1193988"/>
-                                        </p:tgtEl>
-                                      </p:cBhvr>
-                                    </p:animEffect>
-                                    <p:set>
-                                      <p:cBhvr>
-                                        <p:cTn id="7" dur="1" fill="hold">
-                                          <p:stCondLst>
-                                            <p:cond delay="499"/>
-                                          </p:stCondLst>
-                                        </p:cTn>
-                                        <p:tgtEl>
-                                          <p:spTgt spid="1193988"/>
-                                        </p:tgtEl>
-                                        <p:attrNameLst>
-                                          <p:attrName>style.visibility</p:attrName>
-                                        </p:attrNameLst>
-                                      </p:cBhvr>
-                                      <p:to>
-                                        <p:strVal val="hidden"/>
-                                      </p:to>
-                                    </p:set>
-                                  </p:childTnLst>
-                                </p:cTn>
-                              </p:par>
-                            </p:childTnLst>
-                          </p:cTn>
-                        </p:par>
-                      </p:childTnLst>
-                    </p:cTn>
-                  </p:par>
-                </p:childTnLst>
-              </p:cTn>
-              <p:prevCondLst>
-                <p:cond evt="onPrev" delay="0">
-                  <p:tgtEl>
-                    <p:sldTgt/>
-                  </p:tgtEl>
-                </p:cond>
-              </p:prevCondLst>
-              <p:nextCondLst>
-                <p:cond evt="onNext" delay="0">
-                  <p:tgtEl>
-                    <p:sldTgt/>
-                  </p:tgtEl>
-                </p:cond>
-              </p:nextCondLst>
-            </p:seq>
-          </p:childTnLst>
-        </p:cTn>
-      </p:par>
-    </p:tnLst>
-    <p:bldLst>
-      <p:bldP spid="1193988" grpId="0" animBg="1"/>
-    </p:bldLst>
-  </p:timing>
 </p:sld>
 </file>
 
@@ -33789,54 +31913,6 @@
           </a:p>
         </p:txBody>
       </p:sp>
-      <p:sp>
-        <p:nvSpPr>
-          <p:cNvPr id="1193988" name="Rectangle 4"/>
-          <p:cNvSpPr>
-            <a:spLocks noChangeArrowheads="1"/>
-          </p:cNvSpPr>
-          <p:nvPr/>
-        </p:nvSpPr>
-        <p:spPr bwMode="auto">
-          <a:xfrm>
-            <a:off x="2133600" y="228600"/>
-            <a:ext cx="5715000" cy="1143000"/>
-          </a:xfrm>
-          <a:prstGeom prst="rect">
-            <a:avLst/>
-          </a:prstGeom>
-          <a:solidFill>
-            <a:schemeClr val="accent1"/>
-          </a:solidFill>
-          <a:ln w="9525">
-            <a:solidFill>
-              <a:schemeClr val="tx1"/>
-            </a:solidFill>
-            <a:miter lim="800000"/>
-            <a:headEnd/>
-            <a:tailEnd/>
-          </a:ln>
-          <a:effectLst/>
-          <a:extLst>
-            <a:ext uri="{AF507438-7753-43E0-B8FC-AC1667EBCBE1}">
-              <a14:hiddenEffects xmlns:a14="http://schemas.microsoft.com/office/drawing/2010/main">
-                <a:effectLst>
-                  <a:outerShdw dist="35921" dir="2700000" algn="ctr" rotWithShape="0">
-                    <a:schemeClr val="bg2"/>
-                  </a:outerShdw>
-                </a:effectLst>
-              </a14:hiddenEffects>
-            </a:ext>
-          </a:extLst>
-        </p:spPr>
-        <p:txBody>
-          <a:bodyPr wrap="none" anchor="ctr"/>
-          <a:lstStyle/>
-          <a:p>
-            <a:endParaRPr lang="en-US"/>
-          </a:p>
-        </p:txBody>
-      </p:sp>
     </p:spTree>
     <p:extLst>
       <p:ext uri="{BB962C8B-B14F-4D97-AF65-F5344CB8AC3E}">
@@ -33847,92 +31923,6 @@
   <p:clrMapOvr>
     <a:masterClrMapping/>
   </p:clrMapOvr>
-  <p:timing>
-    <p:tnLst>
-      <p:par>
-        <p:cTn id="1" dur="indefinite" restart="never" nodeType="tmRoot">
-          <p:childTnLst>
-            <p:seq concurrent="1" nextAc="seek">
-              <p:cTn id="2" dur="indefinite" nodeType="mainSeq">
-                <p:childTnLst>
-                  <p:par>
-                    <p:cTn id="3" fill="hold" nodeType="clickPar">
-                      <p:stCondLst>
-                        <p:cond delay="indefinite"/>
-                      </p:stCondLst>
-                      <p:childTnLst>
-                        <p:par>
-                          <p:cTn id="4" fill="hold" nodeType="withGroup">
-                            <p:stCondLst>
-                              <p:cond delay="0"/>
-                            </p:stCondLst>
-                            <p:childTnLst>
-                              <p:par>
-                                <p:cTn id="5" presetID="4" presetClass="exit" presetSubtype="16" fill="hold" grpId="0" nodeType="clickEffect">
-                                  <p:stCondLst>
-                                    <p:cond delay="0"/>
-                                  </p:stCondLst>
-                                  <p:childTnLst>
-                                    <p:animEffect transition="out" filter="box(in)">
-                                      <p:cBhvr>
-                                        <p:cTn id="6" dur="500"/>
-                                        <p:tgtEl>
-                                          <p:spTgt spid="1193988"/>
-                                        </p:tgtEl>
-                                      </p:cBhvr>
-                                    </p:animEffect>
-                                    <p:set>
-                                      <p:cBhvr>
-                                        <p:cTn id="7" dur="1" fill="hold">
-                                          <p:stCondLst>
-                                            <p:cond delay="499"/>
-                                          </p:stCondLst>
-                                        </p:cTn>
-                                        <p:tgtEl>
-                                          <p:spTgt spid="1193988"/>
-                                        </p:tgtEl>
-                                        <p:attrNameLst>
-                                          <p:attrName>style.visibility</p:attrName>
-                                        </p:attrNameLst>
-                                      </p:cBhvr>
-                                      <p:to>
-                                        <p:strVal val="hidden"/>
-                                      </p:to>
-                                    </p:set>
-                                  </p:childTnLst>
-                                </p:cTn>
-                              </p:par>
-                            </p:childTnLst>
-                          </p:cTn>
-                        </p:par>
-                      </p:childTnLst>
-                    </p:cTn>
-                  </p:par>
-                </p:childTnLst>
-              </p:cTn>
-              <p:prevCondLst>
-                <p:cond evt="onPrev" delay="0">
-                  <p:tgtEl>
-                    <p:sldTgt/>
-                  </p:tgtEl>
-                </p:cond>
-              </p:prevCondLst>
-              <p:nextCondLst>
-                <p:cond evt="onNext" delay="0">
-                  <p:tgtEl>
-                    <p:sldTgt/>
-                  </p:tgtEl>
-                </p:cond>
-              </p:nextCondLst>
-            </p:seq>
-          </p:childTnLst>
-        </p:cTn>
-      </p:par>
-    </p:tnLst>
-    <p:bldLst>
-      <p:bldP spid="1193988" grpId="0" animBg="1"/>
-    </p:bldLst>
-  </p:timing>
 </p:sld>
 </file>
 
